--- a/FinalPresentation Figures.pptx
+++ b/FinalPresentation Figures.pptx
@@ -10,6 +10,10 @@
     <p:sldId id="258" r:id="rId4"/>
     <p:sldId id="259" r:id="rId5"/>
     <p:sldId id="260" r:id="rId6"/>
+    <p:sldId id="262" r:id="rId7"/>
+    <p:sldId id="263" r:id="rId8"/>
+    <p:sldId id="264" r:id="rId9"/>
+    <p:sldId id="261" r:id="rId10"/>
   </p:sldIdLst>
   <p:sldSz cx="12192000" cy="6858000"/>
   <p:notesSz cx="6858000" cy="9144000"/>
@@ -6045,7 +6049,7 @@
         <a:p>
           <a:r>
             <a:rPr lang="en-CA" dirty="0" smtClean="0"/>
-            <a:t>Generate models for healthy and schizophrenic</a:t>
+            <a:t>Generate models for healthy and schizophrenic (Precision matrices)</a:t>
           </a:r>
           <a:endParaRPr lang="en-CA" dirty="0"/>
         </a:p>
@@ -6152,11 +6156,11 @@
         <a:p>
           <a:r>
             <a:rPr lang="en-CA" dirty="0" smtClean="0"/>
-            <a:t>Calculate P(Data, Healthy) and </a:t>
+            <a:t>Calculate P(Data |Healthy) and </a:t>
           </a:r>
           <a:r>
             <a:rPr lang="en-CA" dirty="0" smtClean="0"/>
-            <a:t>P(Data, Schizophrenic)</a:t>
+            <a:t>P(Data |Schizophrenic)</a:t>
           </a:r>
           <a:endParaRPr lang="en-CA" dirty="0"/>
         </a:p>
@@ -6193,7 +6197,7 @@
         <a:p>
           <a:r>
             <a:rPr lang="en-CA" dirty="0" smtClean="0"/>
-            <a:t>Do the classification</a:t>
+            <a:t>Choose the most likely label</a:t>
           </a:r>
           <a:endParaRPr lang="en-CA" dirty="0"/>
         </a:p>
@@ -10122,8 +10126,8 @@
       </dsp:nvSpPr>
       <dsp:spPr>
         <a:xfrm rot="5400000">
-          <a:off x="-179747" y="180063"/>
-          <a:ext cx="1198317" cy="838822"/>
+          <a:off x="-163880" y="165175"/>
+          <a:ext cx="1092538" cy="764776"/>
         </a:xfrm>
         <a:prstGeom prst="chevron">
           <a:avLst/>
@@ -10165,12 +10169,12 @@
         </a:fontRef>
       </dsp:style>
       <dsp:txBody>
-        <a:bodyPr spcFirstLastPara="0" vert="horz" wrap="square" lIns="14605" tIns="14605" rIns="14605" bIns="14605" numCol="1" spcCol="1270" anchor="ctr" anchorCtr="0">
+        <a:bodyPr spcFirstLastPara="0" vert="horz" wrap="square" lIns="13335" tIns="13335" rIns="13335" bIns="13335" numCol="1" spcCol="1270" anchor="ctr" anchorCtr="0">
           <a:noAutofit/>
         </a:bodyPr>
         <a:lstStyle/>
         <a:p>
-          <a:pPr lvl="0" algn="ctr" defTabSz="1022350">
+          <a:pPr lvl="0" algn="ctr" defTabSz="933450">
             <a:lnSpc>
               <a:spcPct val="90000"/>
             </a:lnSpc>
@@ -10182,15 +10186,15 @@
             </a:spcAft>
           </a:pPr>
           <a:r>
-            <a:rPr lang="en-CA" sz="2300" kern="1200" dirty="0" smtClean="0"/>
+            <a:rPr lang="en-CA" sz="2100" kern="1200" dirty="0" smtClean="0"/>
             <a:t>Step1</a:t>
           </a:r>
-          <a:endParaRPr lang="en-CA" sz="2300" kern="1200" dirty="0"/>
+          <a:endParaRPr lang="en-CA" sz="2100" kern="1200" dirty="0"/>
         </a:p>
       </dsp:txBody>
       <dsp:txXfrm rot="-5400000">
-        <a:off x="1" y="419726"/>
-        <a:ext cx="838822" cy="359495"/>
+        <a:off x="1" y="383682"/>
+        <a:ext cx="764776" cy="327762"/>
       </dsp:txXfrm>
     </dsp:sp>
     <dsp:sp modelId="{4DF7E6E1-9E43-41ED-A8F6-B41E4F5CB6FB}">
@@ -10200,8 +10204,8 @@
       </dsp:nvSpPr>
       <dsp:spPr>
         <a:xfrm rot="5400000">
-          <a:off x="5287757" y="-4448620"/>
-          <a:ext cx="778906" cy="9676777"/>
+          <a:off x="3714992" y="-2948920"/>
+          <a:ext cx="710149" cy="6610581"/>
         </a:xfrm>
         <a:prstGeom prst="round2SameRect">
           <a:avLst/>
@@ -10242,12 +10246,12 @@
         <a:fontRef idx="minor"/>
       </dsp:style>
       <dsp:txBody>
-        <a:bodyPr spcFirstLastPara="0" vert="horz" wrap="square" lIns="156464" tIns="13970" rIns="13970" bIns="13970" numCol="1" spcCol="1270" anchor="ctr" anchorCtr="0">
+        <a:bodyPr spcFirstLastPara="0" vert="horz" wrap="square" lIns="128016" tIns="11430" rIns="11430" bIns="11430" numCol="1" spcCol="1270" anchor="ctr" anchorCtr="0">
           <a:noAutofit/>
         </a:bodyPr>
         <a:lstStyle/>
         <a:p>
-          <a:pPr marL="228600" lvl="1" indent="-228600" algn="l" defTabSz="977900">
+          <a:pPr marL="171450" lvl="1" indent="-171450" algn="l" defTabSz="800100">
             <a:lnSpc>
               <a:spcPct val="90000"/>
             </a:lnSpc>
@@ -10260,13 +10264,13 @@
             <a:buChar char="••"/>
           </a:pPr>
           <a:r>
-            <a:rPr lang="en-CA" sz="2200" kern="1200" dirty="0" smtClean="0"/>
+            <a:rPr lang="en-CA" sz="1800" kern="1200" dirty="0" smtClean="0"/>
             <a:t>Process the fMRI data</a:t>
           </a:r>
-          <a:endParaRPr lang="en-CA" sz="2200" kern="1200" dirty="0"/>
+          <a:endParaRPr lang="en-CA" sz="1800" kern="1200" dirty="0"/>
         </a:p>
         <a:p>
-          <a:pPr marL="228600" lvl="1" indent="-228600" algn="l" defTabSz="977900">
+          <a:pPr marL="171450" lvl="1" indent="-171450" algn="l" defTabSz="800100">
             <a:lnSpc>
               <a:spcPct val="90000"/>
             </a:lnSpc>
@@ -10279,15 +10283,15 @@
             <a:buChar char="••"/>
           </a:pPr>
           <a:r>
-            <a:rPr lang="en-CA" sz="2200" kern="1200" dirty="0" smtClean="0"/>
+            <a:rPr lang="en-CA" sz="1800" kern="1200" dirty="0" smtClean="0"/>
             <a:t>Obtain features</a:t>
           </a:r>
-          <a:endParaRPr lang="en-CA" sz="2200" kern="1200" dirty="0"/>
+          <a:endParaRPr lang="en-CA" sz="1800" kern="1200" dirty="0"/>
         </a:p>
       </dsp:txBody>
       <dsp:txXfrm rot="-5400000">
-        <a:off x="838822" y="38338"/>
-        <a:ext cx="9638754" cy="702860"/>
+        <a:off x="764777" y="35962"/>
+        <a:ext cx="6575914" cy="640815"/>
       </dsp:txXfrm>
     </dsp:sp>
     <dsp:sp modelId="{CC8BF058-3578-4AD3-9ED3-A6B0E6C446AE}">
@@ -10297,8 +10301,8 @@
       </dsp:nvSpPr>
       <dsp:spPr>
         <a:xfrm rot="5400000">
-          <a:off x="-179747" y="1230859"/>
-          <a:ext cx="1198317" cy="838822"/>
+          <a:off x="-163880" y="1108622"/>
+          <a:ext cx="1092538" cy="764776"/>
         </a:xfrm>
         <a:prstGeom prst="chevron">
           <a:avLst/>
@@ -10340,12 +10344,12 @@
         </a:fontRef>
       </dsp:style>
       <dsp:txBody>
-        <a:bodyPr spcFirstLastPara="0" vert="horz" wrap="square" lIns="14605" tIns="14605" rIns="14605" bIns="14605" numCol="1" spcCol="1270" anchor="ctr" anchorCtr="0">
+        <a:bodyPr spcFirstLastPara="0" vert="horz" wrap="square" lIns="13335" tIns="13335" rIns="13335" bIns="13335" numCol="1" spcCol="1270" anchor="ctr" anchorCtr="0">
           <a:noAutofit/>
         </a:bodyPr>
         <a:lstStyle/>
         <a:p>
-          <a:pPr lvl="0" algn="ctr" defTabSz="1022350">
+          <a:pPr lvl="0" algn="ctr" defTabSz="933450">
             <a:lnSpc>
               <a:spcPct val="90000"/>
             </a:lnSpc>
@@ -10357,15 +10361,15 @@
             </a:spcAft>
           </a:pPr>
           <a:r>
-            <a:rPr lang="en-CA" sz="2300" kern="1200" dirty="0" smtClean="0"/>
+            <a:rPr lang="en-CA" sz="2100" kern="1200" dirty="0" smtClean="0"/>
             <a:t>Step 2</a:t>
           </a:r>
-          <a:endParaRPr lang="en-CA" sz="2300" kern="1200" dirty="0"/>
+          <a:endParaRPr lang="en-CA" sz="2100" kern="1200" dirty="0"/>
         </a:p>
       </dsp:txBody>
       <dsp:txXfrm rot="-5400000">
-        <a:off x="1" y="1470522"/>
-        <a:ext cx="838822" cy="359495"/>
+        <a:off x="1" y="1327129"/>
+        <a:ext cx="764776" cy="327762"/>
       </dsp:txXfrm>
     </dsp:sp>
     <dsp:sp modelId="{768F7410-E6B3-449E-9274-46FDA966C334}">
@@ -10375,8 +10379,8 @@
       </dsp:nvSpPr>
       <dsp:spPr>
         <a:xfrm rot="5400000">
-          <a:off x="5287757" y="-3397823"/>
-          <a:ext cx="778906" cy="9676777"/>
+          <a:off x="3714992" y="-2005473"/>
+          <a:ext cx="710149" cy="6610581"/>
         </a:xfrm>
         <a:prstGeom prst="round2SameRect">
           <a:avLst/>
@@ -10417,12 +10421,12 @@
         <a:fontRef idx="minor"/>
       </dsp:style>
       <dsp:txBody>
-        <a:bodyPr spcFirstLastPara="0" vert="horz" wrap="square" lIns="156464" tIns="13970" rIns="13970" bIns="13970" numCol="1" spcCol="1270" anchor="ctr" anchorCtr="0">
+        <a:bodyPr spcFirstLastPara="0" vert="horz" wrap="square" lIns="128016" tIns="11430" rIns="11430" bIns="11430" numCol="1" spcCol="1270" anchor="ctr" anchorCtr="0">
           <a:noAutofit/>
         </a:bodyPr>
         <a:lstStyle/>
         <a:p>
-          <a:pPr marL="228600" lvl="1" indent="-228600" algn="l" defTabSz="977900">
+          <a:pPr marL="171450" lvl="1" indent="-171450" algn="l" defTabSz="800100">
             <a:lnSpc>
               <a:spcPct val="90000"/>
             </a:lnSpc>
@@ -10435,15 +10439,15 @@
             <a:buChar char="••"/>
           </a:pPr>
           <a:r>
-            <a:rPr lang="en-CA" sz="2200" kern="1200" dirty="0" smtClean="0"/>
+            <a:rPr lang="en-CA" sz="1800" kern="1200" dirty="0" smtClean="0"/>
             <a:t>Filter/Sort features</a:t>
           </a:r>
-          <a:endParaRPr lang="en-CA" sz="2200" kern="1200" dirty="0"/>
+          <a:endParaRPr lang="en-CA" sz="1800" kern="1200" dirty="0"/>
         </a:p>
       </dsp:txBody>
       <dsp:txXfrm rot="-5400000">
-        <a:off x="838822" y="1089135"/>
-        <a:ext cx="9638754" cy="702860"/>
+        <a:off x="764777" y="979409"/>
+        <a:ext cx="6575914" cy="640815"/>
       </dsp:txXfrm>
     </dsp:sp>
     <dsp:sp modelId="{4769227C-CFDE-4092-8F97-6295DB980FB9}">
@@ -10453,8 +10457,8 @@
       </dsp:nvSpPr>
       <dsp:spPr>
         <a:xfrm rot="5400000">
-          <a:off x="-179747" y="2281656"/>
-          <a:ext cx="1198317" cy="838822"/>
+          <a:off x="-163880" y="2052070"/>
+          <a:ext cx="1092538" cy="764776"/>
         </a:xfrm>
         <a:prstGeom prst="chevron">
           <a:avLst/>
@@ -10496,12 +10500,12 @@
         </a:fontRef>
       </dsp:style>
       <dsp:txBody>
-        <a:bodyPr spcFirstLastPara="0" vert="horz" wrap="square" lIns="14605" tIns="14605" rIns="14605" bIns="14605" numCol="1" spcCol="1270" anchor="ctr" anchorCtr="0">
+        <a:bodyPr spcFirstLastPara="0" vert="horz" wrap="square" lIns="13335" tIns="13335" rIns="13335" bIns="13335" numCol="1" spcCol="1270" anchor="ctr" anchorCtr="0">
           <a:noAutofit/>
         </a:bodyPr>
         <a:lstStyle/>
         <a:p>
-          <a:pPr lvl="0" algn="ctr" defTabSz="1022350">
+          <a:pPr lvl="0" algn="ctr" defTabSz="933450">
             <a:lnSpc>
               <a:spcPct val="90000"/>
             </a:lnSpc>
@@ -10513,15 +10517,15 @@
             </a:spcAft>
           </a:pPr>
           <a:r>
-            <a:rPr lang="en-CA" sz="2300" kern="1200" dirty="0" smtClean="0"/>
+            <a:rPr lang="en-CA" sz="2100" kern="1200" dirty="0" smtClean="0"/>
             <a:t>Step 3</a:t>
           </a:r>
-          <a:endParaRPr lang="en-CA" sz="2300" kern="1200" dirty="0"/>
+          <a:endParaRPr lang="en-CA" sz="2100" kern="1200" dirty="0"/>
         </a:p>
       </dsp:txBody>
       <dsp:txXfrm rot="-5400000">
-        <a:off x="1" y="2521319"/>
-        <a:ext cx="838822" cy="359495"/>
+        <a:off x="1" y="2270577"/>
+        <a:ext cx="764776" cy="327762"/>
       </dsp:txXfrm>
     </dsp:sp>
     <dsp:sp modelId="{7ECFA9C8-8562-446E-87BF-DE3EB4253EB1}">
@@ -10531,8 +10535,8 @@
       </dsp:nvSpPr>
       <dsp:spPr>
         <a:xfrm rot="5400000">
-          <a:off x="5287757" y="-2347027"/>
-          <a:ext cx="778906" cy="9676777"/>
+          <a:off x="3714992" y="-1062026"/>
+          <a:ext cx="710149" cy="6610581"/>
         </a:xfrm>
         <a:prstGeom prst="round2SameRect">
           <a:avLst/>
@@ -10573,12 +10577,12 @@
         <a:fontRef idx="minor"/>
       </dsp:style>
       <dsp:txBody>
-        <a:bodyPr spcFirstLastPara="0" vert="horz" wrap="square" lIns="156464" tIns="13970" rIns="13970" bIns="13970" numCol="1" spcCol="1270" anchor="ctr" anchorCtr="0">
+        <a:bodyPr spcFirstLastPara="0" vert="horz" wrap="square" lIns="128016" tIns="11430" rIns="11430" bIns="11430" numCol="1" spcCol="1270" anchor="ctr" anchorCtr="0">
           <a:noAutofit/>
         </a:bodyPr>
         <a:lstStyle/>
         <a:p>
-          <a:pPr marL="228600" lvl="1" indent="-228600" algn="l" defTabSz="977900">
+          <a:pPr marL="171450" lvl="1" indent="-171450" algn="l" defTabSz="800100">
             <a:lnSpc>
               <a:spcPct val="90000"/>
             </a:lnSpc>
@@ -10591,13 +10595,13 @@
             <a:buChar char="••"/>
           </a:pPr>
           <a:r>
-            <a:rPr lang="en-CA" sz="2200" kern="1200" dirty="0" smtClean="0"/>
-            <a:t>Generate models for healthy and schizophrenic</a:t>
+            <a:rPr lang="en-CA" sz="1800" kern="1200" dirty="0" smtClean="0"/>
+            <a:t>Generate models for healthy and schizophrenic (Precision matrices)</a:t>
           </a:r>
-          <a:endParaRPr lang="en-CA" sz="2200" kern="1200" dirty="0"/>
+          <a:endParaRPr lang="en-CA" sz="1800" kern="1200" dirty="0"/>
         </a:p>
         <a:p>
-          <a:pPr marL="228600" lvl="1" indent="-228600" algn="l" defTabSz="977900">
+          <a:pPr marL="171450" lvl="1" indent="-171450" algn="l" defTabSz="800100">
             <a:lnSpc>
               <a:spcPct val="90000"/>
             </a:lnSpc>
@@ -10609,12 +10613,12 @@
             </a:spcAft>
             <a:buChar char="••"/>
           </a:pPr>
-          <a:endParaRPr lang="en-CA" sz="2200" kern="1200" dirty="0"/>
+          <a:endParaRPr lang="en-CA" sz="1800" kern="1200" dirty="0"/>
         </a:p>
       </dsp:txBody>
       <dsp:txXfrm rot="-5400000">
-        <a:off x="838822" y="2139931"/>
-        <a:ext cx="9638754" cy="702860"/>
+        <a:off x="764777" y="1922856"/>
+        <a:ext cx="6575914" cy="640815"/>
       </dsp:txXfrm>
     </dsp:sp>
     <dsp:sp modelId="{A2158506-4BEE-4FC9-AF30-377FD69B6A1F}">
@@ -10624,8 +10628,8 @@
       </dsp:nvSpPr>
       <dsp:spPr>
         <a:xfrm rot="5400000">
-          <a:off x="-179747" y="3332452"/>
-          <a:ext cx="1198317" cy="838822"/>
+          <a:off x="-163880" y="2995517"/>
+          <a:ext cx="1092538" cy="764776"/>
         </a:xfrm>
         <a:prstGeom prst="chevron">
           <a:avLst/>
@@ -10667,12 +10671,12 @@
         </a:fontRef>
       </dsp:style>
       <dsp:txBody>
-        <a:bodyPr spcFirstLastPara="0" vert="horz" wrap="square" lIns="14605" tIns="14605" rIns="14605" bIns="14605" numCol="1" spcCol="1270" anchor="ctr" anchorCtr="0">
+        <a:bodyPr spcFirstLastPara="0" vert="horz" wrap="square" lIns="13335" tIns="13335" rIns="13335" bIns="13335" numCol="1" spcCol="1270" anchor="ctr" anchorCtr="0">
           <a:noAutofit/>
         </a:bodyPr>
         <a:lstStyle/>
         <a:p>
-          <a:pPr lvl="0" algn="ctr" defTabSz="1022350">
+          <a:pPr lvl="0" algn="ctr" defTabSz="933450">
             <a:lnSpc>
               <a:spcPct val="90000"/>
             </a:lnSpc>
@@ -10684,15 +10688,15 @@
             </a:spcAft>
           </a:pPr>
           <a:r>
-            <a:rPr lang="en-CA" sz="2300" kern="1200" dirty="0" smtClean="0"/>
+            <a:rPr lang="en-CA" sz="2100" kern="1200" dirty="0" smtClean="0"/>
             <a:t>Step 4</a:t>
           </a:r>
-          <a:endParaRPr lang="en-CA" sz="2300" kern="1200" dirty="0"/>
+          <a:endParaRPr lang="en-CA" sz="2100" kern="1200" dirty="0"/>
         </a:p>
       </dsp:txBody>
       <dsp:txXfrm rot="-5400000">
-        <a:off x="1" y="3572115"/>
-        <a:ext cx="838822" cy="359495"/>
+        <a:off x="1" y="3214024"/>
+        <a:ext cx="764776" cy="327762"/>
       </dsp:txXfrm>
     </dsp:sp>
     <dsp:sp modelId="{AC6E3465-A46A-46B5-AFFE-71CB3691698C}">
@@ -10702,8 +10706,8 @@
       </dsp:nvSpPr>
       <dsp:spPr>
         <a:xfrm rot="5400000">
-          <a:off x="5287757" y="-1296230"/>
-          <a:ext cx="778906" cy="9676777"/>
+          <a:off x="3714992" y="-118578"/>
+          <a:ext cx="710149" cy="6610581"/>
         </a:xfrm>
         <a:prstGeom prst="round2SameRect">
           <a:avLst/>
@@ -10744,12 +10748,12 @@
         <a:fontRef idx="minor"/>
       </dsp:style>
       <dsp:txBody>
-        <a:bodyPr spcFirstLastPara="0" vert="horz" wrap="square" lIns="156464" tIns="13970" rIns="13970" bIns="13970" numCol="1" spcCol="1270" anchor="ctr" anchorCtr="0">
+        <a:bodyPr spcFirstLastPara="0" vert="horz" wrap="square" lIns="128016" tIns="11430" rIns="11430" bIns="11430" numCol="1" spcCol="1270" anchor="ctr" anchorCtr="0">
           <a:noAutofit/>
         </a:bodyPr>
         <a:lstStyle/>
         <a:p>
-          <a:pPr marL="228600" lvl="1" indent="-228600" algn="l" defTabSz="977900">
+          <a:pPr marL="171450" lvl="1" indent="-171450" algn="l" defTabSz="800100">
             <a:lnSpc>
               <a:spcPct val="90000"/>
             </a:lnSpc>
@@ -10762,17 +10766,17 @@
             <a:buChar char="••"/>
           </a:pPr>
           <a:r>
-            <a:rPr lang="en-CA" sz="2200" kern="1200" dirty="0" smtClean="0"/>
-            <a:t>Calculate P(Data, Healthy) and </a:t>
+            <a:rPr lang="en-CA" sz="1800" kern="1200" dirty="0" smtClean="0"/>
+            <a:t>Calculate P(Data |Healthy) and </a:t>
           </a:r>
           <a:r>
-            <a:rPr lang="en-CA" sz="2200" kern="1200" dirty="0" smtClean="0"/>
-            <a:t>P(Data, Schizophrenic)</a:t>
+            <a:rPr lang="en-CA" sz="1800" kern="1200" dirty="0" smtClean="0"/>
+            <a:t>P(Data |Schizophrenic)</a:t>
           </a:r>
-          <a:endParaRPr lang="en-CA" sz="2200" kern="1200" dirty="0"/>
+          <a:endParaRPr lang="en-CA" sz="1800" kern="1200" dirty="0"/>
         </a:p>
         <a:p>
-          <a:pPr marL="228600" lvl="1" indent="-228600" algn="l" defTabSz="977900">
+          <a:pPr marL="171450" lvl="1" indent="-171450" algn="l" defTabSz="800100">
             <a:lnSpc>
               <a:spcPct val="90000"/>
             </a:lnSpc>
@@ -10785,15 +10789,15 @@
             <a:buChar char="••"/>
           </a:pPr>
           <a:r>
-            <a:rPr lang="en-CA" sz="2200" kern="1200" dirty="0" smtClean="0"/>
-            <a:t>Do the classification</a:t>
+            <a:rPr lang="en-CA" sz="1800" kern="1200" dirty="0" smtClean="0"/>
+            <a:t>Choose the most likely label</a:t>
           </a:r>
-          <a:endParaRPr lang="en-CA" sz="2200" kern="1200" dirty="0"/>
+          <a:endParaRPr lang="en-CA" sz="1800" kern="1200" dirty="0"/>
         </a:p>
       </dsp:txBody>
       <dsp:txXfrm rot="-5400000">
-        <a:off x="838822" y="3190728"/>
-        <a:ext cx="9638754" cy="702860"/>
+        <a:off x="764777" y="2866304"/>
+        <a:ext cx="6575914" cy="640815"/>
       </dsp:txXfrm>
     </dsp:sp>
   </dsp:spTree>
@@ -21506,14 +21510,14 @@
             <p:ph idx="1"/>
             <p:extLst>
               <p:ext uri="{D42A27DB-BD31-4B8C-83A1-F6EECF244321}">
-                <p14:modId xmlns:p14="http://schemas.microsoft.com/office/powerpoint/2010/main" val="3874942043"/>
+                <p14:modId xmlns:p14="http://schemas.microsoft.com/office/powerpoint/2010/main" val="3971870023"/>
               </p:ext>
             </p:extLst>
           </p:nvPr>
         </p:nvGraphicFramePr>
         <p:xfrm>
-          <a:off x="838200" y="1825625"/>
-          <a:ext cx="10515600" cy="4351338"/>
+          <a:off x="589547" y="1945941"/>
+          <a:ext cx="7375358" cy="3925470"/>
         </p:xfrm>
         <a:graphic>
           <a:graphicData uri="http://schemas.openxmlformats.org/drawingml/2006/diagram">
@@ -21525,6 +21529,4813 @@
     <p:extLst>
       <p:ext uri="{BB962C8B-B14F-4D97-AF65-F5344CB8AC3E}">
         <p14:creationId xmlns:p14="http://schemas.microsoft.com/office/powerpoint/2010/main" val="56182984"/>
+      </p:ext>
+    </p:extLst>
+  </p:cSld>
+  <p:clrMapOvr>
+    <a:masterClrMapping/>
+  </p:clrMapOvr>
+  <p:timing>
+    <p:tnLst>
+      <p:par>
+        <p:cTn id="1" dur="indefinite" restart="never" nodeType="tmRoot"/>
+      </p:par>
+    </p:tnLst>
+  </p:timing>
+</p:sld>
+</file>
+
+<file path=ppt/slides/slide6.xml><?xml version="1.0" encoding="utf-8"?>
+<p:sld xmlns:a="http://schemas.openxmlformats.org/drawingml/2006/main" xmlns:r="http://schemas.openxmlformats.org/officeDocument/2006/relationships" xmlns:p="http://schemas.openxmlformats.org/presentationml/2006/main">
+  <p:cSld>
+    <p:spTree>
+      <p:nvGrpSpPr>
+        <p:cNvPr id="1" name=""/>
+        <p:cNvGrpSpPr/>
+        <p:nvPr/>
+      </p:nvGrpSpPr>
+      <p:grpSpPr>
+        <a:xfrm>
+          <a:off x="0" y="0"/>
+          <a:ext cx="0" cy="0"/>
+          <a:chOff x="0" y="0"/>
+          <a:chExt cx="0" cy="0"/>
+        </a:xfrm>
+      </p:grpSpPr>
+      <p:sp>
+        <p:nvSpPr>
+          <p:cNvPr id="4" name="Rounded Rectangle 3"/>
+          <p:cNvSpPr/>
+          <p:nvPr/>
+        </p:nvSpPr>
+        <p:spPr>
+          <a:xfrm>
+            <a:off x="120318" y="962527"/>
+            <a:ext cx="1588168" cy="1503947"/>
+          </a:xfrm>
+          <a:prstGeom prst="roundRect">
+            <a:avLst/>
+          </a:prstGeom>
+          <a:solidFill>
+            <a:schemeClr val="bg1">
+              <a:lumMod val="75000"/>
+            </a:schemeClr>
+          </a:solidFill>
+        </p:spPr>
+        <p:style>
+          <a:lnRef idx="2">
+            <a:schemeClr val="accent1">
+              <a:shade val="50000"/>
+            </a:schemeClr>
+          </a:lnRef>
+          <a:fillRef idx="1">
+            <a:schemeClr val="accent1"/>
+          </a:fillRef>
+          <a:effectRef idx="0">
+            <a:schemeClr val="accent1"/>
+          </a:effectRef>
+          <a:fontRef idx="minor">
+            <a:schemeClr val="lt1"/>
+          </a:fontRef>
+        </p:style>
+        <p:txBody>
+          <a:bodyPr rtlCol="0" anchor="ctr"/>
+          <a:lstStyle/>
+          <a:p>
+            <a:pPr algn="ctr"/>
+            <a:endParaRPr lang="en-CA"/>
+          </a:p>
+        </p:txBody>
+      </p:sp>
+      <p:sp>
+        <p:nvSpPr>
+          <p:cNvPr id="5" name="Rounded Rectangle 4"/>
+          <p:cNvSpPr/>
+          <p:nvPr/>
+        </p:nvSpPr>
+        <p:spPr>
+          <a:xfrm>
+            <a:off x="272718" y="1114927"/>
+            <a:ext cx="1588168" cy="1503947"/>
+          </a:xfrm>
+          <a:prstGeom prst="roundRect">
+            <a:avLst/>
+          </a:prstGeom>
+          <a:solidFill>
+            <a:schemeClr val="bg1">
+              <a:lumMod val="75000"/>
+            </a:schemeClr>
+          </a:solidFill>
+        </p:spPr>
+        <p:style>
+          <a:lnRef idx="2">
+            <a:schemeClr val="accent1">
+              <a:shade val="50000"/>
+            </a:schemeClr>
+          </a:lnRef>
+          <a:fillRef idx="1">
+            <a:schemeClr val="accent1"/>
+          </a:fillRef>
+          <a:effectRef idx="0">
+            <a:schemeClr val="accent1"/>
+          </a:effectRef>
+          <a:fontRef idx="minor">
+            <a:schemeClr val="lt1"/>
+          </a:fontRef>
+        </p:style>
+        <p:txBody>
+          <a:bodyPr rtlCol="0" anchor="ctr"/>
+          <a:lstStyle/>
+          <a:p>
+            <a:pPr algn="ctr"/>
+            <a:endParaRPr lang="en-CA"/>
+          </a:p>
+        </p:txBody>
+      </p:sp>
+      <p:sp>
+        <p:nvSpPr>
+          <p:cNvPr id="6" name="Rounded Rectangle 5"/>
+          <p:cNvSpPr/>
+          <p:nvPr/>
+        </p:nvSpPr>
+        <p:spPr>
+          <a:xfrm>
+            <a:off x="425118" y="1267327"/>
+            <a:ext cx="1588168" cy="1503947"/>
+          </a:xfrm>
+          <a:prstGeom prst="roundRect">
+            <a:avLst/>
+          </a:prstGeom>
+          <a:solidFill>
+            <a:schemeClr val="bg1">
+              <a:lumMod val="75000"/>
+            </a:schemeClr>
+          </a:solidFill>
+        </p:spPr>
+        <p:style>
+          <a:lnRef idx="2">
+            <a:schemeClr val="accent1">
+              <a:shade val="50000"/>
+            </a:schemeClr>
+          </a:lnRef>
+          <a:fillRef idx="1">
+            <a:schemeClr val="accent1"/>
+          </a:fillRef>
+          <a:effectRef idx="0">
+            <a:schemeClr val="accent1"/>
+          </a:effectRef>
+          <a:fontRef idx="minor">
+            <a:schemeClr val="lt1"/>
+          </a:fontRef>
+        </p:style>
+        <p:txBody>
+          <a:bodyPr rtlCol="0" anchor="ctr"/>
+          <a:lstStyle/>
+          <a:p>
+            <a:pPr algn="ctr"/>
+            <a:endParaRPr lang="en-CA"/>
+          </a:p>
+        </p:txBody>
+      </p:sp>
+      <p:sp>
+        <p:nvSpPr>
+          <p:cNvPr id="7" name="Rounded Rectangle 6"/>
+          <p:cNvSpPr/>
+          <p:nvPr/>
+        </p:nvSpPr>
+        <p:spPr>
+          <a:xfrm>
+            <a:off x="577518" y="1419727"/>
+            <a:ext cx="1588168" cy="1503947"/>
+          </a:xfrm>
+          <a:prstGeom prst="roundRect">
+            <a:avLst/>
+          </a:prstGeom>
+          <a:solidFill>
+            <a:schemeClr val="bg1">
+              <a:lumMod val="75000"/>
+            </a:schemeClr>
+          </a:solidFill>
+        </p:spPr>
+        <p:style>
+          <a:lnRef idx="2">
+            <a:schemeClr val="accent1">
+              <a:shade val="50000"/>
+            </a:schemeClr>
+          </a:lnRef>
+          <a:fillRef idx="1">
+            <a:schemeClr val="accent1"/>
+          </a:fillRef>
+          <a:effectRef idx="0">
+            <a:schemeClr val="accent1"/>
+          </a:effectRef>
+          <a:fontRef idx="minor">
+            <a:schemeClr val="lt1"/>
+          </a:fontRef>
+        </p:style>
+        <p:txBody>
+          <a:bodyPr rtlCol="0" anchor="ctr"/>
+          <a:lstStyle/>
+          <a:p>
+            <a:pPr algn="ctr"/>
+            <a:endParaRPr lang="en-CA"/>
+          </a:p>
+        </p:txBody>
+      </p:sp>
+      <p:sp>
+        <p:nvSpPr>
+          <p:cNvPr id="8" name="Rounded Rectangle 7"/>
+          <p:cNvSpPr/>
+          <p:nvPr/>
+        </p:nvSpPr>
+        <p:spPr>
+          <a:xfrm>
+            <a:off x="729918" y="1572127"/>
+            <a:ext cx="1588168" cy="1503947"/>
+          </a:xfrm>
+          <a:prstGeom prst="roundRect">
+            <a:avLst/>
+          </a:prstGeom>
+          <a:solidFill>
+            <a:schemeClr val="bg1">
+              <a:lumMod val="75000"/>
+            </a:schemeClr>
+          </a:solidFill>
+        </p:spPr>
+        <p:style>
+          <a:lnRef idx="2">
+            <a:schemeClr val="accent1">
+              <a:shade val="50000"/>
+            </a:schemeClr>
+          </a:lnRef>
+          <a:fillRef idx="1">
+            <a:schemeClr val="accent1"/>
+          </a:fillRef>
+          <a:effectRef idx="0">
+            <a:schemeClr val="accent1"/>
+          </a:effectRef>
+          <a:fontRef idx="minor">
+            <a:schemeClr val="lt1"/>
+          </a:fontRef>
+        </p:style>
+        <p:txBody>
+          <a:bodyPr rtlCol="0" anchor="ctr"/>
+          <a:lstStyle/>
+          <a:p>
+            <a:pPr algn="ctr"/>
+            <a:endParaRPr lang="en-CA"/>
+          </a:p>
+        </p:txBody>
+      </p:sp>
+      <p:sp>
+        <p:nvSpPr>
+          <p:cNvPr id="9" name="Rounded Rectangle 8"/>
+          <p:cNvSpPr/>
+          <p:nvPr/>
+        </p:nvSpPr>
+        <p:spPr>
+          <a:xfrm>
+            <a:off x="882318" y="1724527"/>
+            <a:ext cx="1588168" cy="1503947"/>
+          </a:xfrm>
+          <a:prstGeom prst="roundRect">
+            <a:avLst/>
+          </a:prstGeom>
+          <a:solidFill>
+            <a:schemeClr val="bg1">
+              <a:lumMod val="75000"/>
+            </a:schemeClr>
+          </a:solidFill>
+        </p:spPr>
+        <p:style>
+          <a:lnRef idx="2">
+            <a:schemeClr val="accent1">
+              <a:shade val="50000"/>
+            </a:schemeClr>
+          </a:lnRef>
+          <a:fillRef idx="1">
+            <a:schemeClr val="accent1"/>
+          </a:fillRef>
+          <a:effectRef idx="0">
+            <a:schemeClr val="accent1"/>
+          </a:effectRef>
+          <a:fontRef idx="minor">
+            <a:schemeClr val="lt1"/>
+          </a:fontRef>
+        </p:style>
+        <p:txBody>
+          <a:bodyPr rtlCol="0" anchor="ctr"/>
+          <a:lstStyle/>
+          <a:p>
+            <a:pPr algn="ctr"/>
+            <a:endParaRPr lang="en-CA"/>
+          </a:p>
+        </p:txBody>
+      </p:sp>
+      <p:sp>
+        <p:nvSpPr>
+          <p:cNvPr id="10" name="Rounded Rectangle 9"/>
+          <p:cNvSpPr/>
+          <p:nvPr/>
+        </p:nvSpPr>
+        <p:spPr>
+          <a:xfrm>
+            <a:off x="1034718" y="1876927"/>
+            <a:ext cx="1588168" cy="1503947"/>
+          </a:xfrm>
+          <a:prstGeom prst="roundRect">
+            <a:avLst/>
+          </a:prstGeom>
+          <a:solidFill>
+            <a:schemeClr val="bg1">
+              <a:lumMod val="75000"/>
+            </a:schemeClr>
+          </a:solidFill>
+        </p:spPr>
+        <p:style>
+          <a:lnRef idx="2">
+            <a:schemeClr val="accent1">
+              <a:shade val="50000"/>
+            </a:schemeClr>
+          </a:lnRef>
+          <a:fillRef idx="1">
+            <a:schemeClr val="accent1"/>
+          </a:fillRef>
+          <a:effectRef idx="0">
+            <a:schemeClr val="accent1"/>
+          </a:effectRef>
+          <a:fontRef idx="minor">
+            <a:schemeClr val="lt1"/>
+          </a:fontRef>
+        </p:style>
+        <p:txBody>
+          <a:bodyPr rtlCol="0" anchor="ctr"/>
+          <a:lstStyle/>
+          <a:p>
+            <a:pPr algn="ctr"/>
+            <a:endParaRPr lang="en-CA"/>
+          </a:p>
+        </p:txBody>
+      </p:sp>
+      <p:sp>
+        <p:nvSpPr>
+          <p:cNvPr id="11" name="Rounded Rectangle 10"/>
+          <p:cNvSpPr/>
+          <p:nvPr/>
+        </p:nvSpPr>
+        <p:spPr>
+          <a:xfrm>
+            <a:off x="1187118" y="2029327"/>
+            <a:ext cx="1588168" cy="1503947"/>
+          </a:xfrm>
+          <a:prstGeom prst="roundRect">
+            <a:avLst/>
+          </a:prstGeom>
+          <a:solidFill>
+            <a:schemeClr val="bg1">
+              <a:lumMod val="75000"/>
+            </a:schemeClr>
+          </a:solidFill>
+        </p:spPr>
+        <p:style>
+          <a:lnRef idx="2">
+            <a:schemeClr val="accent1">
+              <a:shade val="50000"/>
+            </a:schemeClr>
+          </a:lnRef>
+          <a:fillRef idx="1">
+            <a:schemeClr val="accent1"/>
+          </a:fillRef>
+          <a:effectRef idx="0">
+            <a:schemeClr val="accent1"/>
+          </a:effectRef>
+          <a:fontRef idx="minor">
+            <a:schemeClr val="lt1"/>
+          </a:fontRef>
+        </p:style>
+        <p:txBody>
+          <a:bodyPr rtlCol="0" anchor="ctr"/>
+          <a:lstStyle/>
+          <a:p>
+            <a:pPr algn="ctr"/>
+            <a:endParaRPr lang="en-CA"/>
+          </a:p>
+        </p:txBody>
+      </p:sp>
+      <p:sp>
+        <p:nvSpPr>
+          <p:cNvPr id="12" name="Rounded Rectangle 11"/>
+          <p:cNvSpPr/>
+          <p:nvPr/>
+        </p:nvSpPr>
+        <p:spPr>
+          <a:xfrm>
+            <a:off x="1339518" y="2181727"/>
+            <a:ext cx="1588168" cy="1503947"/>
+          </a:xfrm>
+          <a:prstGeom prst="roundRect">
+            <a:avLst/>
+          </a:prstGeom>
+          <a:solidFill>
+            <a:schemeClr val="bg1">
+              <a:lumMod val="75000"/>
+            </a:schemeClr>
+          </a:solidFill>
+        </p:spPr>
+        <p:style>
+          <a:lnRef idx="2">
+            <a:schemeClr val="accent1">
+              <a:shade val="50000"/>
+            </a:schemeClr>
+          </a:lnRef>
+          <a:fillRef idx="1">
+            <a:schemeClr val="accent1"/>
+          </a:fillRef>
+          <a:effectRef idx="0">
+            <a:schemeClr val="accent1"/>
+          </a:effectRef>
+          <a:fontRef idx="minor">
+            <a:schemeClr val="lt1"/>
+          </a:fontRef>
+        </p:style>
+        <p:txBody>
+          <a:bodyPr rtlCol="0" anchor="ctr"/>
+          <a:lstStyle/>
+          <a:p>
+            <a:pPr algn="ctr"/>
+            <a:endParaRPr lang="en-CA"/>
+          </a:p>
+        </p:txBody>
+      </p:sp>
+      <p:sp>
+        <p:nvSpPr>
+          <p:cNvPr id="32" name="Rounded Rectangle 31"/>
+          <p:cNvSpPr/>
+          <p:nvPr/>
+        </p:nvSpPr>
+        <p:spPr>
+          <a:xfrm>
+            <a:off x="3685670" y="677770"/>
+            <a:ext cx="1588168" cy="1503947"/>
+          </a:xfrm>
+          <a:prstGeom prst="roundRect">
+            <a:avLst/>
+          </a:prstGeom>
+          <a:solidFill>
+            <a:schemeClr val="bg1">
+              <a:lumMod val="75000"/>
+            </a:schemeClr>
+          </a:solidFill>
+        </p:spPr>
+        <p:style>
+          <a:lnRef idx="2">
+            <a:schemeClr val="accent1">
+              <a:shade val="50000"/>
+            </a:schemeClr>
+          </a:lnRef>
+          <a:fillRef idx="1">
+            <a:schemeClr val="accent1"/>
+          </a:fillRef>
+          <a:effectRef idx="0">
+            <a:schemeClr val="accent1"/>
+          </a:effectRef>
+          <a:fontRef idx="minor">
+            <a:schemeClr val="lt1"/>
+          </a:fontRef>
+        </p:style>
+        <p:txBody>
+          <a:bodyPr rtlCol="0" anchor="ctr"/>
+          <a:lstStyle/>
+          <a:p>
+            <a:pPr algn="ctr"/>
+            <a:endParaRPr lang="en-CA"/>
+          </a:p>
+        </p:txBody>
+      </p:sp>
+      <p:sp>
+        <p:nvSpPr>
+          <p:cNvPr id="33" name="Rounded Rectangle 32"/>
+          <p:cNvSpPr/>
+          <p:nvPr/>
+        </p:nvSpPr>
+        <p:spPr>
+          <a:xfrm>
+            <a:off x="3838070" y="830170"/>
+            <a:ext cx="1588168" cy="1503947"/>
+          </a:xfrm>
+          <a:prstGeom prst="roundRect">
+            <a:avLst/>
+          </a:prstGeom>
+          <a:solidFill>
+            <a:schemeClr val="bg1">
+              <a:lumMod val="75000"/>
+            </a:schemeClr>
+          </a:solidFill>
+        </p:spPr>
+        <p:style>
+          <a:lnRef idx="2">
+            <a:schemeClr val="accent1">
+              <a:shade val="50000"/>
+            </a:schemeClr>
+          </a:lnRef>
+          <a:fillRef idx="1">
+            <a:schemeClr val="accent1"/>
+          </a:fillRef>
+          <a:effectRef idx="0">
+            <a:schemeClr val="accent1"/>
+          </a:effectRef>
+          <a:fontRef idx="minor">
+            <a:schemeClr val="lt1"/>
+          </a:fontRef>
+        </p:style>
+        <p:txBody>
+          <a:bodyPr rtlCol="0" anchor="ctr"/>
+          <a:lstStyle/>
+          <a:p>
+            <a:pPr algn="ctr"/>
+            <a:endParaRPr lang="en-CA"/>
+          </a:p>
+        </p:txBody>
+      </p:sp>
+      <p:sp>
+        <p:nvSpPr>
+          <p:cNvPr id="34" name="Rounded Rectangle 33"/>
+          <p:cNvSpPr/>
+          <p:nvPr/>
+        </p:nvSpPr>
+        <p:spPr>
+          <a:xfrm>
+            <a:off x="3990470" y="982570"/>
+            <a:ext cx="1588168" cy="1503947"/>
+          </a:xfrm>
+          <a:prstGeom prst="roundRect">
+            <a:avLst/>
+          </a:prstGeom>
+          <a:solidFill>
+            <a:schemeClr val="bg1">
+              <a:lumMod val="75000"/>
+            </a:schemeClr>
+          </a:solidFill>
+        </p:spPr>
+        <p:style>
+          <a:lnRef idx="2">
+            <a:schemeClr val="accent1">
+              <a:shade val="50000"/>
+            </a:schemeClr>
+          </a:lnRef>
+          <a:fillRef idx="1">
+            <a:schemeClr val="accent1"/>
+          </a:fillRef>
+          <a:effectRef idx="0">
+            <a:schemeClr val="accent1"/>
+          </a:effectRef>
+          <a:fontRef idx="minor">
+            <a:schemeClr val="lt1"/>
+          </a:fontRef>
+        </p:style>
+        <p:txBody>
+          <a:bodyPr rtlCol="0" anchor="ctr"/>
+          <a:lstStyle/>
+          <a:p>
+            <a:pPr algn="ctr"/>
+            <a:endParaRPr lang="en-CA"/>
+          </a:p>
+        </p:txBody>
+      </p:sp>
+      <p:sp>
+        <p:nvSpPr>
+          <p:cNvPr id="35" name="Rounded Rectangle 34"/>
+          <p:cNvSpPr/>
+          <p:nvPr/>
+        </p:nvSpPr>
+        <p:spPr>
+          <a:xfrm>
+            <a:off x="4142870" y="1134970"/>
+            <a:ext cx="1588168" cy="1503947"/>
+          </a:xfrm>
+          <a:prstGeom prst="roundRect">
+            <a:avLst/>
+          </a:prstGeom>
+          <a:solidFill>
+            <a:schemeClr val="bg1">
+              <a:lumMod val="75000"/>
+            </a:schemeClr>
+          </a:solidFill>
+        </p:spPr>
+        <p:style>
+          <a:lnRef idx="2">
+            <a:schemeClr val="accent1">
+              <a:shade val="50000"/>
+            </a:schemeClr>
+          </a:lnRef>
+          <a:fillRef idx="1">
+            <a:schemeClr val="accent1"/>
+          </a:fillRef>
+          <a:effectRef idx="0">
+            <a:schemeClr val="accent1"/>
+          </a:effectRef>
+          <a:fontRef idx="minor">
+            <a:schemeClr val="lt1"/>
+          </a:fontRef>
+        </p:style>
+        <p:txBody>
+          <a:bodyPr rtlCol="0" anchor="ctr"/>
+          <a:lstStyle/>
+          <a:p>
+            <a:pPr algn="ctr"/>
+            <a:endParaRPr lang="en-CA"/>
+          </a:p>
+        </p:txBody>
+      </p:sp>
+      <p:sp>
+        <p:nvSpPr>
+          <p:cNvPr id="36" name="Rounded Rectangle 35"/>
+          <p:cNvSpPr/>
+          <p:nvPr/>
+        </p:nvSpPr>
+        <p:spPr>
+          <a:xfrm>
+            <a:off x="4295270" y="1287370"/>
+            <a:ext cx="1588168" cy="1503947"/>
+          </a:xfrm>
+          <a:prstGeom prst="roundRect">
+            <a:avLst/>
+          </a:prstGeom>
+          <a:solidFill>
+            <a:schemeClr val="bg1">
+              <a:lumMod val="75000"/>
+            </a:schemeClr>
+          </a:solidFill>
+        </p:spPr>
+        <p:style>
+          <a:lnRef idx="2">
+            <a:schemeClr val="accent1">
+              <a:shade val="50000"/>
+            </a:schemeClr>
+          </a:lnRef>
+          <a:fillRef idx="1">
+            <a:schemeClr val="accent1"/>
+          </a:fillRef>
+          <a:effectRef idx="0">
+            <a:schemeClr val="accent1"/>
+          </a:effectRef>
+          <a:fontRef idx="minor">
+            <a:schemeClr val="lt1"/>
+          </a:fontRef>
+        </p:style>
+        <p:txBody>
+          <a:bodyPr rtlCol="0" anchor="ctr"/>
+          <a:lstStyle/>
+          <a:p>
+            <a:pPr algn="ctr"/>
+            <a:endParaRPr lang="en-CA"/>
+          </a:p>
+        </p:txBody>
+      </p:sp>
+      <p:sp>
+        <p:nvSpPr>
+          <p:cNvPr id="37" name="Rounded Rectangle 36"/>
+          <p:cNvSpPr/>
+          <p:nvPr/>
+        </p:nvSpPr>
+        <p:spPr>
+          <a:xfrm>
+            <a:off x="4736434" y="1800720"/>
+            <a:ext cx="1588168" cy="1503947"/>
+          </a:xfrm>
+          <a:prstGeom prst="roundRect">
+            <a:avLst/>
+          </a:prstGeom>
+          <a:solidFill>
+            <a:schemeClr val="bg1">
+              <a:lumMod val="95000"/>
+            </a:schemeClr>
+          </a:solidFill>
+        </p:spPr>
+        <p:style>
+          <a:lnRef idx="2">
+            <a:schemeClr val="accent1">
+              <a:shade val="50000"/>
+            </a:schemeClr>
+          </a:lnRef>
+          <a:fillRef idx="1">
+            <a:schemeClr val="accent1"/>
+          </a:fillRef>
+          <a:effectRef idx="0">
+            <a:schemeClr val="accent1"/>
+          </a:effectRef>
+          <a:fontRef idx="minor">
+            <a:schemeClr val="lt1"/>
+          </a:fontRef>
+        </p:style>
+        <p:txBody>
+          <a:bodyPr rtlCol="0" anchor="ctr"/>
+          <a:lstStyle/>
+          <a:p>
+            <a:pPr algn="ctr"/>
+            <a:endParaRPr lang="en-CA"/>
+          </a:p>
+        </p:txBody>
+      </p:sp>
+      <p:sp>
+        <p:nvSpPr>
+          <p:cNvPr id="38" name="Rounded Rectangle 37"/>
+          <p:cNvSpPr/>
+          <p:nvPr/>
+        </p:nvSpPr>
+        <p:spPr>
+          <a:xfrm>
+            <a:off x="4888834" y="1953120"/>
+            <a:ext cx="1588168" cy="1503947"/>
+          </a:xfrm>
+          <a:prstGeom prst="roundRect">
+            <a:avLst/>
+          </a:prstGeom>
+          <a:solidFill>
+            <a:schemeClr val="bg1">
+              <a:lumMod val="95000"/>
+            </a:schemeClr>
+          </a:solidFill>
+        </p:spPr>
+        <p:style>
+          <a:lnRef idx="2">
+            <a:schemeClr val="accent1">
+              <a:shade val="50000"/>
+            </a:schemeClr>
+          </a:lnRef>
+          <a:fillRef idx="1">
+            <a:schemeClr val="accent1"/>
+          </a:fillRef>
+          <a:effectRef idx="0">
+            <a:schemeClr val="accent1"/>
+          </a:effectRef>
+          <a:fontRef idx="minor">
+            <a:schemeClr val="lt1"/>
+          </a:fontRef>
+        </p:style>
+        <p:txBody>
+          <a:bodyPr rtlCol="0" anchor="ctr"/>
+          <a:lstStyle/>
+          <a:p>
+            <a:pPr algn="ctr"/>
+            <a:endParaRPr lang="en-CA"/>
+          </a:p>
+        </p:txBody>
+      </p:sp>
+      <p:sp>
+        <p:nvSpPr>
+          <p:cNvPr id="39" name="Rounded Rectangle 38"/>
+          <p:cNvSpPr/>
+          <p:nvPr/>
+        </p:nvSpPr>
+        <p:spPr>
+          <a:xfrm>
+            <a:off x="5293883" y="2466467"/>
+            <a:ext cx="1588168" cy="1503947"/>
+          </a:xfrm>
+          <a:prstGeom prst="roundRect">
+            <a:avLst/>
+          </a:prstGeom>
+          <a:solidFill>
+            <a:schemeClr val="bg1">
+              <a:lumMod val="50000"/>
+            </a:schemeClr>
+          </a:solidFill>
+        </p:spPr>
+        <p:style>
+          <a:lnRef idx="2">
+            <a:schemeClr val="accent1">
+              <a:shade val="50000"/>
+            </a:schemeClr>
+          </a:lnRef>
+          <a:fillRef idx="1">
+            <a:schemeClr val="accent1"/>
+          </a:fillRef>
+          <a:effectRef idx="0">
+            <a:schemeClr val="accent1"/>
+          </a:effectRef>
+          <a:fontRef idx="minor">
+            <a:schemeClr val="lt1"/>
+          </a:fontRef>
+        </p:style>
+        <p:txBody>
+          <a:bodyPr rtlCol="0" anchor="ctr"/>
+          <a:lstStyle/>
+          <a:p>
+            <a:pPr algn="ctr"/>
+            <a:endParaRPr lang="en-CA"/>
+          </a:p>
+        </p:txBody>
+      </p:sp>
+      <p:sp>
+        <p:nvSpPr>
+          <p:cNvPr id="40" name="Rounded Rectangle 39"/>
+          <p:cNvSpPr/>
+          <p:nvPr/>
+        </p:nvSpPr>
+        <p:spPr>
+          <a:xfrm>
+            <a:off x="5446283" y="2618867"/>
+            <a:ext cx="1588168" cy="1503947"/>
+          </a:xfrm>
+          <a:prstGeom prst="roundRect">
+            <a:avLst/>
+          </a:prstGeom>
+          <a:solidFill>
+            <a:schemeClr val="bg1">
+              <a:lumMod val="50000"/>
+            </a:schemeClr>
+          </a:solidFill>
+        </p:spPr>
+        <p:style>
+          <a:lnRef idx="2">
+            <a:schemeClr val="accent1">
+              <a:shade val="50000"/>
+            </a:schemeClr>
+          </a:lnRef>
+          <a:fillRef idx="1">
+            <a:schemeClr val="accent1"/>
+          </a:fillRef>
+          <a:effectRef idx="0">
+            <a:schemeClr val="accent1"/>
+          </a:effectRef>
+          <a:fontRef idx="minor">
+            <a:schemeClr val="lt1"/>
+          </a:fontRef>
+        </p:style>
+        <p:txBody>
+          <a:bodyPr rtlCol="0" anchor="ctr"/>
+          <a:lstStyle/>
+          <a:p>
+            <a:pPr algn="ctr"/>
+            <a:endParaRPr lang="en-CA"/>
+          </a:p>
+        </p:txBody>
+      </p:sp>
+      <p:grpSp>
+        <p:nvGrpSpPr>
+          <p:cNvPr id="41" name="Group 40"/>
+          <p:cNvGrpSpPr/>
+          <p:nvPr/>
+        </p:nvGrpSpPr>
+        <p:grpSpPr>
+          <a:xfrm>
+            <a:off x="342789" y="4138852"/>
+            <a:ext cx="4578127" cy="2129594"/>
+            <a:chOff x="4644576" y="0"/>
+            <a:chExt cx="863701" cy="2803858"/>
+          </a:xfrm>
+        </p:grpSpPr>
+        <p:sp>
+          <p:nvSpPr>
+            <p:cNvPr id="42" name="Rounded Rectangle 41"/>
+            <p:cNvSpPr/>
+            <p:nvPr/>
+          </p:nvSpPr>
+          <p:spPr>
+            <a:xfrm>
+              <a:off x="4644576" y="0"/>
+              <a:ext cx="863700" cy="2803858"/>
+            </a:xfrm>
+            <a:prstGeom prst="roundRect">
+              <a:avLst>
+                <a:gd name="adj" fmla="val 10000"/>
+              </a:avLst>
+            </a:prstGeom>
+          </p:spPr>
+          <p:style>
+            <a:lnRef idx="0">
+              <a:schemeClr val="dk2">
+                <a:hueOff val="0"/>
+                <a:satOff val="0"/>
+                <a:lumOff val="0"/>
+                <a:alphaOff val="0"/>
+              </a:schemeClr>
+            </a:lnRef>
+            <a:fillRef idx="1">
+              <a:schemeClr val="dk2">
+                <a:tint val="40000"/>
+                <a:hueOff val="0"/>
+                <a:satOff val="0"/>
+                <a:lumOff val="0"/>
+                <a:alphaOff val="0"/>
+              </a:schemeClr>
+            </a:fillRef>
+            <a:effectRef idx="0">
+              <a:schemeClr val="dk2">
+                <a:tint val="40000"/>
+                <a:hueOff val="0"/>
+                <a:satOff val="0"/>
+                <a:lumOff val="0"/>
+                <a:alphaOff val="0"/>
+              </a:schemeClr>
+            </a:effectRef>
+            <a:fontRef idx="minor">
+              <a:schemeClr val="dk1">
+                <a:hueOff val="0"/>
+                <a:satOff val="0"/>
+                <a:lumOff val="0"/>
+                <a:alphaOff val="0"/>
+              </a:schemeClr>
+            </a:fontRef>
+          </p:style>
+        </p:sp>
+        <p:sp>
+          <p:nvSpPr>
+            <p:cNvPr id="43" name="Rounded Rectangle 4"/>
+            <p:cNvSpPr/>
+            <p:nvPr/>
+          </p:nvSpPr>
+          <p:spPr>
+            <a:xfrm>
+              <a:off x="4644577" y="721202"/>
+              <a:ext cx="863700" cy="119955"/>
+            </a:xfrm>
+            <a:prstGeom prst="rect">
+              <a:avLst/>
+            </a:prstGeom>
+          </p:spPr>
+          <p:style>
+            <a:lnRef idx="0">
+              <a:scrgbClr r="0" g="0" b="0"/>
+            </a:lnRef>
+            <a:fillRef idx="0">
+              <a:scrgbClr r="0" g="0" b="0"/>
+            </a:fillRef>
+            <a:effectRef idx="0">
+              <a:scrgbClr r="0" g="0" b="0"/>
+            </a:effectRef>
+            <a:fontRef idx="minor">
+              <a:schemeClr val="dk1">
+                <a:hueOff val="0"/>
+                <a:satOff val="0"/>
+                <a:lumOff val="0"/>
+                <a:alphaOff val="0"/>
+              </a:schemeClr>
+            </a:fontRef>
+          </p:style>
+          <p:txBody>
+            <a:bodyPr spcFirstLastPara="0" vert="horz" wrap="square" lIns="87630" tIns="87630" rIns="87630" bIns="87630" numCol="1" spcCol="1270" anchor="ctr" anchorCtr="0">
+              <a:noAutofit/>
+            </a:bodyPr>
+            <a:lstStyle/>
+            <a:p>
+              <a:pPr lvl="0" algn="ctr" defTabSz="1022350">
+                <a:lnSpc>
+                  <a:spcPct val="90000"/>
+                </a:lnSpc>
+                <a:spcBef>
+                  <a:spcPct val="0"/>
+                </a:spcBef>
+                <a:spcAft>
+                  <a:spcPct val="35000"/>
+                </a:spcAft>
+              </a:pPr>
+              <a:endParaRPr lang="en-CA" sz="2400" kern="1200" dirty="0"/>
+            </a:p>
+          </p:txBody>
+        </p:sp>
+      </p:grpSp>
+      <p:grpSp>
+        <p:nvGrpSpPr>
+          <p:cNvPr id="44" name="Group 43"/>
+          <p:cNvGrpSpPr/>
+          <p:nvPr/>
+        </p:nvGrpSpPr>
+        <p:grpSpPr>
+          <a:xfrm>
+            <a:off x="429161" y="4250615"/>
+            <a:ext cx="2113455" cy="570737"/>
+            <a:chOff x="4730947" y="841979"/>
+            <a:chExt cx="690960" cy="845401"/>
+          </a:xfrm>
+        </p:grpSpPr>
+        <p:sp>
+          <p:nvSpPr>
+            <p:cNvPr id="45" name="Rounded Rectangle 44"/>
+            <p:cNvSpPr/>
+            <p:nvPr/>
+          </p:nvSpPr>
+          <p:spPr>
+            <a:xfrm>
+              <a:off x="4730947" y="841979"/>
+              <a:ext cx="690960" cy="845401"/>
+            </a:xfrm>
+            <a:prstGeom prst="roundRect">
+              <a:avLst>
+                <a:gd name="adj" fmla="val 10000"/>
+              </a:avLst>
+            </a:prstGeom>
+            <a:solidFill>
+              <a:schemeClr val="accent1">
+                <a:lumMod val="75000"/>
+              </a:schemeClr>
+            </a:solidFill>
+          </p:spPr>
+          <p:style>
+            <a:lnRef idx="2">
+              <a:schemeClr val="lt2">
+                <a:hueOff val="0"/>
+                <a:satOff val="0"/>
+                <a:lumOff val="0"/>
+                <a:alphaOff val="0"/>
+              </a:schemeClr>
+            </a:lnRef>
+            <a:fillRef idx="1">
+              <a:scrgbClr r="0" g="0" b="0"/>
+            </a:fillRef>
+            <a:effectRef idx="0">
+              <a:schemeClr val="dk2">
+                <a:hueOff val="0"/>
+                <a:satOff val="0"/>
+                <a:lumOff val="0"/>
+                <a:alphaOff val="0"/>
+              </a:schemeClr>
+            </a:effectRef>
+            <a:fontRef idx="minor">
+              <a:schemeClr val="lt1"/>
+            </a:fontRef>
+          </p:style>
+        </p:sp>
+        <p:sp>
+          <p:nvSpPr>
+            <p:cNvPr id="46" name="Rounded Rectangle 6"/>
+            <p:cNvSpPr/>
+            <p:nvPr/>
+          </p:nvSpPr>
+          <p:spPr>
+            <a:xfrm>
+              <a:off x="4751185" y="862217"/>
+              <a:ext cx="650484" cy="804925"/>
+            </a:xfrm>
+            <a:prstGeom prst="rect">
+              <a:avLst/>
+            </a:prstGeom>
+          </p:spPr>
+          <p:style>
+            <a:lnRef idx="0">
+              <a:scrgbClr r="0" g="0" b="0"/>
+            </a:lnRef>
+            <a:fillRef idx="0">
+              <a:scrgbClr r="0" g="0" b="0"/>
+            </a:fillRef>
+            <a:effectRef idx="0">
+              <a:scrgbClr r="0" g="0" b="0"/>
+            </a:effectRef>
+            <a:fontRef idx="minor">
+              <a:schemeClr val="lt1"/>
+            </a:fontRef>
+          </p:style>
+          <p:txBody>
+            <a:bodyPr spcFirstLastPara="0" vert="horz" wrap="square" lIns="111760" tIns="83820" rIns="111760" bIns="83820" numCol="1" spcCol="1270" anchor="ctr" anchorCtr="0">
+              <a:noAutofit/>
+            </a:bodyPr>
+            <a:lstStyle/>
+            <a:p>
+              <a:pPr lvl="0" algn="ctr" defTabSz="1955800">
+                <a:lnSpc>
+                  <a:spcPct val="90000"/>
+                </a:lnSpc>
+                <a:spcBef>
+                  <a:spcPct val="0"/>
+                </a:spcBef>
+                <a:spcAft>
+                  <a:spcPct val="35000"/>
+                </a:spcAft>
+              </a:pPr>
+              <a:r>
+                <a:rPr lang="en-CA" sz="2400" dirty="0" smtClean="0"/>
+                <a:t>5 Sites</a:t>
+              </a:r>
+              <a:endParaRPr lang="en-CA" sz="2400" kern="1200" dirty="0"/>
+            </a:p>
+          </p:txBody>
+        </p:sp>
+      </p:grpSp>
+      <p:grpSp>
+        <p:nvGrpSpPr>
+          <p:cNvPr id="47" name="Group 46"/>
+          <p:cNvGrpSpPr/>
+          <p:nvPr/>
+        </p:nvGrpSpPr>
+        <p:grpSpPr>
+          <a:xfrm>
+            <a:off x="429161" y="4889188"/>
+            <a:ext cx="2113455" cy="570737"/>
+            <a:chOff x="4730947" y="1817442"/>
+            <a:chExt cx="690960" cy="845401"/>
+          </a:xfrm>
+        </p:grpSpPr>
+        <p:sp>
+          <p:nvSpPr>
+            <p:cNvPr id="48" name="Rounded Rectangle 47"/>
+            <p:cNvSpPr/>
+            <p:nvPr/>
+          </p:nvSpPr>
+          <p:spPr>
+            <a:xfrm>
+              <a:off x="4730947" y="1817442"/>
+              <a:ext cx="690960" cy="845401"/>
+            </a:xfrm>
+            <a:prstGeom prst="roundRect">
+              <a:avLst>
+                <a:gd name="adj" fmla="val 10000"/>
+              </a:avLst>
+            </a:prstGeom>
+            <a:solidFill>
+              <a:schemeClr val="bg2">
+                <a:lumMod val="25000"/>
+              </a:schemeClr>
+            </a:solidFill>
+          </p:spPr>
+          <p:style>
+            <a:lnRef idx="2">
+              <a:schemeClr val="lt2">
+                <a:hueOff val="0"/>
+                <a:satOff val="0"/>
+                <a:lumOff val="0"/>
+                <a:alphaOff val="0"/>
+              </a:schemeClr>
+            </a:lnRef>
+            <a:fillRef idx="1">
+              <a:scrgbClr r="0" g="0" b="0"/>
+            </a:fillRef>
+            <a:effectRef idx="0">
+              <a:schemeClr val="dk2">
+                <a:hueOff val="0"/>
+                <a:satOff val="0"/>
+                <a:lumOff val="0"/>
+                <a:alphaOff val="0"/>
+              </a:schemeClr>
+            </a:effectRef>
+            <a:fontRef idx="minor">
+              <a:schemeClr val="lt1"/>
+            </a:fontRef>
+          </p:style>
+        </p:sp>
+        <p:sp>
+          <p:nvSpPr>
+            <p:cNvPr id="49" name="Rounded Rectangle 8"/>
+            <p:cNvSpPr/>
+            <p:nvPr/>
+          </p:nvSpPr>
+          <p:spPr>
+            <a:xfrm>
+              <a:off x="4751185" y="1837680"/>
+              <a:ext cx="650484" cy="804925"/>
+            </a:xfrm>
+            <a:prstGeom prst="rect">
+              <a:avLst/>
+            </a:prstGeom>
+          </p:spPr>
+          <p:style>
+            <a:lnRef idx="0">
+              <a:scrgbClr r="0" g="0" b="0"/>
+            </a:lnRef>
+            <a:fillRef idx="0">
+              <a:scrgbClr r="0" g="0" b="0"/>
+            </a:fillRef>
+            <a:effectRef idx="0">
+              <a:scrgbClr r="0" g="0" b="0"/>
+            </a:effectRef>
+            <a:fontRef idx="minor">
+              <a:schemeClr val="lt1"/>
+            </a:fontRef>
+          </p:style>
+          <p:txBody>
+            <a:bodyPr spcFirstLastPara="0" vert="horz" wrap="square" lIns="111760" tIns="83820" rIns="111760" bIns="83820" numCol="1" spcCol="1270" anchor="ctr" anchorCtr="0">
+              <a:noAutofit/>
+            </a:bodyPr>
+            <a:lstStyle/>
+            <a:p>
+              <a:pPr lvl="0" algn="ctr" defTabSz="1955800">
+                <a:lnSpc>
+                  <a:spcPct val="90000"/>
+                </a:lnSpc>
+                <a:spcBef>
+                  <a:spcPct val="0"/>
+                </a:spcBef>
+                <a:spcAft>
+                  <a:spcPct val="35000"/>
+                </a:spcAft>
+              </a:pPr>
+              <a:r>
+                <a:rPr lang="en-CA" sz="2400" dirty="0" smtClean="0"/>
+                <a:t>49 Healthy</a:t>
+              </a:r>
+              <a:endParaRPr lang="en-CA" sz="2400" kern="1200" dirty="0"/>
+            </a:p>
+          </p:txBody>
+        </p:sp>
+      </p:grpSp>
+      <p:grpSp>
+        <p:nvGrpSpPr>
+          <p:cNvPr id="53" name="Group 52"/>
+          <p:cNvGrpSpPr/>
+          <p:nvPr/>
+        </p:nvGrpSpPr>
+        <p:grpSpPr>
+          <a:xfrm>
+            <a:off x="437177" y="5546005"/>
+            <a:ext cx="2113455" cy="570737"/>
+            <a:chOff x="4730947" y="841979"/>
+            <a:chExt cx="690960" cy="845401"/>
+          </a:xfrm>
+        </p:grpSpPr>
+        <p:sp>
+          <p:nvSpPr>
+            <p:cNvPr id="54" name="Rounded Rectangle 53"/>
+            <p:cNvSpPr/>
+            <p:nvPr/>
+          </p:nvSpPr>
+          <p:spPr>
+            <a:xfrm>
+              <a:off x="4730947" y="841979"/>
+              <a:ext cx="690960" cy="845401"/>
+            </a:xfrm>
+            <a:prstGeom prst="roundRect">
+              <a:avLst>
+                <a:gd name="adj" fmla="val 10000"/>
+              </a:avLst>
+            </a:prstGeom>
+            <a:solidFill>
+              <a:schemeClr val="accent1">
+                <a:lumMod val="75000"/>
+              </a:schemeClr>
+            </a:solidFill>
+          </p:spPr>
+          <p:style>
+            <a:lnRef idx="2">
+              <a:schemeClr val="lt2">
+                <a:hueOff val="0"/>
+                <a:satOff val="0"/>
+                <a:lumOff val="0"/>
+                <a:alphaOff val="0"/>
+              </a:schemeClr>
+            </a:lnRef>
+            <a:fillRef idx="1">
+              <a:scrgbClr r="0" g="0" b="0"/>
+            </a:fillRef>
+            <a:effectRef idx="0">
+              <a:schemeClr val="dk2">
+                <a:hueOff val="0"/>
+                <a:satOff val="0"/>
+                <a:lumOff val="0"/>
+                <a:alphaOff val="0"/>
+              </a:schemeClr>
+            </a:effectRef>
+            <a:fontRef idx="minor">
+              <a:schemeClr val="lt1"/>
+            </a:fontRef>
+          </p:style>
+        </p:sp>
+        <p:sp>
+          <p:nvSpPr>
+            <p:cNvPr id="55" name="Rounded Rectangle 6"/>
+            <p:cNvSpPr/>
+            <p:nvPr/>
+          </p:nvSpPr>
+          <p:spPr>
+            <a:xfrm>
+              <a:off x="4751185" y="862217"/>
+              <a:ext cx="650484" cy="804925"/>
+            </a:xfrm>
+            <a:prstGeom prst="rect">
+              <a:avLst/>
+            </a:prstGeom>
+          </p:spPr>
+          <p:style>
+            <a:lnRef idx="0">
+              <a:scrgbClr r="0" g="0" b="0"/>
+            </a:lnRef>
+            <a:fillRef idx="0">
+              <a:scrgbClr r="0" g="0" b="0"/>
+            </a:fillRef>
+            <a:effectRef idx="0">
+              <a:scrgbClr r="0" g="0" b="0"/>
+            </a:effectRef>
+            <a:fontRef idx="minor">
+              <a:schemeClr val="lt1"/>
+            </a:fontRef>
+          </p:style>
+          <p:txBody>
+            <a:bodyPr spcFirstLastPara="0" vert="horz" wrap="square" lIns="111760" tIns="83820" rIns="111760" bIns="83820" numCol="1" spcCol="1270" anchor="ctr" anchorCtr="0">
+              <a:noAutofit/>
+            </a:bodyPr>
+            <a:lstStyle/>
+            <a:p>
+              <a:pPr lvl="0" algn="ctr" defTabSz="1955800">
+                <a:lnSpc>
+                  <a:spcPct val="90000"/>
+                </a:lnSpc>
+                <a:spcBef>
+                  <a:spcPct val="0"/>
+                </a:spcBef>
+                <a:spcAft>
+                  <a:spcPct val="35000"/>
+                </a:spcAft>
+              </a:pPr>
+              <a:r>
+                <a:rPr lang="en-CA" sz="2400" kern="1200" dirty="0" smtClean="0"/>
+                <a:t>46 Patients</a:t>
+              </a:r>
+              <a:endParaRPr lang="en-CA" sz="2400" kern="1200" dirty="0"/>
+            </a:p>
+          </p:txBody>
+        </p:sp>
+      </p:grpSp>
+      <p:sp>
+        <p:nvSpPr>
+          <p:cNvPr id="61" name="Rounded Rectangle 6"/>
+          <p:cNvSpPr/>
+          <p:nvPr/>
+        </p:nvSpPr>
+        <p:spPr>
+          <a:xfrm>
+            <a:off x="5311712" y="3682751"/>
+            <a:ext cx="1989650" cy="543411"/>
+          </a:xfrm>
+          <a:prstGeom prst="rect">
+            <a:avLst/>
+          </a:prstGeom>
+        </p:spPr>
+        <p:style>
+          <a:lnRef idx="0">
+            <a:scrgbClr r="0" g="0" b="0"/>
+          </a:lnRef>
+          <a:fillRef idx="0">
+            <a:scrgbClr r="0" g="0" b="0"/>
+          </a:fillRef>
+          <a:effectRef idx="0">
+            <a:scrgbClr r="0" g="0" b="0"/>
+          </a:effectRef>
+          <a:fontRef idx="minor">
+            <a:schemeClr val="lt1"/>
+          </a:fontRef>
+        </p:style>
+        <p:txBody>
+          <a:bodyPr spcFirstLastPara="0" vert="horz" wrap="square" lIns="111760" tIns="83820" rIns="111760" bIns="83820" numCol="1" spcCol="1270" anchor="ctr" anchorCtr="0">
+            <a:noAutofit/>
+          </a:bodyPr>
+          <a:lstStyle/>
+          <a:p>
+            <a:pPr lvl="0" algn="ctr" defTabSz="1955800">
+              <a:lnSpc>
+                <a:spcPct val="90000"/>
+              </a:lnSpc>
+              <a:spcBef>
+                <a:spcPct val="0"/>
+              </a:spcBef>
+              <a:spcAft>
+                <a:spcPct val="35000"/>
+              </a:spcAft>
+            </a:pPr>
+            <a:endParaRPr lang="en-CA" sz="2400" kern="1200" dirty="0"/>
+          </a:p>
+        </p:txBody>
+      </p:sp>
+      <p:grpSp>
+        <p:nvGrpSpPr>
+          <p:cNvPr id="62" name="Group 61"/>
+          <p:cNvGrpSpPr/>
+          <p:nvPr/>
+        </p:nvGrpSpPr>
+        <p:grpSpPr>
+          <a:xfrm>
+            <a:off x="2699116" y="4247506"/>
+            <a:ext cx="2113455" cy="570737"/>
+            <a:chOff x="4730947" y="1817442"/>
+            <a:chExt cx="690960" cy="845401"/>
+          </a:xfrm>
+        </p:grpSpPr>
+        <p:sp>
+          <p:nvSpPr>
+            <p:cNvPr id="63" name="Rounded Rectangle 62"/>
+            <p:cNvSpPr/>
+            <p:nvPr/>
+          </p:nvSpPr>
+          <p:spPr>
+            <a:xfrm>
+              <a:off x="4730947" y="1817442"/>
+              <a:ext cx="690960" cy="845401"/>
+            </a:xfrm>
+            <a:prstGeom prst="roundRect">
+              <a:avLst>
+                <a:gd name="adj" fmla="val 10000"/>
+              </a:avLst>
+            </a:prstGeom>
+            <a:solidFill>
+              <a:schemeClr val="bg2">
+                <a:lumMod val="25000"/>
+              </a:schemeClr>
+            </a:solidFill>
+          </p:spPr>
+          <p:style>
+            <a:lnRef idx="2">
+              <a:schemeClr val="lt2">
+                <a:hueOff val="0"/>
+                <a:satOff val="0"/>
+                <a:lumOff val="0"/>
+                <a:alphaOff val="0"/>
+              </a:schemeClr>
+            </a:lnRef>
+            <a:fillRef idx="1">
+              <a:scrgbClr r="0" g="0" b="0"/>
+            </a:fillRef>
+            <a:effectRef idx="0">
+              <a:schemeClr val="dk2">
+                <a:hueOff val="0"/>
+                <a:satOff val="0"/>
+                <a:lumOff val="0"/>
+                <a:alphaOff val="0"/>
+              </a:schemeClr>
+            </a:effectRef>
+            <a:fontRef idx="minor">
+              <a:schemeClr val="lt1"/>
+            </a:fontRef>
+          </p:style>
+        </p:sp>
+        <p:sp>
+          <p:nvSpPr>
+            <p:cNvPr id="64" name="Rounded Rectangle 8"/>
+            <p:cNvSpPr/>
+            <p:nvPr/>
+          </p:nvSpPr>
+          <p:spPr>
+            <a:xfrm>
+              <a:off x="4751185" y="1837680"/>
+              <a:ext cx="650484" cy="804925"/>
+            </a:xfrm>
+            <a:prstGeom prst="rect">
+              <a:avLst/>
+            </a:prstGeom>
+          </p:spPr>
+          <p:style>
+            <a:lnRef idx="0">
+              <a:scrgbClr r="0" g="0" b="0"/>
+            </a:lnRef>
+            <a:fillRef idx="0">
+              <a:scrgbClr r="0" g="0" b="0"/>
+            </a:fillRef>
+            <a:effectRef idx="0">
+              <a:scrgbClr r="0" g="0" b="0"/>
+            </a:effectRef>
+            <a:fontRef idx="minor">
+              <a:schemeClr val="lt1"/>
+            </a:fontRef>
+          </p:style>
+          <p:txBody>
+            <a:bodyPr spcFirstLastPara="0" vert="horz" wrap="square" lIns="111760" tIns="83820" rIns="111760" bIns="83820" numCol="1" spcCol="1270" anchor="ctr" anchorCtr="0">
+              <a:noAutofit/>
+            </a:bodyPr>
+            <a:lstStyle/>
+            <a:p>
+              <a:pPr lvl="0" algn="ctr" defTabSz="1955800">
+                <a:lnSpc>
+                  <a:spcPct val="90000"/>
+                </a:lnSpc>
+                <a:spcBef>
+                  <a:spcPct val="0"/>
+                </a:spcBef>
+                <a:spcAft>
+                  <a:spcPct val="35000"/>
+                </a:spcAft>
+              </a:pPr>
+              <a:r>
+                <a:rPr lang="en-CA" sz="2000" dirty="0" smtClean="0"/>
+                <a:t>4 Runs/Subject</a:t>
+              </a:r>
+              <a:endParaRPr lang="en-CA" sz="2000" kern="1200" dirty="0"/>
+            </a:p>
+          </p:txBody>
+        </p:sp>
+      </p:grpSp>
+      <p:grpSp>
+        <p:nvGrpSpPr>
+          <p:cNvPr id="65" name="Group 64"/>
+          <p:cNvGrpSpPr/>
+          <p:nvPr/>
+        </p:nvGrpSpPr>
+        <p:grpSpPr>
+          <a:xfrm>
+            <a:off x="2707132" y="4904323"/>
+            <a:ext cx="2113455" cy="570737"/>
+            <a:chOff x="4730947" y="841979"/>
+            <a:chExt cx="690960" cy="845401"/>
+          </a:xfrm>
+        </p:grpSpPr>
+        <p:sp>
+          <p:nvSpPr>
+            <p:cNvPr id="66" name="Rounded Rectangle 65"/>
+            <p:cNvSpPr/>
+            <p:nvPr/>
+          </p:nvSpPr>
+          <p:spPr>
+            <a:xfrm>
+              <a:off x="4730947" y="841979"/>
+              <a:ext cx="690960" cy="845401"/>
+            </a:xfrm>
+            <a:prstGeom prst="roundRect">
+              <a:avLst>
+                <a:gd name="adj" fmla="val 10000"/>
+              </a:avLst>
+            </a:prstGeom>
+            <a:solidFill>
+              <a:schemeClr val="accent1">
+                <a:lumMod val="75000"/>
+              </a:schemeClr>
+            </a:solidFill>
+          </p:spPr>
+          <p:style>
+            <a:lnRef idx="2">
+              <a:schemeClr val="lt2">
+                <a:hueOff val="0"/>
+                <a:satOff val="0"/>
+                <a:lumOff val="0"/>
+                <a:alphaOff val="0"/>
+              </a:schemeClr>
+            </a:lnRef>
+            <a:fillRef idx="1">
+              <a:scrgbClr r="0" g="0" b="0"/>
+            </a:fillRef>
+            <a:effectRef idx="0">
+              <a:schemeClr val="dk2">
+                <a:hueOff val="0"/>
+                <a:satOff val="0"/>
+                <a:lumOff val="0"/>
+                <a:alphaOff val="0"/>
+              </a:schemeClr>
+            </a:effectRef>
+            <a:fontRef idx="minor">
+              <a:schemeClr val="lt1"/>
+            </a:fontRef>
+          </p:style>
+        </p:sp>
+        <p:sp>
+          <p:nvSpPr>
+            <p:cNvPr id="67" name="Rounded Rectangle 6"/>
+            <p:cNvSpPr/>
+            <p:nvPr/>
+          </p:nvSpPr>
+          <p:spPr>
+            <a:xfrm>
+              <a:off x="4751185" y="862217"/>
+              <a:ext cx="650484" cy="804925"/>
+            </a:xfrm>
+            <a:prstGeom prst="rect">
+              <a:avLst/>
+            </a:prstGeom>
+          </p:spPr>
+          <p:style>
+            <a:lnRef idx="0">
+              <a:scrgbClr r="0" g="0" b="0"/>
+            </a:lnRef>
+            <a:fillRef idx="0">
+              <a:scrgbClr r="0" g="0" b="0"/>
+            </a:fillRef>
+            <a:effectRef idx="0">
+              <a:scrgbClr r="0" g="0" b="0"/>
+            </a:effectRef>
+            <a:fontRef idx="minor">
+              <a:schemeClr val="lt1"/>
+            </a:fontRef>
+          </p:style>
+          <p:txBody>
+            <a:bodyPr spcFirstLastPara="0" vert="horz" wrap="square" lIns="111760" tIns="83820" rIns="111760" bIns="83820" numCol="1" spcCol="1270" anchor="ctr" anchorCtr="0">
+              <a:noAutofit/>
+            </a:bodyPr>
+            <a:lstStyle/>
+            <a:p>
+              <a:pPr lvl="0" algn="ctr" defTabSz="1955800">
+                <a:lnSpc>
+                  <a:spcPct val="90000"/>
+                </a:lnSpc>
+                <a:spcBef>
+                  <a:spcPct val="0"/>
+                </a:spcBef>
+                <a:spcAft>
+                  <a:spcPct val="35000"/>
+                </a:spcAft>
+              </a:pPr>
+              <a:r>
+                <a:rPr lang="en-CA" sz="2400" dirty="0" smtClean="0"/>
+                <a:t>~ 100k Voxels</a:t>
+              </a:r>
+              <a:endParaRPr lang="en-CA" sz="2400" kern="1200" dirty="0"/>
+            </a:p>
+          </p:txBody>
+        </p:sp>
+      </p:grpSp>
+      <p:grpSp>
+        <p:nvGrpSpPr>
+          <p:cNvPr id="68" name="Group 67"/>
+          <p:cNvGrpSpPr/>
+          <p:nvPr/>
+        </p:nvGrpSpPr>
+        <p:grpSpPr>
+          <a:xfrm>
+            <a:off x="2707132" y="5542896"/>
+            <a:ext cx="2113455" cy="570737"/>
+            <a:chOff x="4730947" y="1817442"/>
+            <a:chExt cx="690960" cy="845401"/>
+          </a:xfrm>
+        </p:grpSpPr>
+        <p:sp>
+          <p:nvSpPr>
+            <p:cNvPr id="69" name="Rounded Rectangle 68"/>
+            <p:cNvSpPr/>
+            <p:nvPr/>
+          </p:nvSpPr>
+          <p:spPr>
+            <a:xfrm>
+              <a:off x="4730947" y="1817442"/>
+              <a:ext cx="690960" cy="845401"/>
+            </a:xfrm>
+            <a:prstGeom prst="roundRect">
+              <a:avLst>
+                <a:gd name="adj" fmla="val 10000"/>
+              </a:avLst>
+            </a:prstGeom>
+            <a:solidFill>
+              <a:schemeClr val="bg2">
+                <a:lumMod val="25000"/>
+              </a:schemeClr>
+            </a:solidFill>
+          </p:spPr>
+          <p:style>
+            <a:lnRef idx="2">
+              <a:schemeClr val="lt2">
+                <a:hueOff val="0"/>
+                <a:satOff val="0"/>
+                <a:lumOff val="0"/>
+                <a:alphaOff val="0"/>
+              </a:schemeClr>
+            </a:lnRef>
+            <a:fillRef idx="1">
+              <a:scrgbClr r="0" g="0" b="0"/>
+            </a:fillRef>
+            <a:effectRef idx="0">
+              <a:schemeClr val="dk2">
+                <a:hueOff val="0"/>
+                <a:satOff val="0"/>
+                <a:lumOff val="0"/>
+                <a:alphaOff val="0"/>
+              </a:schemeClr>
+            </a:effectRef>
+            <a:fontRef idx="minor">
+              <a:schemeClr val="lt1"/>
+            </a:fontRef>
+          </p:style>
+        </p:sp>
+        <p:sp>
+          <p:nvSpPr>
+            <p:cNvPr id="70" name="Rounded Rectangle 8"/>
+            <p:cNvSpPr/>
+            <p:nvPr/>
+          </p:nvSpPr>
+          <p:spPr>
+            <a:xfrm>
+              <a:off x="4751185" y="1837680"/>
+              <a:ext cx="650484" cy="804925"/>
+            </a:xfrm>
+            <a:prstGeom prst="rect">
+              <a:avLst/>
+            </a:prstGeom>
+          </p:spPr>
+          <p:style>
+            <a:lnRef idx="0">
+              <a:scrgbClr r="0" g="0" b="0"/>
+            </a:lnRef>
+            <a:fillRef idx="0">
+              <a:scrgbClr r="0" g="0" b="0"/>
+            </a:fillRef>
+            <a:effectRef idx="0">
+              <a:scrgbClr r="0" g="0" b="0"/>
+            </a:effectRef>
+            <a:fontRef idx="minor">
+              <a:schemeClr val="lt1"/>
+            </a:fontRef>
+          </p:style>
+          <p:txBody>
+            <a:bodyPr spcFirstLastPara="0" vert="horz" wrap="square" lIns="111760" tIns="83820" rIns="111760" bIns="83820" numCol="1" spcCol="1270" anchor="ctr" anchorCtr="0">
+              <a:noAutofit/>
+            </a:bodyPr>
+            <a:lstStyle/>
+            <a:p>
+              <a:pPr lvl="0" algn="ctr" defTabSz="1955800">
+                <a:lnSpc>
+                  <a:spcPct val="90000"/>
+                </a:lnSpc>
+                <a:spcBef>
+                  <a:spcPct val="0"/>
+                </a:spcBef>
+                <a:spcAft>
+                  <a:spcPct val="35000"/>
+                </a:spcAft>
+              </a:pPr>
+              <a:r>
+                <a:rPr lang="en-CA" sz="2000" dirty="0" smtClean="0"/>
+                <a:t>137 time slices</a:t>
+              </a:r>
+              <a:endParaRPr lang="en-CA" sz="2000" kern="1200" dirty="0"/>
+            </a:p>
+          </p:txBody>
+        </p:sp>
+      </p:grpSp>
+    </p:spTree>
+    <p:extLst>
+      <p:ext uri="{BB962C8B-B14F-4D97-AF65-F5344CB8AC3E}">
+        <p14:creationId xmlns:p14="http://schemas.microsoft.com/office/powerpoint/2010/main" val="3894502649"/>
+      </p:ext>
+    </p:extLst>
+  </p:cSld>
+  <p:clrMapOvr>
+    <a:masterClrMapping/>
+  </p:clrMapOvr>
+  <p:timing>
+    <p:tnLst>
+      <p:par>
+        <p:cTn id="1" dur="indefinite" restart="never" nodeType="tmRoot"/>
+      </p:par>
+    </p:tnLst>
+  </p:timing>
+</p:sld>
+</file>
+
+<file path=ppt/slides/slide7.xml><?xml version="1.0" encoding="utf-8"?>
+<p:sld xmlns:a="http://schemas.openxmlformats.org/drawingml/2006/main" xmlns:r="http://schemas.openxmlformats.org/officeDocument/2006/relationships" xmlns:p="http://schemas.openxmlformats.org/presentationml/2006/main">
+  <p:cSld>
+    <p:spTree>
+      <p:nvGrpSpPr>
+        <p:cNvPr id="1" name=""/>
+        <p:cNvGrpSpPr/>
+        <p:nvPr/>
+      </p:nvGrpSpPr>
+      <p:grpSpPr>
+        <a:xfrm>
+          <a:off x="0" y="0"/>
+          <a:ext cx="0" cy="0"/>
+          <a:chOff x="0" y="0"/>
+          <a:chExt cx="0" cy="0"/>
+        </a:xfrm>
+      </p:grpSpPr>
+      <p:sp>
+        <p:nvSpPr>
+          <p:cNvPr id="4" name="Rounded Rectangle 3"/>
+          <p:cNvSpPr/>
+          <p:nvPr/>
+        </p:nvSpPr>
+        <p:spPr>
+          <a:xfrm>
+            <a:off x="120318" y="962527"/>
+            <a:ext cx="1588168" cy="1503947"/>
+          </a:xfrm>
+          <a:prstGeom prst="roundRect">
+            <a:avLst/>
+          </a:prstGeom>
+          <a:solidFill>
+            <a:schemeClr val="bg1">
+              <a:lumMod val="75000"/>
+            </a:schemeClr>
+          </a:solidFill>
+        </p:spPr>
+        <p:style>
+          <a:lnRef idx="2">
+            <a:schemeClr val="accent1">
+              <a:shade val="50000"/>
+            </a:schemeClr>
+          </a:lnRef>
+          <a:fillRef idx="1">
+            <a:schemeClr val="accent1"/>
+          </a:fillRef>
+          <a:effectRef idx="0">
+            <a:schemeClr val="accent1"/>
+          </a:effectRef>
+          <a:fontRef idx="minor">
+            <a:schemeClr val="lt1"/>
+          </a:fontRef>
+        </p:style>
+        <p:txBody>
+          <a:bodyPr rtlCol="0" anchor="ctr"/>
+          <a:lstStyle/>
+          <a:p>
+            <a:pPr algn="ctr"/>
+            <a:endParaRPr lang="en-CA"/>
+          </a:p>
+        </p:txBody>
+      </p:sp>
+      <p:sp>
+        <p:nvSpPr>
+          <p:cNvPr id="5" name="Rounded Rectangle 4"/>
+          <p:cNvSpPr/>
+          <p:nvPr/>
+        </p:nvSpPr>
+        <p:spPr>
+          <a:xfrm>
+            <a:off x="272718" y="1114927"/>
+            <a:ext cx="1588168" cy="1503947"/>
+          </a:xfrm>
+          <a:prstGeom prst="roundRect">
+            <a:avLst/>
+          </a:prstGeom>
+          <a:solidFill>
+            <a:schemeClr val="bg1">
+              <a:lumMod val="75000"/>
+            </a:schemeClr>
+          </a:solidFill>
+        </p:spPr>
+        <p:style>
+          <a:lnRef idx="2">
+            <a:schemeClr val="accent1">
+              <a:shade val="50000"/>
+            </a:schemeClr>
+          </a:lnRef>
+          <a:fillRef idx="1">
+            <a:schemeClr val="accent1"/>
+          </a:fillRef>
+          <a:effectRef idx="0">
+            <a:schemeClr val="accent1"/>
+          </a:effectRef>
+          <a:fontRef idx="minor">
+            <a:schemeClr val="lt1"/>
+          </a:fontRef>
+        </p:style>
+        <p:txBody>
+          <a:bodyPr rtlCol="0" anchor="ctr"/>
+          <a:lstStyle/>
+          <a:p>
+            <a:pPr algn="ctr"/>
+            <a:endParaRPr lang="en-CA"/>
+          </a:p>
+        </p:txBody>
+      </p:sp>
+      <p:sp>
+        <p:nvSpPr>
+          <p:cNvPr id="6" name="Rounded Rectangle 5"/>
+          <p:cNvSpPr/>
+          <p:nvPr/>
+        </p:nvSpPr>
+        <p:spPr>
+          <a:xfrm>
+            <a:off x="425118" y="1267327"/>
+            <a:ext cx="1588168" cy="1503947"/>
+          </a:xfrm>
+          <a:prstGeom prst="roundRect">
+            <a:avLst/>
+          </a:prstGeom>
+          <a:solidFill>
+            <a:schemeClr val="bg1">
+              <a:lumMod val="75000"/>
+            </a:schemeClr>
+          </a:solidFill>
+        </p:spPr>
+        <p:style>
+          <a:lnRef idx="2">
+            <a:schemeClr val="accent1">
+              <a:shade val="50000"/>
+            </a:schemeClr>
+          </a:lnRef>
+          <a:fillRef idx="1">
+            <a:schemeClr val="accent1"/>
+          </a:fillRef>
+          <a:effectRef idx="0">
+            <a:schemeClr val="accent1"/>
+          </a:effectRef>
+          <a:fontRef idx="minor">
+            <a:schemeClr val="lt1"/>
+          </a:fontRef>
+        </p:style>
+        <p:txBody>
+          <a:bodyPr rtlCol="0" anchor="ctr"/>
+          <a:lstStyle/>
+          <a:p>
+            <a:pPr algn="ctr"/>
+            <a:endParaRPr lang="en-CA"/>
+          </a:p>
+        </p:txBody>
+      </p:sp>
+      <p:sp>
+        <p:nvSpPr>
+          <p:cNvPr id="7" name="Rounded Rectangle 6"/>
+          <p:cNvSpPr/>
+          <p:nvPr/>
+        </p:nvSpPr>
+        <p:spPr>
+          <a:xfrm>
+            <a:off x="577518" y="1419727"/>
+            <a:ext cx="1588168" cy="1503947"/>
+          </a:xfrm>
+          <a:prstGeom prst="roundRect">
+            <a:avLst/>
+          </a:prstGeom>
+          <a:solidFill>
+            <a:schemeClr val="bg1">
+              <a:lumMod val="75000"/>
+            </a:schemeClr>
+          </a:solidFill>
+        </p:spPr>
+        <p:style>
+          <a:lnRef idx="2">
+            <a:schemeClr val="accent1">
+              <a:shade val="50000"/>
+            </a:schemeClr>
+          </a:lnRef>
+          <a:fillRef idx="1">
+            <a:schemeClr val="accent1"/>
+          </a:fillRef>
+          <a:effectRef idx="0">
+            <a:schemeClr val="accent1"/>
+          </a:effectRef>
+          <a:fontRef idx="minor">
+            <a:schemeClr val="lt1"/>
+          </a:fontRef>
+        </p:style>
+        <p:txBody>
+          <a:bodyPr rtlCol="0" anchor="ctr"/>
+          <a:lstStyle/>
+          <a:p>
+            <a:pPr algn="ctr"/>
+            <a:endParaRPr lang="en-CA"/>
+          </a:p>
+        </p:txBody>
+      </p:sp>
+      <p:sp>
+        <p:nvSpPr>
+          <p:cNvPr id="8" name="Rounded Rectangle 7"/>
+          <p:cNvSpPr/>
+          <p:nvPr/>
+        </p:nvSpPr>
+        <p:spPr>
+          <a:xfrm>
+            <a:off x="729918" y="1572127"/>
+            <a:ext cx="1588168" cy="1503947"/>
+          </a:xfrm>
+          <a:prstGeom prst="roundRect">
+            <a:avLst/>
+          </a:prstGeom>
+          <a:solidFill>
+            <a:schemeClr val="bg1">
+              <a:lumMod val="75000"/>
+            </a:schemeClr>
+          </a:solidFill>
+        </p:spPr>
+        <p:style>
+          <a:lnRef idx="2">
+            <a:schemeClr val="accent1">
+              <a:shade val="50000"/>
+            </a:schemeClr>
+          </a:lnRef>
+          <a:fillRef idx="1">
+            <a:schemeClr val="accent1"/>
+          </a:fillRef>
+          <a:effectRef idx="0">
+            <a:schemeClr val="accent1"/>
+          </a:effectRef>
+          <a:fontRef idx="minor">
+            <a:schemeClr val="lt1"/>
+          </a:fontRef>
+        </p:style>
+        <p:txBody>
+          <a:bodyPr rtlCol="0" anchor="ctr"/>
+          <a:lstStyle/>
+          <a:p>
+            <a:pPr algn="ctr"/>
+            <a:endParaRPr lang="en-CA"/>
+          </a:p>
+        </p:txBody>
+      </p:sp>
+      <p:sp>
+        <p:nvSpPr>
+          <p:cNvPr id="9" name="Rounded Rectangle 8"/>
+          <p:cNvSpPr/>
+          <p:nvPr/>
+        </p:nvSpPr>
+        <p:spPr>
+          <a:xfrm>
+            <a:off x="882318" y="1724527"/>
+            <a:ext cx="1588168" cy="1503947"/>
+          </a:xfrm>
+          <a:prstGeom prst="roundRect">
+            <a:avLst/>
+          </a:prstGeom>
+          <a:solidFill>
+            <a:schemeClr val="bg1">
+              <a:lumMod val="75000"/>
+            </a:schemeClr>
+          </a:solidFill>
+        </p:spPr>
+        <p:style>
+          <a:lnRef idx="2">
+            <a:schemeClr val="accent1">
+              <a:shade val="50000"/>
+            </a:schemeClr>
+          </a:lnRef>
+          <a:fillRef idx="1">
+            <a:schemeClr val="accent1"/>
+          </a:fillRef>
+          <a:effectRef idx="0">
+            <a:schemeClr val="accent1"/>
+          </a:effectRef>
+          <a:fontRef idx="minor">
+            <a:schemeClr val="lt1"/>
+          </a:fontRef>
+        </p:style>
+        <p:txBody>
+          <a:bodyPr rtlCol="0" anchor="ctr"/>
+          <a:lstStyle/>
+          <a:p>
+            <a:pPr algn="ctr"/>
+            <a:endParaRPr lang="en-CA"/>
+          </a:p>
+        </p:txBody>
+      </p:sp>
+      <p:sp>
+        <p:nvSpPr>
+          <p:cNvPr id="10" name="Rounded Rectangle 9"/>
+          <p:cNvSpPr/>
+          <p:nvPr/>
+        </p:nvSpPr>
+        <p:spPr>
+          <a:xfrm>
+            <a:off x="1034718" y="1876927"/>
+            <a:ext cx="1588168" cy="1503947"/>
+          </a:xfrm>
+          <a:prstGeom prst="roundRect">
+            <a:avLst/>
+          </a:prstGeom>
+          <a:solidFill>
+            <a:schemeClr val="bg1">
+              <a:lumMod val="75000"/>
+            </a:schemeClr>
+          </a:solidFill>
+        </p:spPr>
+        <p:style>
+          <a:lnRef idx="2">
+            <a:schemeClr val="accent1">
+              <a:shade val="50000"/>
+            </a:schemeClr>
+          </a:lnRef>
+          <a:fillRef idx="1">
+            <a:schemeClr val="accent1"/>
+          </a:fillRef>
+          <a:effectRef idx="0">
+            <a:schemeClr val="accent1"/>
+          </a:effectRef>
+          <a:fontRef idx="minor">
+            <a:schemeClr val="lt1"/>
+          </a:fontRef>
+        </p:style>
+        <p:txBody>
+          <a:bodyPr rtlCol="0" anchor="ctr"/>
+          <a:lstStyle/>
+          <a:p>
+            <a:pPr algn="ctr"/>
+            <a:endParaRPr lang="en-CA"/>
+          </a:p>
+        </p:txBody>
+      </p:sp>
+      <p:sp>
+        <p:nvSpPr>
+          <p:cNvPr id="11" name="Rounded Rectangle 10"/>
+          <p:cNvSpPr/>
+          <p:nvPr/>
+        </p:nvSpPr>
+        <p:spPr>
+          <a:xfrm>
+            <a:off x="1187118" y="2029327"/>
+            <a:ext cx="1588168" cy="1503947"/>
+          </a:xfrm>
+          <a:prstGeom prst="roundRect">
+            <a:avLst/>
+          </a:prstGeom>
+          <a:solidFill>
+            <a:schemeClr val="bg1">
+              <a:lumMod val="75000"/>
+            </a:schemeClr>
+          </a:solidFill>
+        </p:spPr>
+        <p:style>
+          <a:lnRef idx="2">
+            <a:schemeClr val="accent1">
+              <a:shade val="50000"/>
+            </a:schemeClr>
+          </a:lnRef>
+          <a:fillRef idx="1">
+            <a:schemeClr val="accent1"/>
+          </a:fillRef>
+          <a:effectRef idx="0">
+            <a:schemeClr val="accent1"/>
+          </a:effectRef>
+          <a:fontRef idx="minor">
+            <a:schemeClr val="lt1"/>
+          </a:fontRef>
+        </p:style>
+        <p:txBody>
+          <a:bodyPr rtlCol="0" anchor="ctr"/>
+          <a:lstStyle/>
+          <a:p>
+            <a:pPr algn="ctr"/>
+            <a:endParaRPr lang="en-CA"/>
+          </a:p>
+        </p:txBody>
+      </p:sp>
+      <p:sp>
+        <p:nvSpPr>
+          <p:cNvPr id="12" name="Rounded Rectangle 11"/>
+          <p:cNvSpPr/>
+          <p:nvPr/>
+        </p:nvSpPr>
+        <p:spPr>
+          <a:xfrm>
+            <a:off x="1339518" y="2181727"/>
+            <a:ext cx="1588168" cy="1503947"/>
+          </a:xfrm>
+          <a:prstGeom prst="roundRect">
+            <a:avLst/>
+          </a:prstGeom>
+          <a:solidFill>
+            <a:schemeClr val="bg1">
+              <a:lumMod val="75000"/>
+            </a:schemeClr>
+          </a:solidFill>
+        </p:spPr>
+        <p:style>
+          <a:lnRef idx="2">
+            <a:schemeClr val="accent1">
+              <a:shade val="50000"/>
+            </a:schemeClr>
+          </a:lnRef>
+          <a:fillRef idx="1">
+            <a:schemeClr val="accent1"/>
+          </a:fillRef>
+          <a:effectRef idx="0">
+            <a:schemeClr val="accent1"/>
+          </a:effectRef>
+          <a:fontRef idx="minor">
+            <a:schemeClr val="lt1"/>
+          </a:fontRef>
+        </p:style>
+        <p:txBody>
+          <a:bodyPr rtlCol="0" anchor="ctr"/>
+          <a:lstStyle/>
+          <a:p>
+            <a:pPr algn="ctr"/>
+            <a:endParaRPr lang="en-CA"/>
+          </a:p>
+        </p:txBody>
+      </p:sp>
+      <p:sp>
+        <p:nvSpPr>
+          <p:cNvPr id="23" name="Rounded Rectangle 22"/>
+          <p:cNvSpPr/>
+          <p:nvPr/>
+        </p:nvSpPr>
+        <p:spPr>
+          <a:xfrm>
+            <a:off x="2919663" y="874295"/>
+            <a:ext cx="1588168" cy="1503947"/>
+          </a:xfrm>
+          <a:prstGeom prst="roundRect">
+            <a:avLst/>
+          </a:prstGeom>
+          <a:solidFill>
+            <a:schemeClr val="bg1">
+              <a:lumMod val="75000"/>
+            </a:schemeClr>
+          </a:solidFill>
+        </p:spPr>
+        <p:style>
+          <a:lnRef idx="2">
+            <a:schemeClr val="accent1">
+              <a:shade val="50000"/>
+            </a:schemeClr>
+          </a:lnRef>
+          <a:fillRef idx="1">
+            <a:schemeClr val="accent1"/>
+          </a:fillRef>
+          <a:effectRef idx="0">
+            <a:schemeClr val="accent1"/>
+          </a:effectRef>
+          <a:fontRef idx="minor">
+            <a:schemeClr val="lt1"/>
+          </a:fontRef>
+        </p:style>
+        <p:txBody>
+          <a:bodyPr rtlCol="0" anchor="ctr"/>
+          <a:lstStyle/>
+          <a:p>
+            <a:pPr algn="ctr"/>
+            <a:endParaRPr lang="en-CA"/>
+          </a:p>
+        </p:txBody>
+      </p:sp>
+      <p:sp>
+        <p:nvSpPr>
+          <p:cNvPr id="24" name="Rounded Rectangle 23"/>
+          <p:cNvSpPr/>
+          <p:nvPr/>
+        </p:nvSpPr>
+        <p:spPr>
+          <a:xfrm>
+            <a:off x="3072063" y="1026695"/>
+            <a:ext cx="1588168" cy="1503947"/>
+          </a:xfrm>
+          <a:prstGeom prst="roundRect">
+            <a:avLst/>
+          </a:prstGeom>
+          <a:solidFill>
+            <a:schemeClr val="bg1">
+              <a:lumMod val="75000"/>
+            </a:schemeClr>
+          </a:solidFill>
+        </p:spPr>
+        <p:style>
+          <a:lnRef idx="2">
+            <a:schemeClr val="accent1">
+              <a:shade val="50000"/>
+            </a:schemeClr>
+          </a:lnRef>
+          <a:fillRef idx="1">
+            <a:schemeClr val="accent1"/>
+          </a:fillRef>
+          <a:effectRef idx="0">
+            <a:schemeClr val="accent1"/>
+          </a:effectRef>
+          <a:fontRef idx="minor">
+            <a:schemeClr val="lt1"/>
+          </a:fontRef>
+        </p:style>
+        <p:txBody>
+          <a:bodyPr rtlCol="0" anchor="ctr"/>
+          <a:lstStyle/>
+          <a:p>
+            <a:pPr algn="ctr"/>
+            <a:endParaRPr lang="en-CA"/>
+          </a:p>
+        </p:txBody>
+      </p:sp>
+      <p:sp>
+        <p:nvSpPr>
+          <p:cNvPr id="25" name="Rounded Rectangle 24"/>
+          <p:cNvSpPr/>
+          <p:nvPr/>
+        </p:nvSpPr>
+        <p:spPr>
+          <a:xfrm>
+            <a:off x="3224463" y="1179095"/>
+            <a:ext cx="1588168" cy="1503947"/>
+          </a:xfrm>
+          <a:prstGeom prst="roundRect">
+            <a:avLst/>
+          </a:prstGeom>
+          <a:solidFill>
+            <a:schemeClr val="bg1">
+              <a:lumMod val="75000"/>
+            </a:schemeClr>
+          </a:solidFill>
+        </p:spPr>
+        <p:style>
+          <a:lnRef idx="2">
+            <a:schemeClr val="accent1">
+              <a:shade val="50000"/>
+            </a:schemeClr>
+          </a:lnRef>
+          <a:fillRef idx="1">
+            <a:schemeClr val="accent1"/>
+          </a:fillRef>
+          <a:effectRef idx="0">
+            <a:schemeClr val="accent1"/>
+          </a:effectRef>
+          <a:fontRef idx="minor">
+            <a:schemeClr val="lt1"/>
+          </a:fontRef>
+        </p:style>
+        <p:txBody>
+          <a:bodyPr rtlCol="0" anchor="ctr"/>
+          <a:lstStyle/>
+          <a:p>
+            <a:pPr algn="ctr"/>
+            <a:endParaRPr lang="en-CA"/>
+          </a:p>
+        </p:txBody>
+      </p:sp>
+      <p:sp>
+        <p:nvSpPr>
+          <p:cNvPr id="26" name="Rounded Rectangle 25"/>
+          <p:cNvSpPr/>
+          <p:nvPr/>
+        </p:nvSpPr>
+        <p:spPr>
+          <a:xfrm>
+            <a:off x="3376863" y="1331495"/>
+            <a:ext cx="1588168" cy="1503947"/>
+          </a:xfrm>
+          <a:prstGeom prst="roundRect">
+            <a:avLst/>
+          </a:prstGeom>
+          <a:solidFill>
+            <a:schemeClr val="bg1">
+              <a:lumMod val="75000"/>
+            </a:schemeClr>
+          </a:solidFill>
+        </p:spPr>
+        <p:style>
+          <a:lnRef idx="2">
+            <a:schemeClr val="accent1">
+              <a:shade val="50000"/>
+            </a:schemeClr>
+          </a:lnRef>
+          <a:fillRef idx="1">
+            <a:schemeClr val="accent1"/>
+          </a:fillRef>
+          <a:effectRef idx="0">
+            <a:schemeClr val="accent1"/>
+          </a:effectRef>
+          <a:fontRef idx="minor">
+            <a:schemeClr val="lt1"/>
+          </a:fontRef>
+        </p:style>
+        <p:txBody>
+          <a:bodyPr rtlCol="0" anchor="ctr"/>
+          <a:lstStyle/>
+          <a:p>
+            <a:pPr algn="ctr"/>
+            <a:endParaRPr lang="en-CA"/>
+          </a:p>
+        </p:txBody>
+      </p:sp>
+      <p:sp>
+        <p:nvSpPr>
+          <p:cNvPr id="27" name="Rounded Rectangle 26"/>
+          <p:cNvSpPr/>
+          <p:nvPr/>
+        </p:nvSpPr>
+        <p:spPr>
+          <a:xfrm>
+            <a:off x="3529263" y="1483895"/>
+            <a:ext cx="1588168" cy="1503947"/>
+          </a:xfrm>
+          <a:prstGeom prst="roundRect">
+            <a:avLst/>
+          </a:prstGeom>
+          <a:solidFill>
+            <a:schemeClr val="bg1">
+              <a:lumMod val="75000"/>
+            </a:schemeClr>
+          </a:solidFill>
+        </p:spPr>
+        <p:style>
+          <a:lnRef idx="2">
+            <a:schemeClr val="accent1">
+              <a:shade val="50000"/>
+            </a:schemeClr>
+          </a:lnRef>
+          <a:fillRef idx="1">
+            <a:schemeClr val="accent1"/>
+          </a:fillRef>
+          <a:effectRef idx="0">
+            <a:schemeClr val="accent1"/>
+          </a:effectRef>
+          <a:fontRef idx="minor">
+            <a:schemeClr val="lt1"/>
+          </a:fontRef>
+        </p:style>
+        <p:txBody>
+          <a:bodyPr rtlCol="0" anchor="ctr"/>
+          <a:lstStyle/>
+          <a:p>
+            <a:pPr algn="ctr"/>
+            <a:endParaRPr lang="en-CA"/>
+          </a:p>
+        </p:txBody>
+      </p:sp>
+      <p:sp>
+        <p:nvSpPr>
+          <p:cNvPr id="28" name="Rounded Rectangle 27"/>
+          <p:cNvSpPr/>
+          <p:nvPr/>
+        </p:nvSpPr>
+        <p:spPr>
+          <a:xfrm>
+            <a:off x="3681663" y="1636295"/>
+            <a:ext cx="1588168" cy="1503947"/>
+          </a:xfrm>
+          <a:prstGeom prst="roundRect">
+            <a:avLst/>
+          </a:prstGeom>
+          <a:solidFill>
+            <a:schemeClr val="bg1">
+              <a:lumMod val="75000"/>
+            </a:schemeClr>
+          </a:solidFill>
+        </p:spPr>
+        <p:style>
+          <a:lnRef idx="2">
+            <a:schemeClr val="accent1">
+              <a:shade val="50000"/>
+            </a:schemeClr>
+          </a:lnRef>
+          <a:fillRef idx="1">
+            <a:schemeClr val="accent1"/>
+          </a:fillRef>
+          <a:effectRef idx="0">
+            <a:schemeClr val="accent1"/>
+          </a:effectRef>
+          <a:fontRef idx="minor">
+            <a:schemeClr val="lt1"/>
+          </a:fontRef>
+        </p:style>
+        <p:txBody>
+          <a:bodyPr rtlCol="0" anchor="ctr"/>
+          <a:lstStyle/>
+          <a:p>
+            <a:pPr algn="ctr"/>
+            <a:endParaRPr lang="en-CA"/>
+          </a:p>
+        </p:txBody>
+      </p:sp>
+      <p:sp>
+        <p:nvSpPr>
+          <p:cNvPr id="29" name="Rounded Rectangle 28"/>
+          <p:cNvSpPr/>
+          <p:nvPr/>
+        </p:nvSpPr>
+        <p:spPr>
+          <a:xfrm>
+            <a:off x="3834063" y="1788695"/>
+            <a:ext cx="1588168" cy="1503947"/>
+          </a:xfrm>
+          <a:prstGeom prst="roundRect">
+            <a:avLst/>
+          </a:prstGeom>
+          <a:solidFill>
+            <a:schemeClr val="bg1">
+              <a:lumMod val="75000"/>
+            </a:schemeClr>
+          </a:solidFill>
+        </p:spPr>
+        <p:style>
+          <a:lnRef idx="2">
+            <a:schemeClr val="accent1">
+              <a:shade val="50000"/>
+            </a:schemeClr>
+          </a:lnRef>
+          <a:fillRef idx="1">
+            <a:schemeClr val="accent1"/>
+          </a:fillRef>
+          <a:effectRef idx="0">
+            <a:schemeClr val="accent1"/>
+          </a:effectRef>
+          <a:fontRef idx="minor">
+            <a:schemeClr val="lt1"/>
+          </a:fontRef>
+        </p:style>
+        <p:txBody>
+          <a:bodyPr rtlCol="0" anchor="ctr"/>
+          <a:lstStyle/>
+          <a:p>
+            <a:pPr algn="ctr"/>
+            <a:endParaRPr lang="en-CA"/>
+          </a:p>
+        </p:txBody>
+      </p:sp>
+      <p:sp>
+        <p:nvSpPr>
+          <p:cNvPr id="30" name="Rounded Rectangle 29"/>
+          <p:cNvSpPr/>
+          <p:nvPr/>
+        </p:nvSpPr>
+        <p:spPr>
+          <a:xfrm>
+            <a:off x="4527876" y="2662992"/>
+            <a:ext cx="1588168" cy="1503947"/>
+          </a:xfrm>
+          <a:prstGeom prst="roundRect">
+            <a:avLst/>
+          </a:prstGeom>
+          <a:solidFill>
+            <a:schemeClr val="bg1">
+              <a:lumMod val="50000"/>
+            </a:schemeClr>
+          </a:solidFill>
+        </p:spPr>
+        <p:style>
+          <a:lnRef idx="2">
+            <a:schemeClr val="accent1">
+              <a:shade val="50000"/>
+            </a:schemeClr>
+          </a:lnRef>
+          <a:fillRef idx="1">
+            <a:schemeClr val="accent1"/>
+          </a:fillRef>
+          <a:effectRef idx="0">
+            <a:schemeClr val="accent1"/>
+          </a:effectRef>
+          <a:fontRef idx="minor">
+            <a:schemeClr val="lt1"/>
+          </a:fontRef>
+        </p:style>
+        <p:txBody>
+          <a:bodyPr rtlCol="0" anchor="ctr"/>
+          <a:lstStyle/>
+          <a:p>
+            <a:pPr algn="ctr"/>
+            <a:endParaRPr lang="en-CA"/>
+          </a:p>
+        </p:txBody>
+      </p:sp>
+      <p:sp>
+        <p:nvSpPr>
+          <p:cNvPr id="31" name="Rounded Rectangle 30"/>
+          <p:cNvSpPr/>
+          <p:nvPr/>
+        </p:nvSpPr>
+        <p:spPr>
+          <a:xfrm>
+            <a:off x="4680276" y="2815392"/>
+            <a:ext cx="1588168" cy="1503947"/>
+          </a:xfrm>
+          <a:prstGeom prst="roundRect">
+            <a:avLst/>
+          </a:prstGeom>
+          <a:solidFill>
+            <a:schemeClr val="bg1">
+              <a:lumMod val="50000"/>
+            </a:schemeClr>
+          </a:solidFill>
+        </p:spPr>
+        <p:style>
+          <a:lnRef idx="2">
+            <a:schemeClr val="accent1">
+              <a:shade val="50000"/>
+            </a:schemeClr>
+          </a:lnRef>
+          <a:fillRef idx="1">
+            <a:schemeClr val="accent1"/>
+          </a:fillRef>
+          <a:effectRef idx="0">
+            <a:schemeClr val="accent1"/>
+          </a:effectRef>
+          <a:fontRef idx="minor">
+            <a:schemeClr val="lt1"/>
+          </a:fontRef>
+        </p:style>
+        <p:txBody>
+          <a:bodyPr rtlCol="0" anchor="ctr"/>
+          <a:lstStyle/>
+          <a:p>
+            <a:pPr algn="ctr"/>
+            <a:endParaRPr lang="en-CA"/>
+          </a:p>
+        </p:txBody>
+      </p:sp>
+      <p:sp>
+        <p:nvSpPr>
+          <p:cNvPr id="32" name="Rounded Rectangle 31"/>
+          <p:cNvSpPr/>
+          <p:nvPr/>
+        </p:nvSpPr>
+        <p:spPr>
+          <a:xfrm>
+            <a:off x="5706974" y="677770"/>
+            <a:ext cx="1588168" cy="1503947"/>
+          </a:xfrm>
+          <a:prstGeom prst="roundRect">
+            <a:avLst/>
+          </a:prstGeom>
+          <a:solidFill>
+            <a:schemeClr val="bg1">
+              <a:lumMod val="75000"/>
+            </a:schemeClr>
+          </a:solidFill>
+        </p:spPr>
+        <p:style>
+          <a:lnRef idx="2">
+            <a:schemeClr val="accent1">
+              <a:shade val="50000"/>
+            </a:schemeClr>
+          </a:lnRef>
+          <a:fillRef idx="1">
+            <a:schemeClr val="accent1"/>
+          </a:fillRef>
+          <a:effectRef idx="0">
+            <a:schemeClr val="accent1"/>
+          </a:effectRef>
+          <a:fontRef idx="minor">
+            <a:schemeClr val="lt1"/>
+          </a:fontRef>
+        </p:style>
+        <p:txBody>
+          <a:bodyPr rtlCol="0" anchor="ctr"/>
+          <a:lstStyle/>
+          <a:p>
+            <a:pPr algn="ctr"/>
+            <a:endParaRPr lang="en-CA"/>
+          </a:p>
+        </p:txBody>
+      </p:sp>
+      <p:sp>
+        <p:nvSpPr>
+          <p:cNvPr id="33" name="Rounded Rectangle 32"/>
+          <p:cNvSpPr/>
+          <p:nvPr/>
+        </p:nvSpPr>
+        <p:spPr>
+          <a:xfrm>
+            <a:off x="5859374" y="830170"/>
+            <a:ext cx="1588168" cy="1503947"/>
+          </a:xfrm>
+          <a:prstGeom prst="roundRect">
+            <a:avLst/>
+          </a:prstGeom>
+          <a:solidFill>
+            <a:schemeClr val="bg1">
+              <a:lumMod val="75000"/>
+            </a:schemeClr>
+          </a:solidFill>
+        </p:spPr>
+        <p:style>
+          <a:lnRef idx="2">
+            <a:schemeClr val="accent1">
+              <a:shade val="50000"/>
+            </a:schemeClr>
+          </a:lnRef>
+          <a:fillRef idx="1">
+            <a:schemeClr val="accent1"/>
+          </a:fillRef>
+          <a:effectRef idx="0">
+            <a:schemeClr val="accent1"/>
+          </a:effectRef>
+          <a:fontRef idx="minor">
+            <a:schemeClr val="lt1"/>
+          </a:fontRef>
+        </p:style>
+        <p:txBody>
+          <a:bodyPr rtlCol="0" anchor="ctr"/>
+          <a:lstStyle/>
+          <a:p>
+            <a:pPr algn="ctr"/>
+            <a:endParaRPr lang="en-CA"/>
+          </a:p>
+        </p:txBody>
+      </p:sp>
+      <p:sp>
+        <p:nvSpPr>
+          <p:cNvPr id="34" name="Rounded Rectangle 33"/>
+          <p:cNvSpPr/>
+          <p:nvPr/>
+        </p:nvSpPr>
+        <p:spPr>
+          <a:xfrm>
+            <a:off x="6011774" y="982570"/>
+            <a:ext cx="1588168" cy="1503947"/>
+          </a:xfrm>
+          <a:prstGeom prst="roundRect">
+            <a:avLst/>
+          </a:prstGeom>
+          <a:solidFill>
+            <a:schemeClr val="bg1">
+              <a:lumMod val="75000"/>
+            </a:schemeClr>
+          </a:solidFill>
+        </p:spPr>
+        <p:style>
+          <a:lnRef idx="2">
+            <a:schemeClr val="accent1">
+              <a:shade val="50000"/>
+            </a:schemeClr>
+          </a:lnRef>
+          <a:fillRef idx="1">
+            <a:schemeClr val="accent1"/>
+          </a:fillRef>
+          <a:effectRef idx="0">
+            <a:schemeClr val="accent1"/>
+          </a:effectRef>
+          <a:fontRef idx="minor">
+            <a:schemeClr val="lt1"/>
+          </a:fontRef>
+        </p:style>
+        <p:txBody>
+          <a:bodyPr rtlCol="0" anchor="ctr"/>
+          <a:lstStyle/>
+          <a:p>
+            <a:pPr algn="ctr"/>
+            <a:endParaRPr lang="en-CA"/>
+          </a:p>
+        </p:txBody>
+      </p:sp>
+      <p:sp>
+        <p:nvSpPr>
+          <p:cNvPr id="35" name="Rounded Rectangle 34"/>
+          <p:cNvSpPr/>
+          <p:nvPr/>
+        </p:nvSpPr>
+        <p:spPr>
+          <a:xfrm>
+            <a:off x="6164174" y="1134970"/>
+            <a:ext cx="1588168" cy="1503947"/>
+          </a:xfrm>
+          <a:prstGeom prst="roundRect">
+            <a:avLst/>
+          </a:prstGeom>
+          <a:solidFill>
+            <a:schemeClr val="bg1">
+              <a:lumMod val="75000"/>
+            </a:schemeClr>
+          </a:solidFill>
+        </p:spPr>
+        <p:style>
+          <a:lnRef idx="2">
+            <a:schemeClr val="accent1">
+              <a:shade val="50000"/>
+            </a:schemeClr>
+          </a:lnRef>
+          <a:fillRef idx="1">
+            <a:schemeClr val="accent1"/>
+          </a:fillRef>
+          <a:effectRef idx="0">
+            <a:schemeClr val="accent1"/>
+          </a:effectRef>
+          <a:fontRef idx="minor">
+            <a:schemeClr val="lt1"/>
+          </a:fontRef>
+        </p:style>
+        <p:txBody>
+          <a:bodyPr rtlCol="0" anchor="ctr"/>
+          <a:lstStyle/>
+          <a:p>
+            <a:pPr algn="ctr"/>
+            <a:endParaRPr lang="en-CA"/>
+          </a:p>
+        </p:txBody>
+      </p:sp>
+      <p:sp>
+        <p:nvSpPr>
+          <p:cNvPr id="36" name="Rounded Rectangle 35"/>
+          <p:cNvSpPr/>
+          <p:nvPr/>
+        </p:nvSpPr>
+        <p:spPr>
+          <a:xfrm>
+            <a:off x="6316574" y="1287370"/>
+            <a:ext cx="1588168" cy="1503947"/>
+          </a:xfrm>
+          <a:prstGeom prst="roundRect">
+            <a:avLst/>
+          </a:prstGeom>
+          <a:solidFill>
+            <a:schemeClr val="bg1">
+              <a:lumMod val="75000"/>
+            </a:schemeClr>
+          </a:solidFill>
+        </p:spPr>
+        <p:style>
+          <a:lnRef idx="2">
+            <a:schemeClr val="accent1">
+              <a:shade val="50000"/>
+            </a:schemeClr>
+          </a:lnRef>
+          <a:fillRef idx="1">
+            <a:schemeClr val="accent1"/>
+          </a:fillRef>
+          <a:effectRef idx="0">
+            <a:schemeClr val="accent1"/>
+          </a:effectRef>
+          <a:fontRef idx="minor">
+            <a:schemeClr val="lt1"/>
+          </a:fontRef>
+        </p:style>
+        <p:txBody>
+          <a:bodyPr rtlCol="0" anchor="ctr"/>
+          <a:lstStyle/>
+          <a:p>
+            <a:pPr algn="ctr"/>
+            <a:endParaRPr lang="en-CA"/>
+          </a:p>
+        </p:txBody>
+      </p:sp>
+      <p:sp>
+        <p:nvSpPr>
+          <p:cNvPr id="37" name="Rounded Rectangle 36"/>
+          <p:cNvSpPr/>
+          <p:nvPr/>
+        </p:nvSpPr>
+        <p:spPr>
+          <a:xfrm>
+            <a:off x="6757738" y="1800720"/>
+            <a:ext cx="1588168" cy="1503947"/>
+          </a:xfrm>
+          <a:prstGeom prst="roundRect">
+            <a:avLst/>
+          </a:prstGeom>
+          <a:solidFill>
+            <a:schemeClr val="bg1">
+              <a:lumMod val="95000"/>
+            </a:schemeClr>
+          </a:solidFill>
+        </p:spPr>
+        <p:style>
+          <a:lnRef idx="2">
+            <a:schemeClr val="accent1">
+              <a:shade val="50000"/>
+            </a:schemeClr>
+          </a:lnRef>
+          <a:fillRef idx="1">
+            <a:schemeClr val="accent1"/>
+          </a:fillRef>
+          <a:effectRef idx="0">
+            <a:schemeClr val="accent1"/>
+          </a:effectRef>
+          <a:fontRef idx="minor">
+            <a:schemeClr val="lt1"/>
+          </a:fontRef>
+        </p:style>
+        <p:txBody>
+          <a:bodyPr rtlCol="0" anchor="ctr"/>
+          <a:lstStyle/>
+          <a:p>
+            <a:pPr algn="ctr"/>
+            <a:endParaRPr lang="en-CA"/>
+          </a:p>
+        </p:txBody>
+      </p:sp>
+      <p:sp>
+        <p:nvSpPr>
+          <p:cNvPr id="38" name="Rounded Rectangle 37"/>
+          <p:cNvSpPr/>
+          <p:nvPr/>
+        </p:nvSpPr>
+        <p:spPr>
+          <a:xfrm>
+            <a:off x="6910138" y="1953120"/>
+            <a:ext cx="1588168" cy="1503947"/>
+          </a:xfrm>
+          <a:prstGeom prst="roundRect">
+            <a:avLst/>
+          </a:prstGeom>
+          <a:solidFill>
+            <a:schemeClr val="bg1">
+              <a:lumMod val="95000"/>
+            </a:schemeClr>
+          </a:solidFill>
+        </p:spPr>
+        <p:style>
+          <a:lnRef idx="2">
+            <a:schemeClr val="accent1">
+              <a:shade val="50000"/>
+            </a:schemeClr>
+          </a:lnRef>
+          <a:fillRef idx="1">
+            <a:schemeClr val="accent1"/>
+          </a:fillRef>
+          <a:effectRef idx="0">
+            <a:schemeClr val="accent1"/>
+          </a:effectRef>
+          <a:fontRef idx="minor">
+            <a:schemeClr val="lt1"/>
+          </a:fontRef>
+        </p:style>
+        <p:txBody>
+          <a:bodyPr rtlCol="0" anchor="ctr"/>
+          <a:lstStyle/>
+          <a:p>
+            <a:pPr algn="ctr"/>
+            <a:endParaRPr lang="en-CA"/>
+          </a:p>
+        </p:txBody>
+      </p:sp>
+      <p:sp>
+        <p:nvSpPr>
+          <p:cNvPr id="39" name="Rounded Rectangle 38"/>
+          <p:cNvSpPr/>
+          <p:nvPr/>
+        </p:nvSpPr>
+        <p:spPr>
+          <a:xfrm>
+            <a:off x="7315187" y="2466467"/>
+            <a:ext cx="1588168" cy="1503947"/>
+          </a:xfrm>
+          <a:prstGeom prst="roundRect">
+            <a:avLst/>
+          </a:prstGeom>
+          <a:solidFill>
+            <a:schemeClr val="bg1">
+              <a:lumMod val="50000"/>
+            </a:schemeClr>
+          </a:solidFill>
+        </p:spPr>
+        <p:style>
+          <a:lnRef idx="2">
+            <a:schemeClr val="accent1">
+              <a:shade val="50000"/>
+            </a:schemeClr>
+          </a:lnRef>
+          <a:fillRef idx="1">
+            <a:schemeClr val="accent1"/>
+          </a:fillRef>
+          <a:effectRef idx="0">
+            <a:schemeClr val="accent1"/>
+          </a:effectRef>
+          <a:fontRef idx="minor">
+            <a:schemeClr val="lt1"/>
+          </a:fontRef>
+        </p:style>
+        <p:txBody>
+          <a:bodyPr rtlCol="0" anchor="ctr"/>
+          <a:lstStyle/>
+          <a:p>
+            <a:pPr algn="ctr"/>
+            <a:endParaRPr lang="en-CA"/>
+          </a:p>
+        </p:txBody>
+      </p:sp>
+      <p:sp>
+        <p:nvSpPr>
+          <p:cNvPr id="40" name="Rounded Rectangle 39"/>
+          <p:cNvSpPr/>
+          <p:nvPr/>
+        </p:nvSpPr>
+        <p:spPr>
+          <a:xfrm>
+            <a:off x="7467587" y="2618867"/>
+            <a:ext cx="1588168" cy="1503947"/>
+          </a:xfrm>
+          <a:prstGeom prst="roundRect">
+            <a:avLst/>
+          </a:prstGeom>
+          <a:solidFill>
+            <a:schemeClr val="bg1">
+              <a:lumMod val="50000"/>
+            </a:schemeClr>
+          </a:solidFill>
+        </p:spPr>
+        <p:style>
+          <a:lnRef idx="2">
+            <a:schemeClr val="accent1">
+              <a:shade val="50000"/>
+            </a:schemeClr>
+          </a:lnRef>
+          <a:fillRef idx="1">
+            <a:schemeClr val="accent1"/>
+          </a:fillRef>
+          <a:effectRef idx="0">
+            <a:schemeClr val="accent1"/>
+          </a:effectRef>
+          <a:fontRef idx="minor">
+            <a:schemeClr val="lt1"/>
+          </a:fontRef>
+        </p:style>
+        <p:txBody>
+          <a:bodyPr rtlCol="0" anchor="ctr"/>
+          <a:lstStyle/>
+          <a:p>
+            <a:pPr algn="ctr"/>
+            <a:endParaRPr lang="en-CA"/>
+          </a:p>
+        </p:txBody>
+      </p:sp>
+      <p:grpSp>
+        <p:nvGrpSpPr>
+          <p:cNvPr id="41" name="Group 40"/>
+          <p:cNvGrpSpPr/>
+          <p:nvPr/>
+        </p:nvGrpSpPr>
+        <p:grpSpPr>
+          <a:xfrm>
+            <a:off x="619518" y="4535906"/>
+            <a:ext cx="2300146" cy="1450055"/>
+            <a:chOff x="4644576" y="0"/>
+            <a:chExt cx="863701" cy="2803858"/>
+          </a:xfrm>
+        </p:grpSpPr>
+        <p:sp>
+          <p:nvSpPr>
+            <p:cNvPr id="42" name="Rounded Rectangle 41"/>
+            <p:cNvSpPr/>
+            <p:nvPr/>
+          </p:nvSpPr>
+          <p:spPr>
+            <a:xfrm>
+              <a:off x="4644576" y="0"/>
+              <a:ext cx="863700" cy="2803858"/>
+            </a:xfrm>
+            <a:prstGeom prst="roundRect">
+              <a:avLst>
+                <a:gd name="adj" fmla="val 10000"/>
+              </a:avLst>
+            </a:prstGeom>
+          </p:spPr>
+          <p:style>
+            <a:lnRef idx="0">
+              <a:schemeClr val="dk2">
+                <a:hueOff val="0"/>
+                <a:satOff val="0"/>
+                <a:lumOff val="0"/>
+                <a:alphaOff val="0"/>
+              </a:schemeClr>
+            </a:lnRef>
+            <a:fillRef idx="1">
+              <a:schemeClr val="dk2">
+                <a:tint val="40000"/>
+                <a:hueOff val="0"/>
+                <a:satOff val="0"/>
+                <a:lumOff val="0"/>
+                <a:alphaOff val="0"/>
+              </a:schemeClr>
+            </a:fillRef>
+            <a:effectRef idx="0">
+              <a:schemeClr val="dk2">
+                <a:tint val="40000"/>
+                <a:hueOff val="0"/>
+                <a:satOff val="0"/>
+                <a:lumOff val="0"/>
+                <a:alphaOff val="0"/>
+              </a:schemeClr>
+            </a:effectRef>
+            <a:fontRef idx="minor">
+              <a:schemeClr val="dk1">
+                <a:hueOff val="0"/>
+                <a:satOff val="0"/>
+                <a:lumOff val="0"/>
+                <a:alphaOff val="0"/>
+              </a:schemeClr>
+            </a:fontRef>
+          </p:style>
+        </p:sp>
+        <p:sp>
+          <p:nvSpPr>
+            <p:cNvPr id="43" name="Rounded Rectangle 4"/>
+            <p:cNvSpPr/>
+            <p:nvPr/>
+          </p:nvSpPr>
+          <p:spPr>
+            <a:xfrm>
+              <a:off x="4644577" y="721202"/>
+              <a:ext cx="863700" cy="119955"/>
+            </a:xfrm>
+            <a:prstGeom prst="rect">
+              <a:avLst/>
+            </a:prstGeom>
+          </p:spPr>
+          <p:style>
+            <a:lnRef idx="0">
+              <a:scrgbClr r="0" g="0" b="0"/>
+            </a:lnRef>
+            <a:fillRef idx="0">
+              <a:scrgbClr r="0" g="0" b="0"/>
+            </a:fillRef>
+            <a:effectRef idx="0">
+              <a:scrgbClr r="0" g="0" b="0"/>
+            </a:effectRef>
+            <a:fontRef idx="minor">
+              <a:schemeClr val="dk1">
+                <a:hueOff val="0"/>
+                <a:satOff val="0"/>
+                <a:lumOff val="0"/>
+                <a:alphaOff val="0"/>
+              </a:schemeClr>
+            </a:fontRef>
+          </p:style>
+          <p:txBody>
+            <a:bodyPr spcFirstLastPara="0" vert="horz" wrap="square" lIns="87630" tIns="87630" rIns="87630" bIns="87630" numCol="1" spcCol="1270" anchor="ctr" anchorCtr="0">
+              <a:noAutofit/>
+            </a:bodyPr>
+            <a:lstStyle/>
+            <a:p>
+              <a:pPr lvl="0" algn="ctr" defTabSz="1022350">
+                <a:lnSpc>
+                  <a:spcPct val="90000"/>
+                </a:lnSpc>
+                <a:spcBef>
+                  <a:spcPct val="0"/>
+                </a:spcBef>
+                <a:spcAft>
+                  <a:spcPct val="35000"/>
+                </a:spcAft>
+              </a:pPr>
+              <a:endParaRPr lang="en-CA" sz="2400" kern="1200" dirty="0"/>
+            </a:p>
+          </p:txBody>
+        </p:sp>
+      </p:grpSp>
+      <p:grpSp>
+        <p:nvGrpSpPr>
+          <p:cNvPr id="44" name="Group 43"/>
+          <p:cNvGrpSpPr/>
+          <p:nvPr/>
+        </p:nvGrpSpPr>
+        <p:grpSpPr>
+          <a:xfrm>
+            <a:off x="705889" y="4635637"/>
+            <a:ext cx="2113455" cy="570737"/>
+            <a:chOff x="4730947" y="841979"/>
+            <a:chExt cx="690960" cy="845401"/>
+          </a:xfrm>
+        </p:grpSpPr>
+        <p:sp>
+          <p:nvSpPr>
+            <p:cNvPr id="45" name="Rounded Rectangle 44"/>
+            <p:cNvSpPr/>
+            <p:nvPr/>
+          </p:nvSpPr>
+          <p:spPr>
+            <a:xfrm>
+              <a:off x="4730947" y="841979"/>
+              <a:ext cx="690960" cy="845401"/>
+            </a:xfrm>
+            <a:prstGeom prst="roundRect">
+              <a:avLst>
+                <a:gd name="adj" fmla="val 10000"/>
+              </a:avLst>
+            </a:prstGeom>
+            <a:solidFill>
+              <a:schemeClr val="accent1">
+                <a:lumMod val="40000"/>
+                <a:lumOff val="60000"/>
+              </a:schemeClr>
+            </a:solidFill>
+          </p:spPr>
+          <p:style>
+            <a:lnRef idx="2">
+              <a:schemeClr val="lt2">
+                <a:hueOff val="0"/>
+                <a:satOff val="0"/>
+                <a:lumOff val="0"/>
+                <a:alphaOff val="0"/>
+              </a:schemeClr>
+            </a:lnRef>
+            <a:fillRef idx="1">
+              <a:scrgbClr r="0" g="0" b="0"/>
+            </a:fillRef>
+            <a:effectRef idx="0">
+              <a:schemeClr val="dk2">
+                <a:hueOff val="0"/>
+                <a:satOff val="0"/>
+                <a:lumOff val="0"/>
+                <a:alphaOff val="0"/>
+              </a:schemeClr>
+            </a:effectRef>
+            <a:fontRef idx="minor">
+              <a:schemeClr val="lt1"/>
+            </a:fontRef>
+          </p:style>
+        </p:sp>
+        <p:sp>
+          <p:nvSpPr>
+            <p:cNvPr id="46" name="Rounded Rectangle 6"/>
+            <p:cNvSpPr/>
+            <p:nvPr/>
+          </p:nvSpPr>
+          <p:spPr>
+            <a:xfrm>
+              <a:off x="4751185" y="862217"/>
+              <a:ext cx="650484" cy="804925"/>
+            </a:xfrm>
+            <a:prstGeom prst="rect">
+              <a:avLst/>
+            </a:prstGeom>
+          </p:spPr>
+          <p:style>
+            <a:lnRef idx="0">
+              <a:scrgbClr r="0" g="0" b="0"/>
+            </a:lnRef>
+            <a:fillRef idx="0">
+              <a:scrgbClr r="0" g="0" b="0"/>
+            </a:fillRef>
+            <a:effectRef idx="0">
+              <a:scrgbClr r="0" g="0" b="0"/>
+            </a:effectRef>
+            <a:fontRef idx="minor">
+              <a:schemeClr val="lt1"/>
+            </a:fontRef>
+          </p:style>
+          <p:txBody>
+            <a:bodyPr spcFirstLastPara="0" vert="horz" wrap="square" lIns="111760" tIns="83820" rIns="111760" bIns="83820" numCol="1" spcCol="1270" anchor="ctr" anchorCtr="0">
+              <a:noAutofit/>
+            </a:bodyPr>
+            <a:lstStyle/>
+            <a:p>
+              <a:pPr lvl="0" algn="ctr" defTabSz="1955800">
+                <a:lnSpc>
+                  <a:spcPct val="90000"/>
+                </a:lnSpc>
+                <a:spcBef>
+                  <a:spcPct val="0"/>
+                </a:spcBef>
+                <a:spcAft>
+                  <a:spcPct val="35000"/>
+                </a:spcAft>
+              </a:pPr>
+              <a:r>
+                <a:rPr lang="en-CA" sz="2400" kern="1200" dirty="0" smtClean="0"/>
+                <a:t>49 Healthy</a:t>
+              </a:r>
+              <a:endParaRPr lang="en-CA" sz="2400" kern="1200" dirty="0"/>
+            </a:p>
+          </p:txBody>
+        </p:sp>
+      </p:grpSp>
+      <p:grpSp>
+        <p:nvGrpSpPr>
+          <p:cNvPr id="47" name="Group 46"/>
+          <p:cNvGrpSpPr/>
+          <p:nvPr/>
+        </p:nvGrpSpPr>
+        <p:grpSpPr>
+          <a:xfrm>
+            <a:off x="705889" y="5274210"/>
+            <a:ext cx="2113455" cy="570737"/>
+            <a:chOff x="4730947" y="1817442"/>
+            <a:chExt cx="690960" cy="845401"/>
+          </a:xfrm>
+        </p:grpSpPr>
+        <p:sp>
+          <p:nvSpPr>
+            <p:cNvPr id="48" name="Rounded Rectangle 47"/>
+            <p:cNvSpPr/>
+            <p:nvPr/>
+          </p:nvSpPr>
+          <p:spPr>
+            <a:xfrm>
+              <a:off x="4730947" y="1817442"/>
+              <a:ext cx="690960" cy="845401"/>
+            </a:xfrm>
+            <a:prstGeom prst="roundRect">
+              <a:avLst>
+                <a:gd name="adj" fmla="val 10000"/>
+              </a:avLst>
+            </a:prstGeom>
+            <a:solidFill>
+              <a:schemeClr val="bg2">
+                <a:lumMod val="25000"/>
+              </a:schemeClr>
+            </a:solidFill>
+          </p:spPr>
+          <p:style>
+            <a:lnRef idx="2">
+              <a:schemeClr val="lt2">
+                <a:hueOff val="0"/>
+                <a:satOff val="0"/>
+                <a:lumOff val="0"/>
+                <a:alphaOff val="0"/>
+              </a:schemeClr>
+            </a:lnRef>
+            <a:fillRef idx="1">
+              <a:scrgbClr r="0" g="0" b="0"/>
+            </a:fillRef>
+            <a:effectRef idx="0">
+              <a:schemeClr val="dk2">
+                <a:hueOff val="0"/>
+                <a:satOff val="0"/>
+                <a:lumOff val="0"/>
+                <a:alphaOff val="0"/>
+              </a:schemeClr>
+            </a:effectRef>
+            <a:fontRef idx="minor">
+              <a:schemeClr val="lt1"/>
+            </a:fontRef>
+          </p:style>
+        </p:sp>
+        <p:sp>
+          <p:nvSpPr>
+            <p:cNvPr id="49" name="Rounded Rectangle 8"/>
+            <p:cNvSpPr/>
+            <p:nvPr/>
+          </p:nvSpPr>
+          <p:spPr>
+            <a:xfrm>
+              <a:off x="4751185" y="1837680"/>
+              <a:ext cx="650484" cy="804925"/>
+            </a:xfrm>
+            <a:prstGeom prst="rect">
+              <a:avLst/>
+            </a:prstGeom>
+          </p:spPr>
+          <p:style>
+            <a:lnRef idx="0">
+              <a:scrgbClr r="0" g="0" b="0"/>
+            </a:lnRef>
+            <a:fillRef idx="0">
+              <a:scrgbClr r="0" g="0" b="0"/>
+            </a:fillRef>
+            <a:effectRef idx="0">
+              <a:scrgbClr r="0" g="0" b="0"/>
+            </a:effectRef>
+            <a:fontRef idx="minor">
+              <a:schemeClr val="lt1"/>
+            </a:fontRef>
+          </p:style>
+          <p:txBody>
+            <a:bodyPr spcFirstLastPara="0" vert="horz" wrap="square" lIns="111760" tIns="83820" rIns="111760" bIns="83820" numCol="1" spcCol="1270" anchor="ctr" anchorCtr="0">
+              <a:noAutofit/>
+            </a:bodyPr>
+            <a:lstStyle/>
+            <a:p>
+              <a:pPr lvl="0" algn="ctr" defTabSz="1955800">
+                <a:lnSpc>
+                  <a:spcPct val="90000"/>
+                </a:lnSpc>
+                <a:spcBef>
+                  <a:spcPct val="0"/>
+                </a:spcBef>
+                <a:spcAft>
+                  <a:spcPct val="35000"/>
+                </a:spcAft>
+              </a:pPr>
+              <a:r>
+                <a:rPr lang="en-CA" sz="2400" dirty="0" smtClean="0"/>
+                <a:t>46 Patient</a:t>
+              </a:r>
+              <a:endParaRPr lang="en-CA" sz="2400" kern="1200" dirty="0"/>
+            </a:p>
+          </p:txBody>
+        </p:sp>
+      </p:grpSp>
+    </p:spTree>
+    <p:extLst>
+      <p:ext uri="{BB962C8B-B14F-4D97-AF65-F5344CB8AC3E}">
+        <p14:creationId xmlns:p14="http://schemas.microsoft.com/office/powerpoint/2010/main" val="1151338244"/>
+      </p:ext>
+    </p:extLst>
+  </p:cSld>
+  <p:clrMapOvr>
+    <a:masterClrMapping/>
+  </p:clrMapOvr>
+  <p:timing>
+    <p:tnLst>
+      <p:par>
+        <p:cTn id="1" dur="indefinite" restart="never" nodeType="tmRoot"/>
+      </p:par>
+    </p:tnLst>
+  </p:timing>
+</p:sld>
+</file>
+
+<file path=ppt/slides/slide8.xml><?xml version="1.0" encoding="utf-8"?>
+<p:sld xmlns:a="http://schemas.openxmlformats.org/drawingml/2006/main" xmlns:r="http://schemas.openxmlformats.org/officeDocument/2006/relationships" xmlns:p="http://schemas.openxmlformats.org/presentationml/2006/main">
+  <p:cSld>
+    <p:spTree>
+      <p:nvGrpSpPr>
+        <p:cNvPr id="1" name=""/>
+        <p:cNvGrpSpPr/>
+        <p:nvPr/>
+      </p:nvGrpSpPr>
+      <p:grpSpPr>
+        <a:xfrm>
+          <a:off x="0" y="0"/>
+          <a:ext cx="0" cy="0"/>
+          <a:chOff x="0" y="0"/>
+          <a:chExt cx="0" cy="0"/>
+        </a:xfrm>
+      </p:grpSpPr>
+      <p:sp>
+        <p:nvSpPr>
+          <p:cNvPr id="4" name="Oval 3"/>
+          <p:cNvSpPr/>
+          <p:nvPr/>
+        </p:nvSpPr>
+        <p:spPr>
+          <a:xfrm>
+            <a:off x="1155032" y="2803358"/>
+            <a:ext cx="409073" cy="409074"/>
+          </a:xfrm>
+          <a:prstGeom prst="ellipse">
+            <a:avLst/>
+          </a:prstGeom>
+          <a:solidFill>
+            <a:schemeClr val="bg2">
+              <a:lumMod val="75000"/>
+            </a:schemeClr>
+          </a:solidFill>
+        </p:spPr>
+        <p:style>
+          <a:lnRef idx="2">
+            <a:schemeClr val="accent1">
+              <a:shade val="50000"/>
+            </a:schemeClr>
+          </a:lnRef>
+          <a:fillRef idx="1">
+            <a:schemeClr val="accent1"/>
+          </a:fillRef>
+          <a:effectRef idx="0">
+            <a:schemeClr val="accent1"/>
+          </a:effectRef>
+          <a:fontRef idx="minor">
+            <a:schemeClr val="lt1"/>
+          </a:fontRef>
+        </p:style>
+        <p:txBody>
+          <a:bodyPr rtlCol="0" anchor="ctr"/>
+          <a:lstStyle/>
+          <a:p>
+            <a:pPr algn="ctr"/>
+            <a:r>
+              <a:rPr lang="en-CA" dirty="0" smtClean="0"/>
+              <a:t>1</a:t>
+            </a:r>
+            <a:endParaRPr lang="en-CA" dirty="0"/>
+          </a:p>
+        </p:txBody>
+      </p:sp>
+      <p:sp>
+        <p:nvSpPr>
+          <p:cNvPr id="5" name="Oval 4"/>
+          <p:cNvSpPr/>
+          <p:nvPr/>
+        </p:nvSpPr>
+        <p:spPr>
+          <a:xfrm>
+            <a:off x="1692440" y="2811377"/>
+            <a:ext cx="409073" cy="409074"/>
+          </a:xfrm>
+          <a:prstGeom prst="ellipse">
+            <a:avLst/>
+          </a:prstGeom>
+          <a:solidFill>
+            <a:schemeClr val="bg2">
+              <a:lumMod val="75000"/>
+            </a:schemeClr>
+          </a:solidFill>
+        </p:spPr>
+        <p:style>
+          <a:lnRef idx="2">
+            <a:schemeClr val="accent1">
+              <a:shade val="50000"/>
+            </a:schemeClr>
+          </a:lnRef>
+          <a:fillRef idx="1">
+            <a:schemeClr val="accent1"/>
+          </a:fillRef>
+          <a:effectRef idx="0">
+            <a:schemeClr val="accent1"/>
+          </a:effectRef>
+          <a:fontRef idx="minor">
+            <a:schemeClr val="lt1"/>
+          </a:fontRef>
+        </p:style>
+        <p:txBody>
+          <a:bodyPr rtlCol="0" anchor="ctr"/>
+          <a:lstStyle/>
+          <a:p>
+            <a:pPr algn="ctr"/>
+            <a:r>
+              <a:rPr lang="en-CA" dirty="0"/>
+              <a:t>2</a:t>
+            </a:r>
+            <a:endParaRPr lang="en-CA" dirty="0"/>
+          </a:p>
+        </p:txBody>
+      </p:sp>
+      <p:sp>
+        <p:nvSpPr>
+          <p:cNvPr id="6" name="Oval 5"/>
+          <p:cNvSpPr/>
+          <p:nvPr/>
+        </p:nvSpPr>
+        <p:spPr>
+          <a:xfrm>
+            <a:off x="2209799" y="2811374"/>
+            <a:ext cx="409073" cy="409074"/>
+          </a:xfrm>
+          <a:prstGeom prst="ellipse">
+            <a:avLst/>
+          </a:prstGeom>
+          <a:solidFill>
+            <a:schemeClr val="bg2">
+              <a:lumMod val="75000"/>
+            </a:schemeClr>
+          </a:solidFill>
+        </p:spPr>
+        <p:style>
+          <a:lnRef idx="2">
+            <a:schemeClr val="accent1">
+              <a:shade val="50000"/>
+            </a:schemeClr>
+          </a:lnRef>
+          <a:fillRef idx="1">
+            <a:schemeClr val="accent1"/>
+          </a:fillRef>
+          <a:effectRef idx="0">
+            <a:schemeClr val="accent1"/>
+          </a:effectRef>
+          <a:fontRef idx="minor">
+            <a:schemeClr val="lt1"/>
+          </a:fontRef>
+        </p:style>
+        <p:txBody>
+          <a:bodyPr rtlCol="0" anchor="ctr"/>
+          <a:lstStyle/>
+          <a:p>
+            <a:pPr algn="ctr"/>
+            <a:r>
+              <a:rPr lang="en-CA" dirty="0" smtClean="0"/>
+              <a:t>3</a:t>
+            </a:r>
+          </a:p>
+        </p:txBody>
+      </p:sp>
+      <p:sp>
+        <p:nvSpPr>
+          <p:cNvPr id="7" name="Oval 6"/>
+          <p:cNvSpPr/>
+          <p:nvPr/>
+        </p:nvSpPr>
+        <p:spPr>
+          <a:xfrm>
+            <a:off x="2763066" y="2988469"/>
+            <a:ext cx="68305" cy="91615"/>
+          </a:xfrm>
+          <a:prstGeom prst="ellipse">
+            <a:avLst/>
+          </a:prstGeom>
+          <a:solidFill>
+            <a:schemeClr val="bg2">
+              <a:lumMod val="75000"/>
+            </a:schemeClr>
+          </a:solidFill>
+          <a:ln>
+            <a:solidFill>
+              <a:schemeClr val="tx1"/>
+            </a:solidFill>
+          </a:ln>
+        </p:spPr>
+        <p:style>
+          <a:lnRef idx="2">
+            <a:schemeClr val="accent1">
+              <a:shade val="50000"/>
+            </a:schemeClr>
+          </a:lnRef>
+          <a:fillRef idx="1">
+            <a:schemeClr val="accent1"/>
+          </a:fillRef>
+          <a:effectRef idx="0">
+            <a:schemeClr val="accent1"/>
+          </a:effectRef>
+          <a:fontRef idx="minor">
+            <a:schemeClr val="lt1"/>
+          </a:fontRef>
+        </p:style>
+        <p:txBody>
+          <a:bodyPr rtlCol="0" anchor="ctr"/>
+          <a:lstStyle/>
+          <a:p>
+            <a:pPr algn="ctr"/>
+            <a:endParaRPr lang="en-CA"/>
+          </a:p>
+        </p:txBody>
+      </p:sp>
+      <p:sp>
+        <p:nvSpPr>
+          <p:cNvPr id="8" name="Oval 7"/>
+          <p:cNvSpPr/>
+          <p:nvPr/>
+        </p:nvSpPr>
+        <p:spPr>
+          <a:xfrm>
+            <a:off x="2903561" y="2988463"/>
+            <a:ext cx="68305" cy="91615"/>
+          </a:xfrm>
+          <a:prstGeom prst="ellipse">
+            <a:avLst/>
+          </a:prstGeom>
+          <a:solidFill>
+            <a:schemeClr val="bg2">
+              <a:lumMod val="75000"/>
+            </a:schemeClr>
+          </a:solidFill>
+          <a:ln>
+            <a:solidFill>
+              <a:schemeClr val="tx1"/>
+            </a:solidFill>
+          </a:ln>
+        </p:spPr>
+        <p:style>
+          <a:lnRef idx="2">
+            <a:schemeClr val="accent1">
+              <a:shade val="50000"/>
+            </a:schemeClr>
+          </a:lnRef>
+          <a:fillRef idx="1">
+            <a:schemeClr val="accent1"/>
+          </a:fillRef>
+          <a:effectRef idx="0">
+            <a:schemeClr val="accent1"/>
+          </a:effectRef>
+          <a:fontRef idx="minor">
+            <a:schemeClr val="lt1"/>
+          </a:fontRef>
+        </p:style>
+        <p:txBody>
+          <a:bodyPr rtlCol="0" anchor="ctr"/>
+          <a:lstStyle/>
+          <a:p>
+            <a:pPr algn="ctr"/>
+            <a:endParaRPr lang="en-CA"/>
+          </a:p>
+        </p:txBody>
+      </p:sp>
+      <p:sp>
+        <p:nvSpPr>
+          <p:cNvPr id="9" name="Oval 8"/>
+          <p:cNvSpPr/>
+          <p:nvPr/>
+        </p:nvSpPr>
+        <p:spPr>
+          <a:xfrm>
+            <a:off x="3034525" y="2990850"/>
+            <a:ext cx="68305" cy="91615"/>
+          </a:xfrm>
+          <a:prstGeom prst="ellipse">
+            <a:avLst/>
+          </a:prstGeom>
+          <a:solidFill>
+            <a:schemeClr val="bg2">
+              <a:lumMod val="75000"/>
+            </a:schemeClr>
+          </a:solidFill>
+          <a:ln>
+            <a:solidFill>
+              <a:schemeClr val="tx1"/>
+            </a:solidFill>
+          </a:ln>
+        </p:spPr>
+        <p:style>
+          <a:lnRef idx="2">
+            <a:schemeClr val="accent1">
+              <a:shade val="50000"/>
+            </a:schemeClr>
+          </a:lnRef>
+          <a:fillRef idx="1">
+            <a:schemeClr val="accent1"/>
+          </a:fillRef>
+          <a:effectRef idx="0">
+            <a:schemeClr val="accent1"/>
+          </a:effectRef>
+          <a:fontRef idx="minor">
+            <a:schemeClr val="lt1"/>
+          </a:fontRef>
+        </p:style>
+        <p:txBody>
+          <a:bodyPr rtlCol="0" anchor="ctr"/>
+          <a:lstStyle/>
+          <a:p>
+            <a:pPr algn="ctr"/>
+            <a:endParaRPr lang="en-CA"/>
+          </a:p>
+        </p:txBody>
+      </p:sp>
+      <p:sp>
+        <p:nvSpPr>
+          <p:cNvPr id="10" name="Oval 9"/>
+          <p:cNvSpPr/>
+          <p:nvPr/>
+        </p:nvSpPr>
+        <p:spPr>
+          <a:xfrm>
+            <a:off x="3272714" y="2805630"/>
+            <a:ext cx="409073" cy="409074"/>
+          </a:xfrm>
+          <a:prstGeom prst="ellipse">
+            <a:avLst/>
+          </a:prstGeom>
+          <a:solidFill>
+            <a:schemeClr val="bg2">
+              <a:lumMod val="75000"/>
+            </a:schemeClr>
+          </a:solidFill>
+        </p:spPr>
+        <p:style>
+          <a:lnRef idx="2">
+            <a:schemeClr val="accent1">
+              <a:shade val="50000"/>
+            </a:schemeClr>
+          </a:lnRef>
+          <a:fillRef idx="1">
+            <a:schemeClr val="accent1"/>
+          </a:fillRef>
+          <a:effectRef idx="0">
+            <a:schemeClr val="accent1"/>
+          </a:effectRef>
+          <a:fontRef idx="minor">
+            <a:schemeClr val="lt1"/>
+          </a:fontRef>
+        </p:style>
+        <p:txBody>
+          <a:bodyPr rtlCol="0" anchor="ctr"/>
+          <a:lstStyle/>
+          <a:p>
+            <a:pPr algn="ctr"/>
+            <a:r>
+              <a:rPr lang="en-CA" dirty="0"/>
+              <a:t>n</a:t>
+            </a:r>
+            <a:endParaRPr lang="en-CA" dirty="0"/>
+          </a:p>
+        </p:txBody>
+      </p:sp>
+      <p:sp>
+        <p:nvSpPr>
+          <p:cNvPr id="11" name="Oval 10"/>
+          <p:cNvSpPr/>
+          <p:nvPr/>
+        </p:nvSpPr>
+        <p:spPr>
+          <a:xfrm>
+            <a:off x="1157304" y="3542612"/>
+            <a:ext cx="409073" cy="409074"/>
+          </a:xfrm>
+          <a:prstGeom prst="ellipse">
+            <a:avLst/>
+          </a:prstGeom>
+          <a:solidFill>
+            <a:schemeClr val="tx1">
+              <a:lumMod val="65000"/>
+              <a:lumOff val="35000"/>
+            </a:schemeClr>
+          </a:solidFill>
+        </p:spPr>
+        <p:style>
+          <a:lnRef idx="2">
+            <a:schemeClr val="accent1">
+              <a:shade val="50000"/>
+            </a:schemeClr>
+          </a:lnRef>
+          <a:fillRef idx="1">
+            <a:schemeClr val="accent1"/>
+          </a:fillRef>
+          <a:effectRef idx="0">
+            <a:schemeClr val="accent1"/>
+          </a:effectRef>
+          <a:fontRef idx="minor">
+            <a:schemeClr val="lt1"/>
+          </a:fontRef>
+        </p:style>
+        <p:txBody>
+          <a:bodyPr rtlCol="0" anchor="ctr"/>
+          <a:lstStyle/>
+          <a:p>
+            <a:pPr algn="ctr"/>
+            <a:r>
+              <a:rPr lang="en-CA" dirty="0" smtClean="0"/>
+              <a:t>1</a:t>
+            </a:r>
+            <a:endParaRPr lang="en-CA" dirty="0"/>
+          </a:p>
+        </p:txBody>
+      </p:sp>
+      <p:sp>
+        <p:nvSpPr>
+          <p:cNvPr id="12" name="Oval 11"/>
+          <p:cNvSpPr/>
+          <p:nvPr/>
+        </p:nvSpPr>
+        <p:spPr>
+          <a:xfrm>
+            <a:off x="1694712" y="3550631"/>
+            <a:ext cx="409073" cy="409074"/>
+          </a:xfrm>
+          <a:prstGeom prst="ellipse">
+            <a:avLst/>
+          </a:prstGeom>
+          <a:solidFill>
+            <a:schemeClr val="tx1">
+              <a:lumMod val="65000"/>
+              <a:lumOff val="35000"/>
+            </a:schemeClr>
+          </a:solidFill>
+        </p:spPr>
+        <p:style>
+          <a:lnRef idx="2">
+            <a:schemeClr val="accent1">
+              <a:shade val="50000"/>
+            </a:schemeClr>
+          </a:lnRef>
+          <a:fillRef idx="1">
+            <a:schemeClr val="accent1"/>
+          </a:fillRef>
+          <a:effectRef idx="0">
+            <a:schemeClr val="accent1"/>
+          </a:effectRef>
+          <a:fontRef idx="minor">
+            <a:schemeClr val="lt1"/>
+          </a:fontRef>
+        </p:style>
+        <p:txBody>
+          <a:bodyPr rtlCol="0" anchor="ctr"/>
+          <a:lstStyle/>
+          <a:p>
+            <a:pPr algn="ctr"/>
+            <a:r>
+              <a:rPr lang="en-CA" dirty="0"/>
+              <a:t>2</a:t>
+            </a:r>
+            <a:endParaRPr lang="en-CA" dirty="0"/>
+          </a:p>
+        </p:txBody>
+      </p:sp>
+      <p:sp>
+        <p:nvSpPr>
+          <p:cNvPr id="13" name="Oval 12"/>
+          <p:cNvSpPr/>
+          <p:nvPr/>
+        </p:nvSpPr>
+        <p:spPr>
+          <a:xfrm>
+            <a:off x="2212071" y="3550628"/>
+            <a:ext cx="409073" cy="409074"/>
+          </a:xfrm>
+          <a:prstGeom prst="ellipse">
+            <a:avLst/>
+          </a:prstGeom>
+          <a:solidFill>
+            <a:schemeClr val="tx1">
+              <a:lumMod val="65000"/>
+              <a:lumOff val="35000"/>
+            </a:schemeClr>
+          </a:solidFill>
+        </p:spPr>
+        <p:style>
+          <a:lnRef idx="2">
+            <a:schemeClr val="accent1">
+              <a:shade val="50000"/>
+            </a:schemeClr>
+          </a:lnRef>
+          <a:fillRef idx="1">
+            <a:schemeClr val="accent1"/>
+          </a:fillRef>
+          <a:effectRef idx="0">
+            <a:schemeClr val="accent1"/>
+          </a:effectRef>
+          <a:fontRef idx="minor">
+            <a:schemeClr val="lt1"/>
+          </a:fontRef>
+        </p:style>
+        <p:txBody>
+          <a:bodyPr rtlCol="0" anchor="ctr"/>
+          <a:lstStyle/>
+          <a:p>
+            <a:pPr algn="ctr"/>
+            <a:r>
+              <a:rPr lang="en-CA" dirty="0" smtClean="0"/>
+              <a:t>3</a:t>
+            </a:r>
+          </a:p>
+        </p:txBody>
+      </p:sp>
+      <p:sp>
+        <p:nvSpPr>
+          <p:cNvPr id="14" name="Oval 13"/>
+          <p:cNvSpPr/>
+          <p:nvPr/>
+        </p:nvSpPr>
+        <p:spPr>
+          <a:xfrm>
+            <a:off x="2765338" y="3727723"/>
+            <a:ext cx="68305" cy="91615"/>
+          </a:xfrm>
+          <a:prstGeom prst="ellipse">
+            <a:avLst/>
+          </a:prstGeom>
+          <a:solidFill>
+            <a:schemeClr val="tx1">
+              <a:lumMod val="65000"/>
+              <a:lumOff val="35000"/>
+            </a:schemeClr>
+          </a:solidFill>
+          <a:ln>
+            <a:solidFill>
+              <a:schemeClr val="tx1"/>
+            </a:solidFill>
+          </a:ln>
+        </p:spPr>
+        <p:style>
+          <a:lnRef idx="2">
+            <a:schemeClr val="accent1">
+              <a:shade val="50000"/>
+            </a:schemeClr>
+          </a:lnRef>
+          <a:fillRef idx="1">
+            <a:schemeClr val="accent1"/>
+          </a:fillRef>
+          <a:effectRef idx="0">
+            <a:schemeClr val="accent1"/>
+          </a:effectRef>
+          <a:fontRef idx="minor">
+            <a:schemeClr val="lt1"/>
+          </a:fontRef>
+        </p:style>
+        <p:txBody>
+          <a:bodyPr rtlCol="0" anchor="ctr"/>
+          <a:lstStyle/>
+          <a:p>
+            <a:pPr algn="ctr"/>
+            <a:endParaRPr lang="en-CA"/>
+          </a:p>
+        </p:txBody>
+      </p:sp>
+      <p:sp>
+        <p:nvSpPr>
+          <p:cNvPr id="15" name="Oval 14"/>
+          <p:cNvSpPr/>
+          <p:nvPr/>
+        </p:nvSpPr>
+        <p:spPr>
+          <a:xfrm>
+            <a:off x="2905833" y="3727717"/>
+            <a:ext cx="68305" cy="91615"/>
+          </a:xfrm>
+          <a:prstGeom prst="ellipse">
+            <a:avLst/>
+          </a:prstGeom>
+          <a:solidFill>
+            <a:schemeClr val="tx1">
+              <a:lumMod val="65000"/>
+              <a:lumOff val="35000"/>
+            </a:schemeClr>
+          </a:solidFill>
+          <a:ln>
+            <a:solidFill>
+              <a:schemeClr val="tx1"/>
+            </a:solidFill>
+          </a:ln>
+        </p:spPr>
+        <p:style>
+          <a:lnRef idx="2">
+            <a:schemeClr val="accent1">
+              <a:shade val="50000"/>
+            </a:schemeClr>
+          </a:lnRef>
+          <a:fillRef idx="1">
+            <a:schemeClr val="accent1"/>
+          </a:fillRef>
+          <a:effectRef idx="0">
+            <a:schemeClr val="accent1"/>
+          </a:effectRef>
+          <a:fontRef idx="minor">
+            <a:schemeClr val="lt1"/>
+          </a:fontRef>
+        </p:style>
+        <p:txBody>
+          <a:bodyPr rtlCol="0" anchor="ctr"/>
+          <a:lstStyle/>
+          <a:p>
+            <a:pPr algn="ctr"/>
+            <a:endParaRPr lang="en-CA"/>
+          </a:p>
+        </p:txBody>
+      </p:sp>
+      <p:sp>
+        <p:nvSpPr>
+          <p:cNvPr id="16" name="Oval 15"/>
+          <p:cNvSpPr/>
+          <p:nvPr/>
+        </p:nvSpPr>
+        <p:spPr>
+          <a:xfrm>
+            <a:off x="3036797" y="3730104"/>
+            <a:ext cx="68305" cy="91615"/>
+          </a:xfrm>
+          <a:prstGeom prst="ellipse">
+            <a:avLst/>
+          </a:prstGeom>
+          <a:solidFill>
+            <a:schemeClr val="tx1">
+              <a:lumMod val="65000"/>
+              <a:lumOff val="35000"/>
+            </a:schemeClr>
+          </a:solidFill>
+          <a:ln>
+            <a:solidFill>
+              <a:schemeClr val="tx1"/>
+            </a:solidFill>
+          </a:ln>
+        </p:spPr>
+        <p:style>
+          <a:lnRef idx="2">
+            <a:schemeClr val="accent1">
+              <a:shade val="50000"/>
+            </a:schemeClr>
+          </a:lnRef>
+          <a:fillRef idx="1">
+            <a:schemeClr val="accent1"/>
+          </a:fillRef>
+          <a:effectRef idx="0">
+            <a:schemeClr val="accent1"/>
+          </a:effectRef>
+          <a:fontRef idx="minor">
+            <a:schemeClr val="lt1"/>
+          </a:fontRef>
+        </p:style>
+        <p:txBody>
+          <a:bodyPr rtlCol="0" anchor="ctr"/>
+          <a:lstStyle/>
+          <a:p>
+            <a:pPr algn="ctr"/>
+            <a:endParaRPr lang="en-CA"/>
+          </a:p>
+        </p:txBody>
+      </p:sp>
+      <p:sp>
+        <p:nvSpPr>
+          <p:cNvPr id="17" name="Oval 16"/>
+          <p:cNvSpPr/>
+          <p:nvPr/>
+        </p:nvSpPr>
+        <p:spPr>
+          <a:xfrm>
+            <a:off x="3274986" y="3544884"/>
+            <a:ext cx="409073" cy="409074"/>
+          </a:xfrm>
+          <a:prstGeom prst="ellipse">
+            <a:avLst/>
+          </a:prstGeom>
+          <a:solidFill>
+            <a:schemeClr val="tx1">
+              <a:lumMod val="65000"/>
+              <a:lumOff val="35000"/>
+            </a:schemeClr>
+          </a:solidFill>
+        </p:spPr>
+        <p:style>
+          <a:lnRef idx="2">
+            <a:schemeClr val="accent1">
+              <a:shade val="50000"/>
+            </a:schemeClr>
+          </a:lnRef>
+          <a:fillRef idx="1">
+            <a:schemeClr val="accent1"/>
+          </a:fillRef>
+          <a:effectRef idx="0">
+            <a:schemeClr val="accent1"/>
+          </a:effectRef>
+          <a:fontRef idx="minor">
+            <a:schemeClr val="lt1"/>
+          </a:fontRef>
+        </p:style>
+        <p:txBody>
+          <a:bodyPr rtlCol="0" anchor="ctr"/>
+          <a:lstStyle/>
+          <a:p>
+            <a:pPr algn="ctr"/>
+            <a:r>
+              <a:rPr lang="en-CA" dirty="0"/>
+              <a:t>n</a:t>
+            </a:r>
+            <a:endParaRPr lang="en-CA" dirty="0"/>
+          </a:p>
+        </p:txBody>
+      </p:sp>
+    </p:spTree>
+    <p:extLst>
+      <p:ext uri="{BB962C8B-B14F-4D97-AF65-F5344CB8AC3E}">
+        <p14:creationId xmlns:p14="http://schemas.microsoft.com/office/powerpoint/2010/main" val="1107898691"/>
+      </p:ext>
+    </p:extLst>
+  </p:cSld>
+  <p:clrMapOvr>
+    <a:masterClrMapping/>
+  </p:clrMapOvr>
+  <p:timing>
+    <p:tnLst>
+      <p:par>
+        <p:cTn id="1" dur="indefinite" restart="never" nodeType="tmRoot"/>
+      </p:par>
+    </p:tnLst>
+  </p:timing>
+</p:sld>
+</file>
+
+<file path=ppt/slides/slide9.xml><?xml version="1.0" encoding="utf-8"?>
+<p:sld xmlns:a="http://schemas.openxmlformats.org/drawingml/2006/main" xmlns:r="http://schemas.openxmlformats.org/officeDocument/2006/relationships" xmlns:p="http://schemas.openxmlformats.org/presentationml/2006/main">
+  <p:cSld>
+    <p:spTree>
+      <p:nvGrpSpPr>
+        <p:cNvPr id="1" name=""/>
+        <p:cNvGrpSpPr/>
+        <p:nvPr/>
+      </p:nvGrpSpPr>
+      <p:grpSpPr>
+        <a:xfrm>
+          <a:off x="0" y="0"/>
+          <a:ext cx="0" cy="0"/>
+          <a:chOff x="0" y="0"/>
+          <a:chExt cx="0" cy="0"/>
+        </a:xfrm>
+      </p:grpSpPr>
+      <p:sp>
+        <p:nvSpPr>
+          <p:cNvPr id="5" name="Oval 4"/>
+          <p:cNvSpPr/>
+          <p:nvPr/>
+        </p:nvSpPr>
+        <p:spPr>
+          <a:xfrm>
+            <a:off x="4390190" y="2156801"/>
+            <a:ext cx="1371600" cy="745958"/>
+          </a:xfrm>
+          <a:prstGeom prst="ellipse">
+            <a:avLst/>
+          </a:prstGeom>
+        </p:spPr>
+        <p:style>
+          <a:lnRef idx="2">
+            <a:schemeClr val="accent1">
+              <a:shade val="50000"/>
+            </a:schemeClr>
+          </a:lnRef>
+          <a:fillRef idx="1">
+            <a:schemeClr val="accent1"/>
+          </a:fillRef>
+          <a:effectRef idx="0">
+            <a:schemeClr val="accent1"/>
+          </a:effectRef>
+          <a:fontRef idx="minor">
+            <a:schemeClr val="lt1"/>
+          </a:fontRef>
+        </p:style>
+        <p:txBody>
+          <a:bodyPr rtlCol="0" anchor="ctr"/>
+          <a:lstStyle/>
+          <a:p>
+            <a:pPr algn="ctr"/>
+            <a:r>
+              <a:rPr lang="en-CA" dirty="0" smtClean="0">
+                <a:ln w="0"/>
+                <a:solidFill>
+                  <a:schemeClr val="tx1"/>
+                </a:solidFill>
+                <a:effectLst>
+                  <a:outerShdw blurRad="38100" dist="19050" dir="2700000" algn="tl" rotWithShape="0">
+                    <a:schemeClr val="dk1">
+                      <a:alpha val="40000"/>
+                    </a:schemeClr>
+                  </a:outerShdw>
+                </a:effectLst>
+              </a:rPr>
+              <a:t>Subject</a:t>
+            </a:r>
+            <a:endParaRPr lang="en-CA" dirty="0"/>
+          </a:p>
+        </p:txBody>
+      </p:sp>
+      <p:graphicFrame>
+        <p:nvGraphicFramePr>
+          <p:cNvPr id="6" name="Table 5"/>
+          <p:cNvGraphicFramePr>
+            <a:graphicFrameLocks noGrp="1"/>
+          </p:cNvGraphicFramePr>
+          <p:nvPr>
+            <p:extLst>
+              <p:ext uri="{D42A27DB-BD31-4B8C-83A1-F6EECF244321}">
+                <p14:modId xmlns:p14="http://schemas.microsoft.com/office/powerpoint/2010/main" val="2203963983"/>
+              </p:ext>
+            </p:extLst>
+          </p:nvPr>
+        </p:nvGraphicFramePr>
+        <p:xfrm>
+          <a:off x="2441074" y="1415121"/>
+          <a:ext cx="2130926" cy="741680"/>
+        </p:xfrm>
+        <a:graphic>
+          <a:graphicData uri="http://schemas.openxmlformats.org/drawingml/2006/table">
+            <a:tbl>
+              <a:tblPr firstRow="1" bandRow="1">
+                <a:tableStyleId>{5940675A-B579-460E-94D1-54222C63F5DA}</a:tableStyleId>
+              </a:tblPr>
+              <a:tblGrid>
+                <a:gridCol w="1541378"/>
+                <a:gridCol w="589548"/>
+              </a:tblGrid>
+              <a:tr h="370840">
+                <a:tc>
+                  <a:txBody>
+                    <a:bodyPr/>
+                    <a:lstStyle/>
+                    <a:p>
+                      <a:r>
+                        <a:rPr lang="en-CA" dirty="0" smtClean="0"/>
+                        <a:t>Healthy</a:t>
+                      </a:r>
+                      <a:endParaRPr lang="en-CA" dirty="0"/>
+                    </a:p>
+                  </a:txBody>
+                  <a:tcPr/>
+                </a:tc>
+                <a:tc>
+                  <a:txBody>
+                    <a:bodyPr/>
+                    <a:lstStyle/>
+                    <a:p>
+                      <a:r>
+                        <a:rPr lang="en-CA" dirty="0" smtClean="0"/>
+                        <a:t>0.51</a:t>
+                      </a:r>
+                      <a:endParaRPr lang="en-CA" dirty="0"/>
+                    </a:p>
+                  </a:txBody>
+                  <a:tcPr/>
+                </a:tc>
+              </a:tr>
+              <a:tr h="370840">
+                <a:tc>
+                  <a:txBody>
+                    <a:bodyPr/>
+                    <a:lstStyle/>
+                    <a:p>
+                      <a:r>
+                        <a:rPr lang="en-CA" dirty="0" smtClean="0"/>
+                        <a:t>Schizophrenic</a:t>
+                      </a:r>
+                      <a:endParaRPr lang="en-CA" dirty="0"/>
+                    </a:p>
+                  </a:txBody>
+                  <a:tcPr/>
+                </a:tc>
+                <a:tc>
+                  <a:txBody>
+                    <a:bodyPr/>
+                    <a:lstStyle/>
+                    <a:p>
+                      <a:r>
+                        <a:rPr lang="en-CA" dirty="0" smtClean="0"/>
+                        <a:t>0.49</a:t>
+                      </a:r>
+                      <a:endParaRPr lang="en-CA" dirty="0"/>
+                    </a:p>
+                  </a:txBody>
+                  <a:tcPr/>
+                </a:tc>
+              </a:tr>
+            </a:tbl>
+          </a:graphicData>
+        </a:graphic>
+      </p:graphicFrame>
+      <p:graphicFrame>
+        <p:nvGraphicFramePr>
+          <p:cNvPr id="7" name="Table 6"/>
+          <p:cNvGraphicFramePr>
+            <a:graphicFrameLocks noGrp="1"/>
+          </p:cNvGraphicFramePr>
+          <p:nvPr>
+            <p:extLst>
+              <p:ext uri="{D42A27DB-BD31-4B8C-83A1-F6EECF244321}">
+                <p14:modId xmlns:p14="http://schemas.microsoft.com/office/powerpoint/2010/main" val="3443928565"/>
+              </p:ext>
+            </p:extLst>
+          </p:nvPr>
+        </p:nvGraphicFramePr>
+        <p:xfrm>
+          <a:off x="499982" y="4272995"/>
+          <a:ext cx="2868862" cy="1381760"/>
+        </p:xfrm>
+        <a:graphic>
+          <a:graphicData uri="http://schemas.openxmlformats.org/drawingml/2006/table">
+            <a:tbl>
+              <a:tblPr firstRow="1" bandRow="1">
+                <a:tableStyleId>{5940675A-B579-460E-94D1-54222C63F5DA}</a:tableStyleId>
+              </a:tblPr>
+              <a:tblGrid>
+                <a:gridCol w="1076157"/>
+                <a:gridCol w="938463"/>
+                <a:gridCol w="854242"/>
+              </a:tblGrid>
+              <a:tr h="343123">
+                <a:tc>
+                  <a:txBody>
+                    <a:bodyPr/>
+                    <a:lstStyle/>
+                    <a:p>
+                      <a:r>
+                        <a:rPr lang="en-CA" dirty="0" smtClean="0"/>
+                        <a:t>CPD for Test 1</a:t>
+                      </a:r>
+                      <a:endParaRPr lang="en-CA" dirty="0"/>
+                    </a:p>
+                  </a:txBody>
+                  <a:tcPr/>
+                </a:tc>
+                <a:tc>
+                  <a:txBody>
+                    <a:bodyPr/>
+                    <a:lstStyle/>
+                    <a:p>
+                      <a:r>
+                        <a:rPr lang="en-CA" dirty="0" smtClean="0"/>
+                        <a:t>Healthy</a:t>
+                      </a:r>
+                      <a:endParaRPr lang="en-CA" dirty="0"/>
+                    </a:p>
+                  </a:txBody>
+                  <a:tcPr/>
+                </a:tc>
+                <a:tc>
+                  <a:txBody>
+                    <a:bodyPr/>
+                    <a:lstStyle/>
+                    <a:p>
+                      <a:pPr marL="0" marR="0" indent="0" algn="l" defTabSz="914400" rtl="0" eaLnBrk="1" fontAlgn="auto" latinLnBrk="0" hangingPunct="1">
+                        <a:lnSpc>
+                          <a:spcPct val="100000"/>
+                        </a:lnSpc>
+                        <a:spcBef>
+                          <a:spcPts val="0"/>
+                        </a:spcBef>
+                        <a:spcAft>
+                          <a:spcPts val="0"/>
+                        </a:spcAft>
+                        <a:buClrTx/>
+                        <a:buSzTx/>
+                        <a:buFontTx/>
+                        <a:buNone/>
+                        <a:tabLst/>
+                        <a:defRPr/>
+                      </a:pPr>
+                      <a:r>
+                        <a:rPr lang="en-CA" dirty="0" err="1" smtClean="0"/>
+                        <a:t>Schizo</a:t>
+                      </a:r>
+                      <a:r>
+                        <a:rPr lang="en-CA" dirty="0" smtClean="0"/>
+                        <a:t>.</a:t>
+                      </a:r>
+                    </a:p>
+                    <a:p>
+                      <a:endParaRPr lang="en-CA" dirty="0"/>
+                    </a:p>
+                  </a:txBody>
+                  <a:tcPr/>
+                </a:tc>
+              </a:tr>
+              <a:tr h="370840">
+                <a:tc>
+                  <a:txBody>
+                    <a:bodyPr/>
+                    <a:lstStyle/>
+                    <a:p>
+                      <a:r>
+                        <a:rPr lang="en-CA" dirty="0" smtClean="0"/>
+                        <a:t>Positive</a:t>
+                      </a:r>
+                      <a:endParaRPr lang="en-CA" dirty="0"/>
+                    </a:p>
+                  </a:txBody>
+                  <a:tcPr/>
+                </a:tc>
+                <a:tc>
+                  <a:txBody>
+                    <a:bodyPr/>
+                    <a:lstStyle/>
+                    <a:p>
+                      <a:r>
+                        <a:rPr lang="en-CA" dirty="0" smtClean="0"/>
+                        <a:t>0.43</a:t>
+                      </a:r>
+                      <a:endParaRPr lang="en-CA" dirty="0"/>
+                    </a:p>
+                  </a:txBody>
+                  <a:tcPr/>
+                </a:tc>
+                <a:tc>
+                  <a:txBody>
+                    <a:bodyPr/>
+                    <a:lstStyle/>
+                    <a:p>
+                      <a:r>
+                        <a:rPr lang="en-CA" dirty="0" smtClean="0"/>
+                        <a:t>0.76</a:t>
+                      </a:r>
+                      <a:endParaRPr lang="en-CA" dirty="0"/>
+                    </a:p>
+                  </a:txBody>
+                  <a:tcPr/>
+                </a:tc>
+              </a:tr>
+              <a:tr h="370840">
+                <a:tc>
+                  <a:txBody>
+                    <a:bodyPr/>
+                    <a:lstStyle/>
+                    <a:p>
+                      <a:r>
+                        <a:rPr lang="en-CA" dirty="0" smtClean="0"/>
+                        <a:t>Negative</a:t>
+                      </a:r>
+                      <a:endParaRPr lang="en-CA" dirty="0"/>
+                    </a:p>
+                  </a:txBody>
+                  <a:tcPr/>
+                </a:tc>
+                <a:tc>
+                  <a:txBody>
+                    <a:bodyPr/>
+                    <a:lstStyle/>
+                    <a:p>
+                      <a:r>
+                        <a:rPr lang="en-CA" dirty="0" smtClean="0"/>
+                        <a:t>0.57</a:t>
+                      </a:r>
+                      <a:endParaRPr lang="en-CA" dirty="0"/>
+                    </a:p>
+                  </a:txBody>
+                  <a:tcPr/>
+                </a:tc>
+                <a:tc>
+                  <a:txBody>
+                    <a:bodyPr/>
+                    <a:lstStyle/>
+                    <a:p>
+                      <a:r>
+                        <a:rPr lang="en-CA" dirty="0" smtClean="0"/>
+                        <a:t>0.24</a:t>
+                      </a:r>
+                      <a:endParaRPr lang="en-CA" dirty="0"/>
+                    </a:p>
+                  </a:txBody>
+                  <a:tcPr/>
+                </a:tc>
+              </a:tr>
+            </a:tbl>
+          </a:graphicData>
+        </a:graphic>
+      </p:graphicFrame>
+      <p:sp>
+        <p:nvSpPr>
+          <p:cNvPr id="8" name="Oval 7"/>
+          <p:cNvSpPr/>
+          <p:nvPr/>
+        </p:nvSpPr>
+        <p:spPr>
+          <a:xfrm>
+            <a:off x="1826127" y="3292643"/>
+            <a:ext cx="1371600" cy="745958"/>
+          </a:xfrm>
+          <a:prstGeom prst="ellipse">
+            <a:avLst/>
+          </a:prstGeom>
+        </p:spPr>
+        <p:style>
+          <a:lnRef idx="2">
+            <a:schemeClr val="accent1">
+              <a:shade val="50000"/>
+            </a:schemeClr>
+          </a:lnRef>
+          <a:fillRef idx="1">
+            <a:schemeClr val="accent1"/>
+          </a:fillRef>
+          <a:effectRef idx="0">
+            <a:schemeClr val="accent1"/>
+          </a:effectRef>
+          <a:fontRef idx="minor">
+            <a:schemeClr val="lt1"/>
+          </a:fontRef>
+        </p:style>
+        <p:txBody>
+          <a:bodyPr rtlCol="0" anchor="ctr"/>
+          <a:lstStyle/>
+          <a:p>
+            <a:pPr algn="ctr"/>
+            <a:r>
+              <a:rPr lang="en-CA" dirty="0" smtClean="0">
+                <a:ln w="0"/>
+                <a:solidFill>
+                  <a:schemeClr val="tx1"/>
+                </a:solidFill>
+                <a:effectLst>
+                  <a:outerShdw blurRad="38100" dist="19050" dir="2700000" algn="tl" rotWithShape="0">
+                    <a:schemeClr val="dk1">
+                      <a:alpha val="40000"/>
+                    </a:schemeClr>
+                  </a:outerShdw>
+                </a:effectLst>
+              </a:rPr>
+              <a:t>Test 1</a:t>
+            </a:r>
+            <a:endParaRPr lang="en-CA" dirty="0"/>
+          </a:p>
+        </p:txBody>
+      </p:sp>
+      <p:sp>
+        <p:nvSpPr>
+          <p:cNvPr id="9" name="Oval 8"/>
+          <p:cNvSpPr/>
+          <p:nvPr/>
+        </p:nvSpPr>
+        <p:spPr>
+          <a:xfrm>
+            <a:off x="3886200" y="4267201"/>
+            <a:ext cx="1371600" cy="745958"/>
+          </a:xfrm>
+          <a:prstGeom prst="ellipse">
+            <a:avLst/>
+          </a:prstGeom>
+        </p:spPr>
+        <p:style>
+          <a:lnRef idx="2">
+            <a:schemeClr val="accent1">
+              <a:shade val="50000"/>
+            </a:schemeClr>
+          </a:lnRef>
+          <a:fillRef idx="1">
+            <a:schemeClr val="accent1"/>
+          </a:fillRef>
+          <a:effectRef idx="0">
+            <a:schemeClr val="accent1"/>
+          </a:effectRef>
+          <a:fontRef idx="minor">
+            <a:schemeClr val="lt1"/>
+          </a:fontRef>
+        </p:style>
+        <p:txBody>
+          <a:bodyPr rtlCol="0" anchor="ctr"/>
+          <a:lstStyle/>
+          <a:p>
+            <a:pPr algn="ctr"/>
+            <a:r>
+              <a:rPr lang="en-CA" dirty="0" smtClean="0">
+                <a:ln w="0"/>
+                <a:solidFill>
+                  <a:schemeClr val="tx1"/>
+                </a:solidFill>
+                <a:effectLst>
+                  <a:outerShdw blurRad="38100" dist="19050" dir="2700000" algn="tl" rotWithShape="0">
+                    <a:schemeClr val="dk1">
+                      <a:alpha val="40000"/>
+                    </a:schemeClr>
+                  </a:outerShdw>
+                </a:effectLst>
+              </a:rPr>
+              <a:t>Test 2</a:t>
+            </a:r>
+            <a:endParaRPr lang="en-CA" dirty="0"/>
+          </a:p>
+        </p:txBody>
+      </p:sp>
+      <p:sp>
+        <p:nvSpPr>
+          <p:cNvPr id="10" name="Oval 9"/>
+          <p:cNvSpPr/>
+          <p:nvPr/>
+        </p:nvSpPr>
+        <p:spPr>
+          <a:xfrm>
+            <a:off x="5761790" y="4267201"/>
+            <a:ext cx="1371600" cy="745958"/>
+          </a:xfrm>
+          <a:prstGeom prst="ellipse">
+            <a:avLst/>
+          </a:prstGeom>
+        </p:spPr>
+        <p:style>
+          <a:lnRef idx="2">
+            <a:schemeClr val="accent1">
+              <a:shade val="50000"/>
+            </a:schemeClr>
+          </a:lnRef>
+          <a:fillRef idx="1">
+            <a:schemeClr val="accent1"/>
+          </a:fillRef>
+          <a:effectRef idx="0">
+            <a:schemeClr val="accent1"/>
+          </a:effectRef>
+          <a:fontRef idx="minor">
+            <a:schemeClr val="lt1"/>
+          </a:fontRef>
+        </p:style>
+        <p:txBody>
+          <a:bodyPr rtlCol="0" anchor="ctr"/>
+          <a:lstStyle/>
+          <a:p>
+            <a:pPr algn="ctr"/>
+            <a:r>
+              <a:rPr lang="en-CA" dirty="0" smtClean="0">
+                <a:ln w="0"/>
+                <a:solidFill>
+                  <a:schemeClr val="tx1"/>
+                </a:solidFill>
+                <a:effectLst>
+                  <a:outerShdw blurRad="38100" dist="19050" dir="2700000" algn="tl" rotWithShape="0">
+                    <a:schemeClr val="dk1">
+                      <a:alpha val="40000"/>
+                    </a:schemeClr>
+                  </a:outerShdw>
+                </a:effectLst>
+              </a:rPr>
+              <a:t>Test 3</a:t>
+            </a:r>
+            <a:endParaRPr lang="en-CA" dirty="0"/>
+          </a:p>
+        </p:txBody>
+      </p:sp>
+      <p:sp>
+        <p:nvSpPr>
+          <p:cNvPr id="11" name="Oval 10"/>
+          <p:cNvSpPr/>
+          <p:nvPr/>
+        </p:nvSpPr>
+        <p:spPr>
+          <a:xfrm>
+            <a:off x="7323220" y="3665622"/>
+            <a:ext cx="1371600" cy="745958"/>
+          </a:xfrm>
+          <a:prstGeom prst="ellipse">
+            <a:avLst/>
+          </a:prstGeom>
+        </p:spPr>
+        <p:style>
+          <a:lnRef idx="2">
+            <a:schemeClr val="accent1">
+              <a:shade val="50000"/>
+            </a:schemeClr>
+          </a:lnRef>
+          <a:fillRef idx="1">
+            <a:schemeClr val="accent1"/>
+          </a:fillRef>
+          <a:effectRef idx="0">
+            <a:schemeClr val="accent1"/>
+          </a:effectRef>
+          <a:fontRef idx="minor">
+            <a:schemeClr val="lt1"/>
+          </a:fontRef>
+        </p:style>
+        <p:txBody>
+          <a:bodyPr rtlCol="0" anchor="ctr"/>
+          <a:lstStyle/>
+          <a:p>
+            <a:pPr algn="ctr"/>
+            <a:r>
+              <a:rPr lang="en-CA" dirty="0" smtClean="0">
+                <a:ln w="0"/>
+                <a:solidFill>
+                  <a:schemeClr val="tx1"/>
+                </a:solidFill>
+                <a:effectLst>
+                  <a:outerShdw blurRad="38100" dist="19050" dir="2700000" algn="tl" rotWithShape="0">
+                    <a:schemeClr val="dk1">
+                      <a:alpha val="40000"/>
+                    </a:schemeClr>
+                  </a:outerShdw>
+                </a:effectLst>
+              </a:rPr>
+              <a:t>Test 4</a:t>
+            </a:r>
+            <a:endParaRPr lang="en-CA" dirty="0"/>
+          </a:p>
+        </p:txBody>
+      </p:sp>
+      <p:cxnSp>
+        <p:nvCxnSpPr>
+          <p:cNvPr id="13" name="Straight Arrow Connector 12"/>
+          <p:cNvCxnSpPr>
+            <a:endCxn id="8" idx="7"/>
+          </p:cNvCxnSpPr>
+          <p:nvPr/>
+        </p:nvCxnSpPr>
+        <p:spPr>
+          <a:xfrm flipH="1">
+            <a:off x="2996861" y="2683042"/>
+            <a:ext cx="1393329" cy="718844"/>
+          </a:xfrm>
+          <a:prstGeom prst="straightConnector1">
+            <a:avLst/>
+          </a:prstGeom>
+          <a:ln w="25400">
+            <a:solidFill>
+              <a:schemeClr val="tx1"/>
+            </a:solidFill>
+            <a:tailEnd type="triangle"/>
+          </a:ln>
+        </p:spPr>
+        <p:style>
+          <a:lnRef idx="1">
+            <a:schemeClr val="accent1"/>
+          </a:lnRef>
+          <a:fillRef idx="0">
+            <a:schemeClr val="accent1"/>
+          </a:fillRef>
+          <a:effectRef idx="0">
+            <a:schemeClr val="accent1"/>
+          </a:effectRef>
+          <a:fontRef idx="minor">
+            <a:schemeClr val="tx1"/>
+          </a:fontRef>
+        </p:style>
+      </p:cxnSp>
+      <p:cxnSp>
+        <p:nvCxnSpPr>
+          <p:cNvPr id="14" name="Straight Arrow Connector 13"/>
+          <p:cNvCxnSpPr>
+            <a:endCxn id="9" idx="0"/>
+          </p:cNvCxnSpPr>
+          <p:nvPr/>
+        </p:nvCxnSpPr>
+        <p:spPr>
+          <a:xfrm flipH="1">
+            <a:off x="4572000" y="2939376"/>
+            <a:ext cx="335546" cy="1327825"/>
+          </a:xfrm>
+          <a:prstGeom prst="straightConnector1">
+            <a:avLst/>
+          </a:prstGeom>
+          <a:ln w="25400">
+            <a:solidFill>
+              <a:schemeClr val="tx1"/>
+            </a:solidFill>
+            <a:tailEnd type="triangle"/>
+          </a:ln>
+        </p:spPr>
+        <p:style>
+          <a:lnRef idx="1">
+            <a:schemeClr val="accent1"/>
+          </a:lnRef>
+          <a:fillRef idx="0">
+            <a:schemeClr val="accent1"/>
+          </a:fillRef>
+          <a:effectRef idx="0">
+            <a:schemeClr val="accent1"/>
+          </a:effectRef>
+          <a:fontRef idx="minor">
+            <a:schemeClr val="tx1"/>
+          </a:fontRef>
+        </p:style>
+      </p:cxnSp>
+      <p:cxnSp>
+        <p:nvCxnSpPr>
+          <p:cNvPr id="18" name="Straight Arrow Connector 17"/>
+          <p:cNvCxnSpPr/>
+          <p:nvPr/>
+        </p:nvCxnSpPr>
+        <p:spPr>
+          <a:xfrm>
+            <a:off x="5434264" y="2902759"/>
+            <a:ext cx="847555" cy="1401059"/>
+          </a:xfrm>
+          <a:prstGeom prst="straightConnector1">
+            <a:avLst/>
+          </a:prstGeom>
+          <a:ln w="25400">
+            <a:solidFill>
+              <a:schemeClr val="tx1"/>
+            </a:solidFill>
+            <a:tailEnd type="triangle"/>
+          </a:ln>
+        </p:spPr>
+        <p:style>
+          <a:lnRef idx="1">
+            <a:schemeClr val="accent1"/>
+          </a:lnRef>
+          <a:fillRef idx="0">
+            <a:schemeClr val="accent1"/>
+          </a:fillRef>
+          <a:effectRef idx="0">
+            <a:schemeClr val="accent1"/>
+          </a:effectRef>
+          <a:fontRef idx="minor">
+            <a:schemeClr val="tx1"/>
+          </a:fontRef>
+        </p:style>
+      </p:cxnSp>
+      <p:cxnSp>
+        <p:nvCxnSpPr>
+          <p:cNvPr id="21" name="Straight Arrow Connector 20"/>
+          <p:cNvCxnSpPr>
+            <a:endCxn id="11" idx="1"/>
+          </p:cNvCxnSpPr>
+          <p:nvPr/>
+        </p:nvCxnSpPr>
+        <p:spPr>
+          <a:xfrm>
+            <a:off x="5748923" y="2683042"/>
+            <a:ext cx="1775163" cy="1091823"/>
+          </a:xfrm>
+          <a:prstGeom prst="straightConnector1">
+            <a:avLst/>
+          </a:prstGeom>
+          <a:ln w="25400">
+            <a:solidFill>
+              <a:schemeClr val="tx1"/>
+            </a:solidFill>
+            <a:tailEnd type="triangle"/>
+          </a:ln>
+        </p:spPr>
+        <p:style>
+          <a:lnRef idx="1">
+            <a:schemeClr val="accent1"/>
+          </a:lnRef>
+          <a:fillRef idx="0">
+            <a:schemeClr val="accent1"/>
+          </a:fillRef>
+          <a:effectRef idx="0">
+            <a:schemeClr val="accent1"/>
+          </a:effectRef>
+          <a:fontRef idx="minor">
+            <a:schemeClr val="tx1"/>
+          </a:fontRef>
+        </p:style>
+      </p:cxnSp>
+    </p:spTree>
+    <p:extLst>
+      <p:ext uri="{BB962C8B-B14F-4D97-AF65-F5344CB8AC3E}">
+        <p14:creationId xmlns:p14="http://schemas.microsoft.com/office/powerpoint/2010/main" val="659883257"/>
       </p:ext>
     </p:extLst>
   </p:cSld>

--- a/FinalPresentation Figures.pptx
+++ b/FinalPresentation Figures.pptx
@@ -14,6 +14,7 @@
     <p:sldId id="263" r:id="rId8"/>
     <p:sldId id="264" r:id="rId9"/>
     <p:sldId id="261" r:id="rId10"/>
+    <p:sldId id="265" r:id="rId11"/>
   </p:sldIdLst>
   <p:sldSz cx="12192000" cy="6858000"/>
   <p:notesSz cx="6858000" cy="9144000"/>
@@ -112,6 +113,11 @@
       </a:defRPr>
     </a:lvl9pPr>
   </p:defaultTextStyle>
+  <p:extLst>
+    <p:ext uri="{EFAFB233-063F-42B5-8137-9DF3F51BA10A}">
+      <p15:sldGuideLst xmlns:p15="http://schemas.microsoft.com/office/powerpoint/2012/main"/>
+    </p:ext>
+  </p:extLst>
 </p:presentation>
 </file>
 
@@ -3882,6 +3888,13 @@
         </dgm:presLayoutVars>
       </dgm:prSet>
       <dgm:spPr/>
+      <dgm:t>
+        <a:bodyPr/>
+        <a:lstStyle/>
+        <a:p>
+          <a:endParaRPr lang="en-CA"/>
+        </a:p>
+      </dgm:t>
     </dgm:pt>
     <dgm:pt modelId="{CBCD6D51-37EE-4B38-BDF4-C75EE994D388}" type="pres">
       <dgm:prSet presAssocID="{05E7DB2A-E6C8-4114-8FFA-04855490410A}" presName="compNode" presStyleCnt="0"/>
@@ -3890,10 +3903,24 @@
     <dgm:pt modelId="{A44B46A9-0851-4166-8034-FADFD9E46399}" type="pres">
       <dgm:prSet presAssocID="{05E7DB2A-E6C8-4114-8FFA-04855490410A}" presName="aNode" presStyleLbl="bgShp" presStyleIdx="0" presStyleCnt="6"/>
       <dgm:spPr/>
+      <dgm:t>
+        <a:bodyPr/>
+        <a:lstStyle/>
+        <a:p>
+          <a:endParaRPr lang="en-CA"/>
+        </a:p>
+      </dgm:t>
     </dgm:pt>
     <dgm:pt modelId="{050E1B47-69E3-4E2B-BB99-B5C918A95470}" type="pres">
       <dgm:prSet presAssocID="{05E7DB2A-E6C8-4114-8FFA-04855490410A}" presName="textNode" presStyleLbl="bgShp" presStyleIdx="0" presStyleCnt="6"/>
       <dgm:spPr/>
+      <dgm:t>
+        <a:bodyPr/>
+        <a:lstStyle/>
+        <a:p>
+          <a:endParaRPr lang="en-CA"/>
+        </a:p>
+      </dgm:t>
     </dgm:pt>
     <dgm:pt modelId="{56BAB8CD-CA15-4899-872E-A4E24254DDA5}" type="pres">
       <dgm:prSet presAssocID="{05E7DB2A-E6C8-4114-8FFA-04855490410A}" presName="compChildNode" presStyleCnt="0"/>
@@ -3929,6 +3956,13 @@
         </dgm:presLayoutVars>
       </dgm:prSet>
       <dgm:spPr/>
+      <dgm:t>
+        <a:bodyPr/>
+        <a:lstStyle/>
+        <a:p>
+          <a:endParaRPr lang="en-CA"/>
+        </a:p>
+      </dgm:t>
     </dgm:pt>
     <dgm:pt modelId="{5576610A-E533-4E5E-ABDD-F646119D59ED}" type="pres">
       <dgm:prSet presAssocID="{05E7DB2A-E6C8-4114-8FFA-04855490410A}" presName="aSpace" presStyleCnt="0"/>
@@ -3941,10 +3975,24 @@
     <dgm:pt modelId="{37A453EF-2874-4A71-BDA8-717AE2CE7997}" type="pres">
       <dgm:prSet presAssocID="{08832E7C-5ABA-4183-86F2-72AE48F3B382}" presName="aNode" presStyleLbl="bgShp" presStyleIdx="1" presStyleCnt="6"/>
       <dgm:spPr/>
+      <dgm:t>
+        <a:bodyPr/>
+        <a:lstStyle/>
+        <a:p>
+          <a:endParaRPr lang="en-CA"/>
+        </a:p>
+      </dgm:t>
     </dgm:pt>
     <dgm:pt modelId="{390861EC-CEC3-480E-BE99-32E1289E9987}" type="pres">
       <dgm:prSet presAssocID="{08832E7C-5ABA-4183-86F2-72AE48F3B382}" presName="textNode" presStyleLbl="bgShp" presStyleIdx="1" presStyleCnt="6"/>
       <dgm:spPr/>
+      <dgm:t>
+        <a:bodyPr/>
+        <a:lstStyle/>
+        <a:p>
+          <a:endParaRPr lang="en-CA"/>
+        </a:p>
+      </dgm:t>
     </dgm:pt>
     <dgm:pt modelId="{2BC26B64-82F1-45A2-B3A9-3178FFB99DE9}" type="pres">
       <dgm:prSet presAssocID="{08832E7C-5ABA-4183-86F2-72AE48F3B382}" presName="compChildNode" presStyleCnt="0"/>
@@ -3961,6 +4009,13 @@
         </dgm:presLayoutVars>
       </dgm:prSet>
       <dgm:spPr/>
+      <dgm:t>
+        <a:bodyPr/>
+        <a:lstStyle/>
+        <a:p>
+          <a:endParaRPr lang="en-CA"/>
+        </a:p>
+      </dgm:t>
     </dgm:pt>
     <dgm:pt modelId="{63BCEC58-4789-49FD-93A5-C05857A9C215}" type="pres">
       <dgm:prSet presAssocID="{57112624-F58F-4C7A-8C19-2911280FD5FD}" presName="aSpace2" presStyleCnt="0"/>
@@ -3973,6 +4028,13 @@
         </dgm:presLayoutVars>
       </dgm:prSet>
       <dgm:spPr/>
+      <dgm:t>
+        <a:bodyPr/>
+        <a:lstStyle/>
+        <a:p>
+          <a:endParaRPr lang="en-CA"/>
+        </a:p>
+      </dgm:t>
     </dgm:pt>
     <dgm:pt modelId="{ACF6D058-4648-46E6-BA8B-57D06B73E95D}" type="pres">
       <dgm:prSet presAssocID="{08832E7C-5ABA-4183-86F2-72AE48F3B382}" presName="aSpace" presStyleCnt="0"/>
@@ -3985,10 +4047,24 @@
     <dgm:pt modelId="{B61A5446-38F3-4A05-84A5-B2746653B512}" type="pres">
       <dgm:prSet presAssocID="{6CE257FD-9E83-4046-B00B-3656E91E20E6}" presName="aNode" presStyleLbl="bgShp" presStyleIdx="2" presStyleCnt="6" custLinFactNeighborX="2505" custLinFactNeighborY="3279"/>
       <dgm:spPr/>
+      <dgm:t>
+        <a:bodyPr/>
+        <a:lstStyle/>
+        <a:p>
+          <a:endParaRPr lang="en-CA"/>
+        </a:p>
+      </dgm:t>
     </dgm:pt>
     <dgm:pt modelId="{4967473C-7CEE-4AA1-A4E5-6CA5D72260D0}" type="pres">
       <dgm:prSet presAssocID="{6CE257FD-9E83-4046-B00B-3656E91E20E6}" presName="textNode" presStyleLbl="bgShp" presStyleIdx="2" presStyleCnt="6"/>
       <dgm:spPr/>
+      <dgm:t>
+        <a:bodyPr/>
+        <a:lstStyle/>
+        <a:p>
+          <a:endParaRPr lang="en-CA"/>
+        </a:p>
+      </dgm:t>
     </dgm:pt>
     <dgm:pt modelId="{C251AC88-DB8F-499C-98EE-285E241CAB51}" type="pres">
       <dgm:prSet presAssocID="{6CE257FD-9E83-4046-B00B-3656E91E20E6}" presName="compChildNode" presStyleCnt="0"/>
@@ -4005,6 +4081,13 @@
         </dgm:presLayoutVars>
       </dgm:prSet>
       <dgm:spPr/>
+      <dgm:t>
+        <a:bodyPr/>
+        <a:lstStyle/>
+        <a:p>
+          <a:endParaRPr lang="en-CA"/>
+        </a:p>
+      </dgm:t>
     </dgm:pt>
     <dgm:pt modelId="{9F281354-EEB8-41E4-A5B4-D9553A59BFA1}" type="pres">
       <dgm:prSet presAssocID="{CF7D28A0-42F2-466A-8DED-88A7B031EEE1}" presName="aSpace2" presStyleCnt="0"/>
@@ -4036,10 +4119,24 @@
     <dgm:pt modelId="{330AA943-4647-49DF-BDFC-912CADC44F67}" type="pres">
       <dgm:prSet presAssocID="{56730352-40E0-4C5A-A6CA-55B8063463C7}" presName="aNode" presStyleLbl="bgShp" presStyleIdx="3" presStyleCnt="6"/>
       <dgm:spPr/>
+      <dgm:t>
+        <a:bodyPr/>
+        <a:lstStyle/>
+        <a:p>
+          <a:endParaRPr lang="en-CA"/>
+        </a:p>
+      </dgm:t>
     </dgm:pt>
     <dgm:pt modelId="{93EFD7CD-C42F-4B66-AD05-1E9B4565D43B}" type="pres">
       <dgm:prSet presAssocID="{56730352-40E0-4C5A-A6CA-55B8063463C7}" presName="textNode" presStyleLbl="bgShp" presStyleIdx="3" presStyleCnt="6"/>
       <dgm:spPr/>
+      <dgm:t>
+        <a:bodyPr/>
+        <a:lstStyle/>
+        <a:p>
+          <a:endParaRPr lang="en-CA"/>
+        </a:p>
+      </dgm:t>
     </dgm:pt>
     <dgm:pt modelId="{7759B9E2-7E83-4B0E-BAB2-F6DD39C96B6C}" type="pres">
       <dgm:prSet presAssocID="{56730352-40E0-4C5A-A6CA-55B8063463C7}" presName="compChildNode" presStyleCnt="0"/>
@@ -4075,6 +4172,13 @@
         </dgm:presLayoutVars>
       </dgm:prSet>
       <dgm:spPr/>
+      <dgm:t>
+        <a:bodyPr/>
+        <a:lstStyle/>
+        <a:p>
+          <a:endParaRPr lang="en-CA"/>
+        </a:p>
+      </dgm:t>
     </dgm:pt>
     <dgm:pt modelId="{B5700141-66AF-48F9-93BB-2DC798259C9D}" type="pres">
       <dgm:prSet presAssocID="{56730352-40E0-4C5A-A6CA-55B8063463C7}" presName="aSpace" presStyleCnt="0"/>
@@ -4087,10 +4191,24 @@
     <dgm:pt modelId="{4058B0A6-4CFB-4982-937C-4DC55E837780}" type="pres">
       <dgm:prSet presAssocID="{86737D04-C7CC-4CC5-8C6B-C6F7DE06154F}" presName="aNode" presStyleLbl="bgShp" presStyleIdx="4" presStyleCnt="6"/>
       <dgm:spPr/>
+      <dgm:t>
+        <a:bodyPr/>
+        <a:lstStyle/>
+        <a:p>
+          <a:endParaRPr lang="en-CA"/>
+        </a:p>
+      </dgm:t>
     </dgm:pt>
     <dgm:pt modelId="{FABC4C5F-A007-46D6-B043-AC8FBB6B6F36}" type="pres">
       <dgm:prSet presAssocID="{86737D04-C7CC-4CC5-8C6B-C6F7DE06154F}" presName="textNode" presStyleLbl="bgShp" presStyleIdx="4" presStyleCnt="6"/>
       <dgm:spPr/>
+      <dgm:t>
+        <a:bodyPr/>
+        <a:lstStyle/>
+        <a:p>
+          <a:endParaRPr lang="en-CA"/>
+        </a:p>
+      </dgm:t>
     </dgm:pt>
     <dgm:pt modelId="{077AECE4-9B32-4AB6-875F-D09BC6C98DC4}" type="pres">
       <dgm:prSet presAssocID="{86737D04-C7CC-4CC5-8C6B-C6F7DE06154F}" presName="compChildNode" presStyleCnt="0"/>
@@ -4107,6 +4225,13 @@
         </dgm:presLayoutVars>
       </dgm:prSet>
       <dgm:spPr/>
+      <dgm:t>
+        <a:bodyPr/>
+        <a:lstStyle/>
+        <a:p>
+          <a:endParaRPr lang="en-CA"/>
+        </a:p>
+      </dgm:t>
     </dgm:pt>
     <dgm:pt modelId="{5D9BC563-C41F-4AE8-8284-64DDD9A5C878}" type="pres">
       <dgm:prSet presAssocID="{CB857B91-BFF0-436F-89C9-79B7D0BE12D0}" presName="aSpace2" presStyleCnt="0"/>
@@ -4138,10 +4263,24 @@
     <dgm:pt modelId="{8A8ED677-1C01-4F72-AE69-5A4EB6608260}" type="pres">
       <dgm:prSet presAssocID="{38B91A35-D51D-4898-BFFF-AEABDF453015}" presName="aNode" presStyleLbl="bgShp" presStyleIdx="5" presStyleCnt="6"/>
       <dgm:spPr/>
+      <dgm:t>
+        <a:bodyPr/>
+        <a:lstStyle/>
+        <a:p>
+          <a:endParaRPr lang="en-CA"/>
+        </a:p>
+      </dgm:t>
     </dgm:pt>
     <dgm:pt modelId="{1AA1736C-88D9-40F3-91EB-F5432382B75E}" type="pres">
       <dgm:prSet presAssocID="{38B91A35-D51D-4898-BFFF-AEABDF453015}" presName="textNode" presStyleLbl="bgShp" presStyleIdx="5" presStyleCnt="6"/>
       <dgm:spPr/>
+      <dgm:t>
+        <a:bodyPr/>
+        <a:lstStyle/>
+        <a:p>
+          <a:endParaRPr lang="en-CA"/>
+        </a:p>
+      </dgm:t>
     </dgm:pt>
     <dgm:pt modelId="{D3D02F07-2CC2-4BAB-A30B-B3F58BC3BF27}" type="pres">
       <dgm:prSet presAssocID="{38B91A35-D51D-4898-BFFF-AEABDF453015}" presName="compChildNode" presStyleCnt="0"/>
@@ -5061,6 +5200,13 @@
         </dgm:presLayoutVars>
       </dgm:prSet>
       <dgm:spPr/>
+      <dgm:t>
+        <a:bodyPr/>
+        <a:lstStyle/>
+        <a:p>
+          <a:endParaRPr lang="en-CA"/>
+        </a:p>
+      </dgm:t>
     </dgm:pt>
     <dgm:pt modelId="{CBCD6D51-37EE-4B38-BDF4-C75EE994D388}" type="pres">
       <dgm:prSet presAssocID="{05E7DB2A-E6C8-4114-8FFA-04855490410A}" presName="compNode" presStyleCnt="0"/>
@@ -5069,10 +5215,24 @@
     <dgm:pt modelId="{A44B46A9-0851-4166-8034-FADFD9E46399}" type="pres">
       <dgm:prSet presAssocID="{05E7DB2A-E6C8-4114-8FFA-04855490410A}" presName="aNode" presStyleLbl="bgShp" presStyleIdx="0" presStyleCnt="6" custLinFactNeighborX="-253" custLinFactNeighborY="-1600"/>
       <dgm:spPr/>
+      <dgm:t>
+        <a:bodyPr/>
+        <a:lstStyle/>
+        <a:p>
+          <a:endParaRPr lang="en-CA"/>
+        </a:p>
+      </dgm:t>
     </dgm:pt>
     <dgm:pt modelId="{050E1B47-69E3-4E2B-BB99-B5C918A95470}" type="pres">
       <dgm:prSet presAssocID="{05E7DB2A-E6C8-4114-8FFA-04855490410A}" presName="textNode" presStyleLbl="bgShp" presStyleIdx="0" presStyleCnt="6"/>
       <dgm:spPr/>
+      <dgm:t>
+        <a:bodyPr/>
+        <a:lstStyle/>
+        <a:p>
+          <a:endParaRPr lang="en-CA"/>
+        </a:p>
+      </dgm:t>
     </dgm:pt>
     <dgm:pt modelId="{56BAB8CD-CA15-4899-872E-A4E24254DDA5}" type="pres">
       <dgm:prSet presAssocID="{05E7DB2A-E6C8-4114-8FFA-04855490410A}" presName="compChildNode" presStyleCnt="0"/>
@@ -5127,10 +5287,24 @@
     <dgm:pt modelId="{37A453EF-2874-4A71-BDA8-717AE2CE7997}" type="pres">
       <dgm:prSet presAssocID="{08832E7C-5ABA-4183-86F2-72AE48F3B382}" presName="aNode" presStyleLbl="bgShp" presStyleIdx="1" presStyleCnt="6"/>
       <dgm:spPr/>
+      <dgm:t>
+        <a:bodyPr/>
+        <a:lstStyle/>
+        <a:p>
+          <a:endParaRPr lang="en-CA"/>
+        </a:p>
+      </dgm:t>
     </dgm:pt>
     <dgm:pt modelId="{390861EC-CEC3-480E-BE99-32E1289E9987}" type="pres">
       <dgm:prSet presAssocID="{08832E7C-5ABA-4183-86F2-72AE48F3B382}" presName="textNode" presStyleLbl="bgShp" presStyleIdx="1" presStyleCnt="6"/>
       <dgm:spPr/>
+      <dgm:t>
+        <a:bodyPr/>
+        <a:lstStyle/>
+        <a:p>
+          <a:endParaRPr lang="en-CA"/>
+        </a:p>
+      </dgm:t>
     </dgm:pt>
     <dgm:pt modelId="{2BC26B64-82F1-45A2-B3A9-3178FFB99DE9}" type="pres">
       <dgm:prSet presAssocID="{08832E7C-5ABA-4183-86F2-72AE48F3B382}" presName="compChildNode" presStyleCnt="0"/>
@@ -5147,6 +5321,13 @@
         </dgm:presLayoutVars>
       </dgm:prSet>
       <dgm:spPr/>
+      <dgm:t>
+        <a:bodyPr/>
+        <a:lstStyle/>
+        <a:p>
+          <a:endParaRPr lang="en-CA"/>
+        </a:p>
+      </dgm:t>
     </dgm:pt>
     <dgm:pt modelId="{63BCEC58-4789-49FD-93A5-C05857A9C215}" type="pres">
       <dgm:prSet presAssocID="{57112624-F58F-4C7A-8C19-2911280FD5FD}" presName="aSpace2" presStyleCnt="0"/>
@@ -5159,6 +5340,13 @@
         </dgm:presLayoutVars>
       </dgm:prSet>
       <dgm:spPr/>
+      <dgm:t>
+        <a:bodyPr/>
+        <a:lstStyle/>
+        <a:p>
+          <a:endParaRPr lang="en-CA"/>
+        </a:p>
+      </dgm:t>
     </dgm:pt>
     <dgm:pt modelId="{ACF6D058-4648-46E6-BA8B-57D06B73E95D}" type="pres">
       <dgm:prSet presAssocID="{08832E7C-5ABA-4183-86F2-72AE48F3B382}" presName="aSpace" presStyleCnt="0"/>
@@ -5171,10 +5359,24 @@
     <dgm:pt modelId="{B61A5446-38F3-4A05-84A5-B2746653B512}" type="pres">
       <dgm:prSet presAssocID="{6CE257FD-9E83-4046-B00B-3656E91E20E6}" presName="aNode" presStyleLbl="bgShp" presStyleIdx="2" presStyleCnt="6" custLinFactNeighborX="2505" custLinFactNeighborY="3279"/>
       <dgm:spPr/>
+      <dgm:t>
+        <a:bodyPr/>
+        <a:lstStyle/>
+        <a:p>
+          <a:endParaRPr lang="en-CA"/>
+        </a:p>
+      </dgm:t>
     </dgm:pt>
     <dgm:pt modelId="{4967473C-7CEE-4AA1-A4E5-6CA5D72260D0}" type="pres">
       <dgm:prSet presAssocID="{6CE257FD-9E83-4046-B00B-3656E91E20E6}" presName="textNode" presStyleLbl="bgShp" presStyleIdx="2" presStyleCnt="6"/>
       <dgm:spPr/>
+      <dgm:t>
+        <a:bodyPr/>
+        <a:lstStyle/>
+        <a:p>
+          <a:endParaRPr lang="en-CA"/>
+        </a:p>
+      </dgm:t>
     </dgm:pt>
     <dgm:pt modelId="{C251AC88-DB8F-499C-98EE-285E241CAB51}" type="pres">
       <dgm:prSet presAssocID="{6CE257FD-9E83-4046-B00B-3656E91E20E6}" presName="compChildNode" presStyleCnt="0"/>
@@ -5191,6 +5393,13 @@
         </dgm:presLayoutVars>
       </dgm:prSet>
       <dgm:spPr/>
+      <dgm:t>
+        <a:bodyPr/>
+        <a:lstStyle/>
+        <a:p>
+          <a:endParaRPr lang="en-CA"/>
+        </a:p>
+      </dgm:t>
     </dgm:pt>
     <dgm:pt modelId="{9F281354-EEB8-41E4-A5B4-D9553A59BFA1}" type="pres">
       <dgm:prSet presAssocID="{CF7D28A0-42F2-466A-8DED-88A7B031EEE1}" presName="aSpace2" presStyleCnt="0"/>
@@ -5222,10 +5431,24 @@
     <dgm:pt modelId="{330AA943-4647-49DF-BDFC-912CADC44F67}" type="pres">
       <dgm:prSet presAssocID="{56730352-40E0-4C5A-A6CA-55B8063463C7}" presName="aNode" presStyleLbl="bgShp" presStyleIdx="3" presStyleCnt="6"/>
       <dgm:spPr/>
+      <dgm:t>
+        <a:bodyPr/>
+        <a:lstStyle/>
+        <a:p>
+          <a:endParaRPr lang="en-CA"/>
+        </a:p>
+      </dgm:t>
     </dgm:pt>
     <dgm:pt modelId="{93EFD7CD-C42F-4B66-AD05-1E9B4565D43B}" type="pres">
       <dgm:prSet presAssocID="{56730352-40E0-4C5A-A6CA-55B8063463C7}" presName="textNode" presStyleLbl="bgShp" presStyleIdx="3" presStyleCnt="6"/>
       <dgm:spPr/>
+      <dgm:t>
+        <a:bodyPr/>
+        <a:lstStyle/>
+        <a:p>
+          <a:endParaRPr lang="en-CA"/>
+        </a:p>
+      </dgm:t>
     </dgm:pt>
     <dgm:pt modelId="{7759B9E2-7E83-4B0E-BAB2-F6DD39C96B6C}" type="pres">
       <dgm:prSet presAssocID="{56730352-40E0-4C5A-A6CA-55B8063463C7}" presName="compChildNode" presStyleCnt="0"/>
@@ -5261,6 +5484,13 @@
         </dgm:presLayoutVars>
       </dgm:prSet>
       <dgm:spPr/>
+      <dgm:t>
+        <a:bodyPr/>
+        <a:lstStyle/>
+        <a:p>
+          <a:endParaRPr lang="en-CA"/>
+        </a:p>
+      </dgm:t>
     </dgm:pt>
     <dgm:pt modelId="{B5700141-66AF-48F9-93BB-2DC798259C9D}" type="pres">
       <dgm:prSet presAssocID="{56730352-40E0-4C5A-A6CA-55B8063463C7}" presName="aSpace" presStyleCnt="0"/>
@@ -5273,10 +5503,24 @@
     <dgm:pt modelId="{4058B0A6-4CFB-4982-937C-4DC55E837780}" type="pres">
       <dgm:prSet presAssocID="{86737D04-C7CC-4CC5-8C6B-C6F7DE06154F}" presName="aNode" presStyleLbl="bgShp" presStyleIdx="4" presStyleCnt="6"/>
       <dgm:spPr/>
+      <dgm:t>
+        <a:bodyPr/>
+        <a:lstStyle/>
+        <a:p>
+          <a:endParaRPr lang="en-CA"/>
+        </a:p>
+      </dgm:t>
     </dgm:pt>
     <dgm:pt modelId="{FABC4C5F-A007-46D6-B043-AC8FBB6B6F36}" type="pres">
       <dgm:prSet presAssocID="{86737D04-C7CC-4CC5-8C6B-C6F7DE06154F}" presName="textNode" presStyleLbl="bgShp" presStyleIdx="4" presStyleCnt="6"/>
       <dgm:spPr/>
+      <dgm:t>
+        <a:bodyPr/>
+        <a:lstStyle/>
+        <a:p>
+          <a:endParaRPr lang="en-CA"/>
+        </a:p>
+      </dgm:t>
     </dgm:pt>
     <dgm:pt modelId="{077AECE4-9B32-4AB6-875F-D09BC6C98DC4}" type="pres">
       <dgm:prSet presAssocID="{86737D04-C7CC-4CC5-8C6B-C6F7DE06154F}" presName="compChildNode" presStyleCnt="0"/>
@@ -5331,10 +5575,24 @@
     <dgm:pt modelId="{8A8ED677-1C01-4F72-AE69-5A4EB6608260}" type="pres">
       <dgm:prSet presAssocID="{38B91A35-D51D-4898-BFFF-AEABDF453015}" presName="aNode" presStyleLbl="bgShp" presStyleIdx="5" presStyleCnt="6"/>
       <dgm:spPr/>
+      <dgm:t>
+        <a:bodyPr/>
+        <a:lstStyle/>
+        <a:p>
+          <a:endParaRPr lang="en-CA"/>
+        </a:p>
+      </dgm:t>
     </dgm:pt>
     <dgm:pt modelId="{1AA1736C-88D9-40F3-91EB-F5432382B75E}" type="pres">
       <dgm:prSet presAssocID="{38B91A35-D51D-4898-BFFF-AEABDF453015}" presName="textNode" presStyleLbl="bgShp" presStyleIdx="5" presStyleCnt="6"/>
       <dgm:spPr/>
+      <dgm:t>
+        <a:bodyPr/>
+        <a:lstStyle/>
+        <a:p>
+          <a:endParaRPr lang="en-CA"/>
+        </a:p>
+      </dgm:t>
     </dgm:pt>
     <dgm:pt modelId="{D3D02F07-2CC2-4BAB-A30B-B3F58BC3BF27}" type="pres">
       <dgm:prSet presAssocID="{38B91A35-D51D-4898-BFFF-AEABDF453015}" presName="compChildNode" presStyleCnt="0"/>
@@ -5380,49 +5638,49 @@
     </dgm:pt>
   </dgm:ptLst>
   <dgm:cxnLst>
-    <dgm:cxn modelId="{428A5109-6813-44A9-8136-03BA7D319D45}" srcId="{3B296934-5C21-4017-9964-B817F9412222}" destId="{86737D04-C7CC-4CC5-8C6B-C6F7DE06154F}" srcOrd="4" destOrd="0" parTransId="{9F32510C-9441-4E7C-912D-7683F7A418AD}" sibTransId="{B988E580-8C58-428B-8F42-1559768559D5}"/>
-    <dgm:cxn modelId="{8763B21E-17AB-44F5-BE2B-FA9F17FE9D6D}" srcId="{86737D04-C7CC-4CC5-8C6B-C6F7DE06154F}" destId="{CA324B4F-0303-4400-B62C-80D0C8D508B8}" srcOrd="1" destOrd="0" parTransId="{4DA02694-79A4-424B-BBA3-F7998C5157BB}" sibTransId="{064BFE80-989D-4C82-A823-1CE54AEB6BF0}"/>
-    <dgm:cxn modelId="{D0072883-3202-4DF7-89B6-789E2DF375E7}" srcId="{08832E7C-5ABA-4183-86F2-72AE48F3B382}" destId="{69F82FFF-3991-4C8D-B471-23331F27C0B0}" srcOrd="1" destOrd="0" parTransId="{C8EE8161-05F0-4095-96DF-44AC73AC71E7}" sibTransId="{92E4C96E-DD08-43DB-AB99-7BEF542763D3}"/>
-    <dgm:cxn modelId="{9BB8DEFF-6847-4A38-B4B4-87211CF16B5A}" type="presOf" srcId="{CA324B4F-0303-4400-B62C-80D0C8D508B8}" destId="{D043DA3C-4155-42B0-8058-E50E7CDF28B1}" srcOrd="0" destOrd="0" presId="urn:microsoft.com/office/officeart/2005/8/layout/lProcess2"/>
-    <dgm:cxn modelId="{14A87AB7-2119-4BB0-87C3-C56BFF7DC60C}" srcId="{38B91A35-D51D-4898-BFFF-AEABDF453015}" destId="{45EEA366-C6BC-4814-94ED-9383B9BE99CA}" srcOrd="1" destOrd="0" parTransId="{AB8807D7-CBAF-4E86-B796-787EBE35B895}" sibTransId="{5E96A390-7690-43C0-B091-487440481ACA}"/>
-    <dgm:cxn modelId="{88BC80DC-34F8-40AB-8E36-ED31491DE2A2}" type="presOf" srcId="{6CE257FD-9E83-4046-B00B-3656E91E20E6}" destId="{B61A5446-38F3-4A05-84A5-B2746653B512}" srcOrd="0" destOrd="0" presId="urn:microsoft.com/office/officeart/2005/8/layout/lProcess2"/>
-    <dgm:cxn modelId="{54BD5ABD-6DF4-40B1-AE2B-FFBA3FFE451B}" srcId="{56730352-40E0-4C5A-A6CA-55B8063463C7}" destId="{3D3B4EE7-41A5-458A-AE4C-A50848F0DCD2}" srcOrd="1" destOrd="0" parTransId="{4846A412-99EF-4E4B-ABC4-7C12D3F1987E}" sibTransId="{C6FADCFB-D3E5-489B-9EEF-9A97DEF14C81}"/>
-    <dgm:cxn modelId="{3F7742A3-90B2-4029-9979-39E0A30B7D1E}" type="presOf" srcId="{914C7773-0FB1-4B7E-A35D-2B9A2C8908BF}" destId="{B7834AA0-308B-46AE-B6C6-B6EEFEA3AD9B}" srcOrd="0" destOrd="0" presId="urn:microsoft.com/office/officeart/2005/8/layout/lProcess2"/>
-    <dgm:cxn modelId="{C3B45E28-9835-45B1-A03E-7DEE378C3DFE}" type="presOf" srcId="{3D3B4EE7-41A5-458A-AE4C-A50848F0DCD2}" destId="{BC137AD5-3960-41F9-AA54-F895E522966A}" srcOrd="0" destOrd="0" presId="urn:microsoft.com/office/officeart/2005/8/layout/lProcess2"/>
-    <dgm:cxn modelId="{3D612C4B-39D6-4457-81DB-CCFA5D776F16}" type="presOf" srcId="{E73113F1-EFB5-40A1-AFBF-7597203856D6}" destId="{58EA6A5C-8E11-4EC4-938D-172E4652D912}" srcOrd="0" destOrd="0" presId="urn:microsoft.com/office/officeart/2005/8/layout/lProcess2"/>
-    <dgm:cxn modelId="{65982B80-A840-446A-9EF5-85BDA2454407}" srcId="{08832E7C-5ABA-4183-86F2-72AE48F3B382}" destId="{57112624-F58F-4C7A-8C19-2911280FD5FD}" srcOrd="0" destOrd="0" parTransId="{C04B102A-EFE0-409A-9530-3FA2E89387BD}" sibTransId="{E0F5C2F4-CB70-4981-8B9F-E056D3D2E7A2}"/>
-    <dgm:cxn modelId="{995CD5AA-32BD-4F0D-85AF-DCCE14F7BED1}" srcId="{38B91A35-D51D-4898-BFFF-AEABDF453015}" destId="{8F6F9969-E9EB-4810-A70A-BD760C411176}" srcOrd="0" destOrd="0" parTransId="{DD2A9419-2885-4480-8722-B472D09E8D76}" sibTransId="{2C779BC1-FE84-4CC3-9F26-9A3D65F3C6EC}"/>
+    <dgm:cxn modelId="{655B6EDD-BB11-4C8B-B7E3-8B0CCB841D79}" srcId="{3B296934-5C21-4017-9964-B817F9412222}" destId="{56730352-40E0-4C5A-A6CA-55B8063463C7}" srcOrd="3" destOrd="0" parTransId="{9B10B5C2-8E6E-4140-96A4-87C22CE0D66F}" sibTransId="{3F248349-C935-4AE7-85B3-87321505352B}"/>
     <dgm:cxn modelId="{CBB1A1F8-8DF1-4C21-9D4E-BF26CC773FD7}" srcId="{6CE257FD-9E83-4046-B00B-3656E91E20E6}" destId="{CF7D28A0-42F2-466A-8DED-88A7B031EEE1}" srcOrd="0" destOrd="0" parTransId="{F690BE67-1CE0-42A7-AD02-38C757B3E8E3}" sibTransId="{1DEC5CC1-7FB8-49A2-83E6-86C7C43A7DD6}"/>
-    <dgm:cxn modelId="{CA4D2266-D52A-4E95-A848-56D3564B8942}" type="presOf" srcId="{6CE257FD-9E83-4046-B00B-3656E91E20E6}" destId="{4967473C-7CEE-4AA1-A4E5-6CA5D72260D0}" srcOrd="1" destOrd="0" presId="urn:microsoft.com/office/officeart/2005/8/layout/lProcess2"/>
-    <dgm:cxn modelId="{56D7BB78-252D-4B6A-AE69-7474CB17C2F1}" type="presOf" srcId="{69F82FFF-3991-4C8D-B471-23331F27C0B0}" destId="{FBAC1B18-D967-48F1-B884-DAC105A74861}" srcOrd="0" destOrd="0" presId="urn:microsoft.com/office/officeart/2005/8/layout/lProcess2"/>
+    <dgm:cxn modelId="{5F982ED8-B79B-4648-AA80-066611D9AC37}" type="presOf" srcId="{08832E7C-5ABA-4183-86F2-72AE48F3B382}" destId="{37A453EF-2874-4A71-BDA8-717AE2CE7997}" srcOrd="0" destOrd="0" presId="urn:microsoft.com/office/officeart/2005/8/layout/lProcess2"/>
+    <dgm:cxn modelId="{83048DC6-E117-48F0-8B75-3A122990CC11}" srcId="{3B296934-5C21-4017-9964-B817F9412222}" destId="{08832E7C-5ABA-4183-86F2-72AE48F3B382}" srcOrd="1" destOrd="0" parTransId="{85353B82-5A9D-4971-A592-4C7F9A19EE45}" sibTransId="{307CA529-3BD4-4C51-9803-A49C3116111D}"/>
+    <dgm:cxn modelId="{FA1092E6-6BB1-4695-ADD3-7024D28BB56E}" type="presOf" srcId="{38B91A35-D51D-4898-BFFF-AEABDF453015}" destId="{8A8ED677-1C01-4F72-AE69-5A4EB6608260}" srcOrd="0" destOrd="0" presId="urn:microsoft.com/office/officeart/2005/8/layout/lProcess2"/>
     <dgm:cxn modelId="{B5912040-082C-45AF-862B-D28DA243D816}" type="presOf" srcId="{56730352-40E0-4C5A-A6CA-55B8063463C7}" destId="{330AA943-4647-49DF-BDFC-912CADC44F67}" srcOrd="0" destOrd="0" presId="urn:microsoft.com/office/officeart/2005/8/layout/lProcess2"/>
     <dgm:cxn modelId="{7A6F0F72-175C-4A8A-BB76-C646C51FAE38}" type="presOf" srcId="{BA1284DC-381F-4CC6-8B06-35589C3CCE67}" destId="{4745B734-9034-45E7-B0D5-8AC99C9279E2}" srcOrd="0" destOrd="0" presId="urn:microsoft.com/office/officeart/2005/8/layout/lProcess2"/>
+    <dgm:cxn modelId="{F2C733C3-0525-4FC5-9123-F7340CF30160}" type="presOf" srcId="{86737D04-C7CC-4CC5-8C6B-C6F7DE06154F}" destId="{FABC4C5F-A007-46D6-B043-AC8FBB6B6F36}" srcOrd="1" destOrd="0" presId="urn:microsoft.com/office/officeart/2005/8/layout/lProcess2"/>
+    <dgm:cxn modelId="{5923A621-8865-4B2C-8829-830DA7C142A2}" type="presOf" srcId="{CB857B91-BFF0-436F-89C9-79B7D0BE12D0}" destId="{FFD4A6A1-79F7-4B62-AF64-B55AE7D5CC3B}" srcOrd="0" destOrd="0" presId="urn:microsoft.com/office/officeart/2005/8/layout/lProcess2"/>
+    <dgm:cxn modelId="{428A5109-6813-44A9-8136-03BA7D319D45}" srcId="{3B296934-5C21-4017-9964-B817F9412222}" destId="{86737D04-C7CC-4CC5-8C6B-C6F7DE06154F}" srcOrd="4" destOrd="0" parTransId="{9F32510C-9441-4E7C-912D-7683F7A418AD}" sibTransId="{B988E580-8C58-428B-8F42-1559768559D5}"/>
     <dgm:cxn modelId="{54DDD67B-5AEE-4522-A396-6741F6AEDE64}" type="presOf" srcId="{6A668B93-B36F-4D03-B429-79ABBA32D84B}" destId="{985F733D-DDE2-4EC0-AB86-A2D7DBB862E8}" srcOrd="0" destOrd="0" presId="urn:microsoft.com/office/officeart/2005/8/layout/lProcess2"/>
+    <dgm:cxn modelId="{D3BCA3D8-6B19-4149-B899-B10C0E48CB53}" srcId="{86737D04-C7CC-4CC5-8C6B-C6F7DE06154F}" destId="{CB857B91-BFF0-436F-89C9-79B7D0BE12D0}" srcOrd="0" destOrd="0" parTransId="{3050CADD-504F-4D89-823A-296B0714B7EB}" sibTransId="{7FC88018-B47F-45C1-B55E-EB306BAF57A7}"/>
+    <dgm:cxn modelId="{3F7742A3-90B2-4029-9979-39E0A30B7D1E}" type="presOf" srcId="{914C7773-0FB1-4B7E-A35D-2B9A2C8908BF}" destId="{B7834AA0-308B-46AE-B6C6-B6EEFEA3AD9B}" srcOrd="0" destOrd="0" presId="urn:microsoft.com/office/officeart/2005/8/layout/lProcess2"/>
+    <dgm:cxn modelId="{79DB6524-77EC-4A74-85B1-8E4FF5C9637A}" type="presOf" srcId="{8F6F9969-E9EB-4810-A70A-BD760C411176}" destId="{B3777A67-1630-48F5-93CB-9F2201750E53}" srcOrd="0" destOrd="0" presId="urn:microsoft.com/office/officeart/2005/8/layout/lProcess2"/>
+    <dgm:cxn modelId="{83E78EF7-8F66-40CC-8123-11CA929E871B}" type="presOf" srcId="{86737D04-C7CC-4CC5-8C6B-C6F7DE06154F}" destId="{4058B0A6-4CFB-4982-937C-4DC55E837780}" srcOrd="0" destOrd="0" presId="urn:microsoft.com/office/officeart/2005/8/layout/lProcess2"/>
+    <dgm:cxn modelId="{3D612C4B-39D6-4457-81DB-CCFA5D776F16}" type="presOf" srcId="{E73113F1-EFB5-40A1-AFBF-7597203856D6}" destId="{58EA6A5C-8E11-4EC4-938D-172E4652D912}" srcOrd="0" destOrd="0" presId="urn:microsoft.com/office/officeart/2005/8/layout/lProcess2"/>
+    <dgm:cxn modelId="{FE377727-1C11-4D03-9161-08C73A6119C5}" srcId="{3B296934-5C21-4017-9964-B817F9412222}" destId="{05E7DB2A-E6C8-4114-8FFA-04855490410A}" srcOrd="0" destOrd="0" parTransId="{547ACA38-5A88-42D4-A3C9-4D79798F2439}" sibTransId="{7EAAA426-35ED-4886-9382-529050609AC4}"/>
+    <dgm:cxn modelId="{8C5AFC71-3D4A-4EA0-AAB5-EBB6D817E78B}" srcId="{3B296934-5C21-4017-9964-B817F9412222}" destId="{38B91A35-D51D-4898-BFFF-AEABDF453015}" srcOrd="5" destOrd="0" parTransId="{B63A837E-AB3A-4831-ACB9-28B70547D642}" sibTransId="{7A5CE459-37A7-4037-AF8F-9C4A7EA4498C}"/>
+    <dgm:cxn modelId="{006DDD40-DBBE-4199-BFEC-5B7CD40277F9}" srcId="{6CE257FD-9E83-4046-B00B-3656E91E20E6}" destId="{914C7773-0FB1-4B7E-A35D-2B9A2C8908BF}" srcOrd="1" destOrd="0" parTransId="{27092023-C2A3-4B45-91D8-FB4B4DCDBB55}" sibTransId="{EEE43CD3-1D41-4C05-BF1F-666CD28CB591}"/>
+    <dgm:cxn modelId="{56D7BB78-252D-4B6A-AE69-7474CB17C2F1}" type="presOf" srcId="{69F82FFF-3991-4C8D-B471-23331F27C0B0}" destId="{FBAC1B18-D967-48F1-B884-DAC105A74861}" srcOrd="0" destOrd="0" presId="urn:microsoft.com/office/officeart/2005/8/layout/lProcess2"/>
     <dgm:cxn modelId="{C5891468-84D9-47CA-BE96-002F4EAEEC0C}" type="presOf" srcId="{45EEA366-C6BC-4814-94ED-9383B9BE99CA}" destId="{8F6DE1B9-82EE-4B70-88D2-E820BF6AA0ED}" srcOrd="0" destOrd="0" presId="urn:microsoft.com/office/officeart/2005/8/layout/lProcess2"/>
+    <dgm:cxn modelId="{57634245-1405-4948-B0A3-5E43450C4BE5}" type="presOf" srcId="{08832E7C-5ABA-4183-86F2-72AE48F3B382}" destId="{390861EC-CEC3-480E-BE99-32E1289E9987}" srcOrd="1" destOrd="0" presId="urn:microsoft.com/office/officeart/2005/8/layout/lProcess2"/>
+    <dgm:cxn modelId="{14A87AB7-2119-4BB0-87C3-C56BFF7DC60C}" srcId="{38B91A35-D51D-4898-BFFF-AEABDF453015}" destId="{45EEA366-C6BC-4814-94ED-9383B9BE99CA}" srcOrd="1" destOrd="0" parTransId="{AB8807D7-CBAF-4E86-B796-787EBE35B895}" sibTransId="{5E96A390-7690-43C0-B091-487440481ACA}"/>
+    <dgm:cxn modelId="{39488AC9-0152-43A5-8A21-B7EE3BDE9119}" type="presOf" srcId="{3B296934-5C21-4017-9964-B817F9412222}" destId="{817E4234-1079-402D-AD08-9105CA80E9A6}" srcOrd="0" destOrd="0" presId="urn:microsoft.com/office/officeart/2005/8/layout/lProcess2"/>
+    <dgm:cxn modelId="{65982B80-A840-446A-9EF5-85BDA2454407}" srcId="{08832E7C-5ABA-4183-86F2-72AE48F3B382}" destId="{57112624-F58F-4C7A-8C19-2911280FD5FD}" srcOrd="0" destOrd="0" parTransId="{C04B102A-EFE0-409A-9530-3FA2E89387BD}" sibTransId="{E0F5C2F4-CB70-4981-8B9F-E056D3D2E7A2}"/>
+    <dgm:cxn modelId="{54BD5ABD-6DF4-40B1-AE2B-FFBA3FFE451B}" srcId="{56730352-40E0-4C5A-A6CA-55B8063463C7}" destId="{3D3B4EE7-41A5-458A-AE4C-A50848F0DCD2}" srcOrd="1" destOrd="0" parTransId="{4846A412-99EF-4E4B-ABC4-7C12D3F1987E}" sibTransId="{C6FADCFB-D3E5-489B-9EEF-9A97DEF14C81}"/>
+    <dgm:cxn modelId="{4910B5B1-1BE8-4DFB-8422-A8A72921203C}" type="presOf" srcId="{CF7D28A0-42F2-466A-8DED-88A7B031EEE1}" destId="{DE349101-5B4E-4235-8E2B-B89754369C91}" srcOrd="0" destOrd="0" presId="urn:microsoft.com/office/officeart/2005/8/layout/lProcess2"/>
+    <dgm:cxn modelId="{56C6139D-A976-49C1-A067-F27891DD2664}" srcId="{05E7DB2A-E6C8-4114-8FFA-04855490410A}" destId="{BA1284DC-381F-4CC6-8B06-35589C3CCE67}" srcOrd="0" destOrd="0" parTransId="{029B6695-2428-48C6-89EE-40D5132430A7}" sibTransId="{BE8ECD8C-25BD-40BD-AFDB-F8C493DB29B4}"/>
+    <dgm:cxn modelId="{3228E5AF-907F-42C7-A124-238EAD12A957}" srcId="{3B296934-5C21-4017-9964-B817F9412222}" destId="{6CE257FD-9E83-4046-B00B-3656E91E20E6}" srcOrd="2" destOrd="0" parTransId="{649F13F0-FACF-4452-A3A0-07716A83EB21}" sibTransId="{BDC42A8C-58D5-429D-A5FC-9327B6EF5A04}"/>
+    <dgm:cxn modelId="{F974CD26-8CE2-44BE-ACE8-45539BD67B6C}" type="presOf" srcId="{38B91A35-D51D-4898-BFFF-AEABDF453015}" destId="{1AA1736C-88D9-40F3-91EB-F5432382B75E}" srcOrd="1" destOrd="0" presId="urn:microsoft.com/office/officeart/2005/8/layout/lProcess2"/>
+    <dgm:cxn modelId="{88BC80DC-34F8-40AB-8E36-ED31491DE2A2}" type="presOf" srcId="{6CE257FD-9E83-4046-B00B-3656E91E20E6}" destId="{B61A5446-38F3-4A05-84A5-B2746653B512}" srcOrd="0" destOrd="0" presId="urn:microsoft.com/office/officeart/2005/8/layout/lProcess2"/>
     <dgm:cxn modelId="{90E057FF-E933-4B47-8DD7-FC49430256A5}" type="presOf" srcId="{56730352-40E0-4C5A-A6CA-55B8063463C7}" destId="{93EFD7CD-C42F-4B66-AD05-1E9B4565D43B}" srcOrd="1" destOrd="0" presId="urn:microsoft.com/office/officeart/2005/8/layout/lProcess2"/>
-    <dgm:cxn modelId="{3228E5AF-907F-42C7-A124-238EAD12A957}" srcId="{3B296934-5C21-4017-9964-B817F9412222}" destId="{6CE257FD-9E83-4046-B00B-3656E91E20E6}" srcOrd="2" destOrd="0" parTransId="{649F13F0-FACF-4452-A3A0-07716A83EB21}" sibTransId="{BDC42A8C-58D5-429D-A5FC-9327B6EF5A04}"/>
-    <dgm:cxn modelId="{56C6139D-A976-49C1-A067-F27891DD2664}" srcId="{05E7DB2A-E6C8-4114-8FFA-04855490410A}" destId="{BA1284DC-381F-4CC6-8B06-35589C3CCE67}" srcOrd="0" destOrd="0" parTransId="{029B6695-2428-48C6-89EE-40D5132430A7}" sibTransId="{BE8ECD8C-25BD-40BD-AFDB-F8C493DB29B4}"/>
+    <dgm:cxn modelId="{9BB8DEFF-6847-4A38-B4B4-87211CF16B5A}" type="presOf" srcId="{CA324B4F-0303-4400-B62C-80D0C8D508B8}" destId="{D043DA3C-4155-42B0-8058-E50E7CDF28B1}" srcOrd="0" destOrd="0" presId="urn:microsoft.com/office/officeart/2005/8/layout/lProcess2"/>
     <dgm:cxn modelId="{CC0C7A7A-4ADC-42F0-A868-D5B4D25F7618}" srcId="{56730352-40E0-4C5A-A6CA-55B8063463C7}" destId="{6A668B93-B36F-4D03-B429-79ABBA32D84B}" srcOrd="0" destOrd="0" parTransId="{5A8EF89B-F0AB-4AFD-BF17-34D399333A18}" sibTransId="{27EA4730-8B21-4F54-8505-ED4FE9DA6B12}"/>
-    <dgm:cxn modelId="{39488AC9-0152-43A5-8A21-B7EE3BDE9119}" type="presOf" srcId="{3B296934-5C21-4017-9964-B817F9412222}" destId="{817E4234-1079-402D-AD08-9105CA80E9A6}" srcOrd="0" destOrd="0" presId="urn:microsoft.com/office/officeart/2005/8/layout/lProcess2"/>
-    <dgm:cxn modelId="{006DDD40-DBBE-4199-BFEC-5B7CD40277F9}" srcId="{6CE257FD-9E83-4046-B00B-3656E91E20E6}" destId="{914C7773-0FB1-4B7E-A35D-2B9A2C8908BF}" srcOrd="1" destOrd="0" parTransId="{27092023-C2A3-4B45-91D8-FB4B4DCDBB55}" sibTransId="{EEE43CD3-1D41-4C05-BF1F-666CD28CB591}"/>
+    <dgm:cxn modelId="{8763B21E-17AB-44F5-BE2B-FA9F17FE9D6D}" srcId="{86737D04-C7CC-4CC5-8C6B-C6F7DE06154F}" destId="{CA324B4F-0303-4400-B62C-80D0C8D508B8}" srcOrd="1" destOrd="0" parTransId="{4DA02694-79A4-424B-BBA3-F7998C5157BB}" sibTransId="{064BFE80-989D-4C82-A823-1CE54AEB6BF0}"/>
+    <dgm:cxn modelId="{E0AA1B31-A64F-48B7-BEBA-8FE4B33F1725}" type="presOf" srcId="{05E7DB2A-E6C8-4114-8FFA-04855490410A}" destId="{050E1B47-69E3-4E2B-BB99-B5C918A95470}" srcOrd="1" destOrd="0" presId="urn:microsoft.com/office/officeart/2005/8/layout/lProcess2"/>
+    <dgm:cxn modelId="{CA4D2266-D52A-4E95-A848-56D3564B8942}" type="presOf" srcId="{6CE257FD-9E83-4046-B00B-3656E91E20E6}" destId="{4967473C-7CEE-4AA1-A4E5-6CA5D72260D0}" srcOrd="1" destOrd="0" presId="urn:microsoft.com/office/officeart/2005/8/layout/lProcess2"/>
     <dgm:cxn modelId="{7B54396F-7195-40C1-9641-088115EBEDB3}" type="presOf" srcId="{05E7DB2A-E6C8-4114-8FFA-04855490410A}" destId="{A44B46A9-0851-4166-8034-FADFD9E46399}" srcOrd="0" destOrd="0" presId="urn:microsoft.com/office/officeart/2005/8/layout/lProcess2"/>
-    <dgm:cxn modelId="{5F982ED8-B79B-4648-AA80-066611D9AC37}" type="presOf" srcId="{08832E7C-5ABA-4183-86F2-72AE48F3B382}" destId="{37A453EF-2874-4A71-BDA8-717AE2CE7997}" srcOrd="0" destOrd="0" presId="urn:microsoft.com/office/officeart/2005/8/layout/lProcess2"/>
-    <dgm:cxn modelId="{83048DC6-E117-48F0-8B75-3A122990CC11}" srcId="{3B296934-5C21-4017-9964-B817F9412222}" destId="{08832E7C-5ABA-4183-86F2-72AE48F3B382}" srcOrd="1" destOrd="0" parTransId="{85353B82-5A9D-4971-A592-4C7F9A19EE45}" sibTransId="{307CA529-3BD4-4C51-9803-A49C3116111D}"/>
-    <dgm:cxn modelId="{655B6EDD-BB11-4C8B-B7E3-8B0CCB841D79}" srcId="{3B296934-5C21-4017-9964-B817F9412222}" destId="{56730352-40E0-4C5A-A6CA-55B8063463C7}" srcOrd="3" destOrd="0" parTransId="{9B10B5C2-8E6E-4140-96A4-87C22CE0D66F}" sibTransId="{3F248349-C935-4AE7-85B3-87321505352B}"/>
-    <dgm:cxn modelId="{83E78EF7-8F66-40CC-8123-11CA929E871B}" type="presOf" srcId="{86737D04-C7CC-4CC5-8C6B-C6F7DE06154F}" destId="{4058B0A6-4CFB-4982-937C-4DC55E837780}" srcOrd="0" destOrd="0" presId="urn:microsoft.com/office/officeart/2005/8/layout/lProcess2"/>
-    <dgm:cxn modelId="{F974CD26-8CE2-44BE-ACE8-45539BD67B6C}" type="presOf" srcId="{38B91A35-D51D-4898-BFFF-AEABDF453015}" destId="{1AA1736C-88D9-40F3-91EB-F5432382B75E}" srcOrd="1" destOrd="0" presId="urn:microsoft.com/office/officeart/2005/8/layout/lProcess2"/>
-    <dgm:cxn modelId="{79DB6524-77EC-4A74-85B1-8E4FF5C9637A}" type="presOf" srcId="{8F6F9969-E9EB-4810-A70A-BD760C411176}" destId="{B3777A67-1630-48F5-93CB-9F2201750E53}" srcOrd="0" destOrd="0" presId="urn:microsoft.com/office/officeart/2005/8/layout/lProcess2"/>
-    <dgm:cxn modelId="{57634245-1405-4948-B0A3-5E43450C4BE5}" type="presOf" srcId="{08832E7C-5ABA-4183-86F2-72AE48F3B382}" destId="{390861EC-CEC3-480E-BE99-32E1289E9987}" srcOrd="1" destOrd="0" presId="urn:microsoft.com/office/officeart/2005/8/layout/lProcess2"/>
+    <dgm:cxn modelId="{995CD5AA-32BD-4F0D-85AF-DCCE14F7BED1}" srcId="{38B91A35-D51D-4898-BFFF-AEABDF453015}" destId="{8F6F9969-E9EB-4810-A70A-BD760C411176}" srcOrd="0" destOrd="0" parTransId="{DD2A9419-2885-4480-8722-B472D09E8D76}" sibTransId="{2C779BC1-FE84-4CC3-9F26-9A3D65F3C6EC}"/>
+    <dgm:cxn modelId="{D0072883-3202-4DF7-89B6-789E2DF375E7}" srcId="{08832E7C-5ABA-4183-86F2-72AE48F3B382}" destId="{69F82FFF-3991-4C8D-B471-23331F27C0B0}" srcOrd="1" destOrd="0" parTransId="{C8EE8161-05F0-4095-96DF-44AC73AC71E7}" sibTransId="{92E4C96E-DD08-43DB-AB99-7BEF542763D3}"/>
+    <dgm:cxn modelId="{AB46B2B7-28B4-4566-8715-706D6CDE3A2C}" type="presOf" srcId="{57112624-F58F-4C7A-8C19-2911280FD5FD}" destId="{4AF191BD-410C-4C3F-BBB2-5B227EDBC2DE}" srcOrd="0" destOrd="0" presId="urn:microsoft.com/office/officeart/2005/8/layout/lProcess2"/>
+    <dgm:cxn modelId="{C3B45E28-9835-45B1-A03E-7DEE378C3DFE}" type="presOf" srcId="{3D3B4EE7-41A5-458A-AE4C-A50848F0DCD2}" destId="{BC137AD5-3960-41F9-AA54-F895E522966A}" srcOrd="0" destOrd="0" presId="urn:microsoft.com/office/officeart/2005/8/layout/lProcess2"/>
     <dgm:cxn modelId="{5FA74119-A516-4AF8-A1C6-37F7961CC1E1}" srcId="{05E7DB2A-E6C8-4114-8FFA-04855490410A}" destId="{E73113F1-EFB5-40A1-AFBF-7597203856D6}" srcOrd="1" destOrd="0" parTransId="{EFB99BDF-FB45-452A-A41D-FCE65896BE02}" sibTransId="{9DF5204C-8727-45B7-91FF-A6C0BBDE1484}"/>
-    <dgm:cxn modelId="{D3BCA3D8-6B19-4149-B899-B10C0E48CB53}" srcId="{86737D04-C7CC-4CC5-8C6B-C6F7DE06154F}" destId="{CB857B91-BFF0-436F-89C9-79B7D0BE12D0}" srcOrd="0" destOrd="0" parTransId="{3050CADD-504F-4D89-823A-296B0714B7EB}" sibTransId="{7FC88018-B47F-45C1-B55E-EB306BAF57A7}"/>
-    <dgm:cxn modelId="{AB46B2B7-28B4-4566-8715-706D6CDE3A2C}" type="presOf" srcId="{57112624-F58F-4C7A-8C19-2911280FD5FD}" destId="{4AF191BD-410C-4C3F-BBB2-5B227EDBC2DE}" srcOrd="0" destOrd="0" presId="urn:microsoft.com/office/officeart/2005/8/layout/lProcess2"/>
-    <dgm:cxn modelId="{4910B5B1-1BE8-4DFB-8422-A8A72921203C}" type="presOf" srcId="{CF7D28A0-42F2-466A-8DED-88A7B031EEE1}" destId="{DE349101-5B4E-4235-8E2B-B89754369C91}" srcOrd="0" destOrd="0" presId="urn:microsoft.com/office/officeart/2005/8/layout/lProcess2"/>
-    <dgm:cxn modelId="{8C5AFC71-3D4A-4EA0-AAB5-EBB6D817E78B}" srcId="{3B296934-5C21-4017-9964-B817F9412222}" destId="{38B91A35-D51D-4898-BFFF-AEABDF453015}" srcOrd="5" destOrd="0" parTransId="{B63A837E-AB3A-4831-ACB9-28B70547D642}" sibTransId="{7A5CE459-37A7-4037-AF8F-9C4A7EA4498C}"/>
-    <dgm:cxn modelId="{E0AA1B31-A64F-48B7-BEBA-8FE4B33F1725}" type="presOf" srcId="{05E7DB2A-E6C8-4114-8FFA-04855490410A}" destId="{050E1B47-69E3-4E2B-BB99-B5C918A95470}" srcOrd="1" destOrd="0" presId="urn:microsoft.com/office/officeart/2005/8/layout/lProcess2"/>
-    <dgm:cxn modelId="{5923A621-8865-4B2C-8829-830DA7C142A2}" type="presOf" srcId="{CB857B91-BFF0-436F-89C9-79B7D0BE12D0}" destId="{FFD4A6A1-79F7-4B62-AF64-B55AE7D5CC3B}" srcOrd="0" destOrd="0" presId="urn:microsoft.com/office/officeart/2005/8/layout/lProcess2"/>
-    <dgm:cxn modelId="{FA1092E6-6BB1-4695-ADD3-7024D28BB56E}" type="presOf" srcId="{38B91A35-D51D-4898-BFFF-AEABDF453015}" destId="{8A8ED677-1C01-4F72-AE69-5A4EB6608260}" srcOrd="0" destOrd="0" presId="urn:microsoft.com/office/officeart/2005/8/layout/lProcess2"/>
-    <dgm:cxn modelId="{F2C733C3-0525-4FC5-9123-F7340CF30160}" type="presOf" srcId="{86737D04-C7CC-4CC5-8C6B-C6F7DE06154F}" destId="{FABC4C5F-A007-46D6-B043-AC8FBB6B6F36}" srcOrd="1" destOrd="0" presId="urn:microsoft.com/office/officeart/2005/8/layout/lProcess2"/>
-    <dgm:cxn modelId="{FE377727-1C11-4D03-9161-08C73A6119C5}" srcId="{3B296934-5C21-4017-9964-B817F9412222}" destId="{05E7DB2A-E6C8-4114-8FFA-04855490410A}" srcOrd="0" destOrd="0" parTransId="{547ACA38-5A88-42D4-A3C9-4D79798F2439}" sibTransId="{7EAAA426-35ED-4886-9382-529050609AC4}"/>
     <dgm:cxn modelId="{4656F38E-5A44-4EE9-8538-75898184F56C}" type="presParOf" srcId="{817E4234-1079-402D-AD08-9105CA80E9A6}" destId="{CBCD6D51-37EE-4B38-BDF4-C75EE994D388}" srcOrd="0" destOrd="0" presId="urn:microsoft.com/office/officeart/2005/8/layout/lProcess2"/>
     <dgm:cxn modelId="{39F26D2C-1A2C-4C19-9191-2C395E63A9FE}" type="presParOf" srcId="{CBCD6D51-37EE-4B38-BDF4-C75EE994D388}" destId="{A44B46A9-0851-4166-8034-FADFD9E46399}" srcOrd="0" destOrd="0" presId="urn:microsoft.com/office/officeart/2005/8/layout/lProcess2"/>
     <dgm:cxn modelId="{5D894DB3-C1B1-46A1-A8EC-2B73F4F4F23F}" type="presParOf" srcId="{CBCD6D51-37EE-4B38-BDF4-C75EE994D388}" destId="{050E1B47-69E3-4E2B-BB99-B5C918A95470}" srcOrd="1" destOrd="0" presId="urn:microsoft.com/office/officeart/2005/8/layout/lProcess2"/>
@@ -5739,6 +5997,13 @@
         </dgm:presLayoutVars>
       </dgm:prSet>
       <dgm:spPr/>
+      <dgm:t>
+        <a:bodyPr/>
+        <a:lstStyle/>
+        <a:p>
+          <a:endParaRPr lang="en-CA"/>
+        </a:p>
+      </dgm:t>
     </dgm:pt>
     <dgm:pt modelId="{8FCF4600-E308-47EC-8E0D-F5DF453C3E7E}" type="pres">
       <dgm:prSet presAssocID="{29842897-B043-4502-A76C-193856E0EE0A}" presName="node" presStyleLbl="node1" presStyleIdx="0" presStyleCnt="6">
@@ -5758,10 +6023,24 @@
     <dgm:pt modelId="{E9130766-CEE1-4C36-97D5-6406896ECF89}" type="pres">
       <dgm:prSet presAssocID="{B13480CC-67FA-4EAB-8D96-FBEBA917FEE3}" presName="sibTrans" presStyleLbl="sibTrans2D1" presStyleIdx="0" presStyleCnt="5"/>
       <dgm:spPr/>
+      <dgm:t>
+        <a:bodyPr/>
+        <a:lstStyle/>
+        <a:p>
+          <a:endParaRPr lang="en-CA"/>
+        </a:p>
+      </dgm:t>
     </dgm:pt>
     <dgm:pt modelId="{E9A08C06-9515-454E-98D8-051CFF64B024}" type="pres">
       <dgm:prSet presAssocID="{B13480CC-67FA-4EAB-8D96-FBEBA917FEE3}" presName="connectorText" presStyleLbl="sibTrans2D1" presStyleIdx="0" presStyleCnt="5"/>
       <dgm:spPr/>
+      <dgm:t>
+        <a:bodyPr/>
+        <a:lstStyle/>
+        <a:p>
+          <a:endParaRPr lang="en-CA"/>
+        </a:p>
+      </dgm:t>
     </dgm:pt>
     <dgm:pt modelId="{2FD38468-3CEA-472B-ACE1-AC22B4AE6988}" type="pres">
       <dgm:prSet presAssocID="{FBD04ACA-9A93-4F32-866C-05B756AC52E1}" presName="node" presStyleLbl="node1" presStyleIdx="1" presStyleCnt="6">
@@ -5781,10 +6060,24 @@
     <dgm:pt modelId="{CAFEB5D0-F922-4B31-9BB3-7EA7B95E8C7B}" type="pres">
       <dgm:prSet presAssocID="{112B61E5-5670-4AEF-AF14-741C770E2256}" presName="sibTrans" presStyleLbl="sibTrans2D1" presStyleIdx="1" presStyleCnt="5"/>
       <dgm:spPr/>
+      <dgm:t>
+        <a:bodyPr/>
+        <a:lstStyle/>
+        <a:p>
+          <a:endParaRPr lang="en-CA"/>
+        </a:p>
+      </dgm:t>
     </dgm:pt>
     <dgm:pt modelId="{A9229405-8C9F-4693-86CF-C35E1C79CDFE}" type="pres">
       <dgm:prSet presAssocID="{112B61E5-5670-4AEF-AF14-741C770E2256}" presName="connectorText" presStyleLbl="sibTrans2D1" presStyleIdx="1" presStyleCnt="5"/>
       <dgm:spPr/>
+      <dgm:t>
+        <a:bodyPr/>
+        <a:lstStyle/>
+        <a:p>
+          <a:endParaRPr lang="en-CA"/>
+        </a:p>
+      </dgm:t>
     </dgm:pt>
     <dgm:pt modelId="{24367F6C-90AE-4D5D-9B9E-354FD2C81A6D}" type="pres">
       <dgm:prSet presAssocID="{8D035D97-F462-4312-98CE-9AD10E7D1F09}" presName="node" presStyleLbl="node1" presStyleIdx="2" presStyleCnt="6">
@@ -5804,10 +6097,24 @@
     <dgm:pt modelId="{59FC832D-75B5-449C-BB9A-3B9AFCD2F858}" type="pres">
       <dgm:prSet presAssocID="{0D272EBF-2C6F-4A9A-9BDC-C588604A624B}" presName="sibTrans" presStyleLbl="sibTrans2D1" presStyleIdx="2" presStyleCnt="5"/>
       <dgm:spPr/>
+      <dgm:t>
+        <a:bodyPr/>
+        <a:lstStyle/>
+        <a:p>
+          <a:endParaRPr lang="en-CA"/>
+        </a:p>
+      </dgm:t>
     </dgm:pt>
     <dgm:pt modelId="{9933852A-C6A7-41BD-A327-BD0B7827048C}" type="pres">
       <dgm:prSet presAssocID="{0D272EBF-2C6F-4A9A-9BDC-C588604A624B}" presName="connectorText" presStyleLbl="sibTrans2D1" presStyleIdx="2" presStyleCnt="5"/>
       <dgm:spPr/>
+      <dgm:t>
+        <a:bodyPr/>
+        <a:lstStyle/>
+        <a:p>
+          <a:endParaRPr lang="en-CA"/>
+        </a:p>
+      </dgm:t>
     </dgm:pt>
     <dgm:pt modelId="{13B6EC65-79FD-4AEA-A9A0-75D5E08D8EEA}" type="pres">
       <dgm:prSet presAssocID="{85400579-6874-40E5-91FE-C378CB573F4C}" presName="node" presStyleLbl="node1" presStyleIdx="3" presStyleCnt="6">
@@ -5816,14 +6123,35 @@
         </dgm:presLayoutVars>
       </dgm:prSet>
       <dgm:spPr/>
+      <dgm:t>
+        <a:bodyPr/>
+        <a:lstStyle/>
+        <a:p>
+          <a:endParaRPr lang="en-CA"/>
+        </a:p>
+      </dgm:t>
     </dgm:pt>
     <dgm:pt modelId="{D9091EEB-2B11-4797-B5CC-AD11F5B26EF3}" type="pres">
       <dgm:prSet presAssocID="{BD0FD33C-297F-4A96-9D0C-528F7DEB24B3}" presName="sibTrans" presStyleLbl="sibTrans2D1" presStyleIdx="3" presStyleCnt="5"/>
       <dgm:spPr/>
+      <dgm:t>
+        <a:bodyPr/>
+        <a:lstStyle/>
+        <a:p>
+          <a:endParaRPr lang="en-CA"/>
+        </a:p>
+      </dgm:t>
     </dgm:pt>
     <dgm:pt modelId="{2ED15F88-8609-4AA8-A4CB-A9B043090030}" type="pres">
       <dgm:prSet presAssocID="{BD0FD33C-297F-4A96-9D0C-528F7DEB24B3}" presName="connectorText" presStyleLbl="sibTrans2D1" presStyleIdx="3" presStyleCnt="5"/>
       <dgm:spPr/>
+      <dgm:t>
+        <a:bodyPr/>
+        <a:lstStyle/>
+        <a:p>
+          <a:endParaRPr lang="en-CA"/>
+        </a:p>
+      </dgm:t>
     </dgm:pt>
     <dgm:pt modelId="{B7B01841-0BF6-4E49-B28C-5EEECE7CFE81}" type="pres">
       <dgm:prSet presAssocID="{08717D87-EE14-45EB-AF6F-6CC457F8885E}" presName="node" presStyleLbl="node1" presStyleIdx="4" presStyleCnt="6">
@@ -5843,10 +6171,24 @@
     <dgm:pt modelId="{AEB2E1E8-B72C-42CB-B6E1-CAF6070344D2}" type="pres">
       <dgm:prSet presAssocID="{C72073BC-2E4A-4F54-9B30-DFB798D4E4B8}" presName="sibTrans" presStyleLbl="sibTrans2D1" presStyleIdx="4" presStyleCnt="5"/>
       <dgm:spPr/>
+      <dgm:t>
+        <a:bodyPr/>
+        <a:lstStyle/>
+        <a:p>
+          <a:endParaRPr lang="en-CA"/>
+        </a:p>
+      </dgm:t>
     </dgm:pt>
     <dgm:pt modelId="{AE0D9F84-F8BF-41EE-8E89-1AA64C629D7E}" type="pres">
       <dgm:prSet presAssocID="{C72073BC-2E4A-4F54-9B30-DFB798D4E4B8}" presName="connectorText" presStyleLbl="sibTrans2D1" presStyleIdx="4" presStyleCnt="5"/>
       <dgm:spPr/>
+      <dgm:t>
+        <a:bodyPr/>
+        <a:lstStyle/>
+        <a:p>
+          <a:endParaRPr lang="en-CA"/>
+        </a:p>
+      </dgm:t>
     </dgm:pt>
     <dgm:pt modelId="{15821317-9378-4A2A-837E-EA744184CFBF}" type="pres">
       <dgm:prSet presAssocID="{E12AAE9C-E3B6-4731-BB30-57CA61B11353}" presName="node" presStyleLbl="node1" presStyleIdx="5" presStyleCnt="6">
@@ -5865,29 +6207,29 @@
     </dgm:pt>
   </dgm:ptLst>
   <dgm:cxnLst>
+    <dgm:cxn modelId="{7F77A8EA-723E-4986-8C3D-FBCF7566DD5F}" type="presOf" srcId="{112B61E5-5670-4AEF-AF14-741C770E2256}" destId="{CAFEB5D0-F922-4B31-9BB3-7EA7B95E8C7B}" srcOrd="0" destOrd="0" presId="urn:microsoft.com/office/officeart/2005/8/layout/process5"/>
+    <dgm:cxn modelId="{5FCF2057-B78D-4105-BB5E-A6D55E20D89F}" type="presOf" srcId="{08717D87-EE14-45EB-AF6F-6CC457F8885E}" destId="{B7B01841-0BF6-4E49-B28C-5EEECE7CFE81}" srcOrd="0" destOrd="0" presId="urn:microsoft.com/office/officeart/2005/8/layout/process5"/>
+    <dgm:cxn modelId="{E59F62EF-EB23-4824-A273-74E96BB14245}" type="presOf" srcId="{BD0FD33C-297F-4A96-9D0C-528F7DEB24B3}" destId="{2ED15F88-8609-4AA8-A4CB-A9B043090030}" srcOrd="1" destOrd="0" presId="urn:microsoft.com/office/officeart/2005/8/layout/process5"/>
     <dgm:cxn modelId="{9ACAC637-3DA5-4132-ABB4-889CF6BF0F88}" type="presOf" srcId="{FBD04ACA-9A93-4F32-866C-05B756AC52E1}" destId="{2FD38468-3CEA-472B-ACE1-AC22B4AE6988}" srcOrd="0" destOrd="0" presId="urn:microsoft.com/office/officeart/2005/8/layout/process5"/>
+    <dgm:cxn modelId="{C8B86683-451C-420E-B827-9EC7DBFF6C8B}" type="presOf" srcId="{85400579-6874-40E5-91FE-C378CB573F4C}" destId="{13B6EC65-79FD-4AEA-A9A0-75D5E08D8EEA}" srcOrd="0" destOrd="0" presId="urn:microsoft.com/office/officeart/2005/8/layout/process5"/>
+    <dgm:cxn modelId="{6934D4F9-0B39-4557-ADBC-B847277A208D}" type="presOf" srcId="{112B61E5-5670-4AEF-AF14-741C770E2256}" destId="{A9229405-8C9F-4693-86CF-C35E1C79CDFE}" srcOrd="1" destOrd="0" presId="urn:microsoft.com/office/officeart/2005/8/layout/process5"/>
+    <dgm:cxn modelId="{17CC22E3-4051-4EB6-A007-33306CBA19F8}" type="presOf" srcId="{0D272EBF-2C6F-4A9A-9BDC-C588604A624B}" destId="{9933852A-C6A7-41BD-A327-BD0B7827048C}" srcOrd="1" destOrd="0" presId="urn:microsoft.com/office/officeart/2005/8/layout/process5"/>
+    <dgm:cxn modelId="{20DDDE8D-C1CB-42E8-A702-93697D0857D1}" srcId="{E4C3E646-5F06-4E1C-A410-067D035DD942}" destId="{8D035D97-F462-4312-98CE-9AD10E7D1F09}" srcOrd="2" destOrd="0" parTransId="{4F70D403-C2AE-4F51-82BC-7471C795EEA3}" sibTransId="{0D272EBF-2C6F-4A9A-9BDC-C588604A624B}"/>
+    <dgm:cxn modelId="{7335127C-FF9F-4836-846B-1043A50EBC9D}" type="presOf" srcId="{8D035D97-F462-4312-98CE-9AD10E7D1F09}" destId="{24367F6C-90AE-4D5D-9B9E-354FD2C81A6D}" srcOrd="0" destOrd="0" presId="urn:microsoft.com/office/officeart/2005/8/layout/process5"/>
+    <dgm:cxn modelId="{8C139955-A3B3-422A-A3F9-A723AE7CFEAE}" type="presOf" srcId="{29842897-B043-4502-A76C-193856E0EE0A}" destId="{8FCF4600-E308-47EC-8E0D-F5DF453C3E7E}" srcOrd="0" destOrd="0" presId="urn:microsoft.com/office/officeart/2005/8/layout/process5"/>
+    <dgm:cxn modelId="{3A31C14E-F2F7-476A-9A51-782871163DDC}" srcId="{E4C3E646-5F06-4E1C-A410-067D035DD942}" destId="{08717D87-EE14-45EB-AF6F-6CC457F8885E}" srcOrd="4" destOrd="0" parTransId="{D108EF59-924C-4EFF-B82B-F7B9ECECFB04}" sibTransId="{C72073BC-2E4A-4F54-9B30-DFB798D4E4B8}"/>
+    <dgm:cxn modelId="{8F1AB6E4-711F-46B0-9299-8EEC510662CB}" srcId="{E4C3E646-5F06-4E1C-A410-067D035DD942}" destId="{E12AAE9C-E3B6-4731-BB30-57CA61B11353}" srcOrd="5" destOrd="0" parTransId="{00CAB570-CAEC-4C4D-881B-3778098951B0}" sibTransId="{3A193EB8-BD7F-486F-B58C-7885C3702362}"/>
+    <dgm:cxn modelId="{E9510B00-A228-4955-86DF-E1F7B8B6914B}" type="presOf" srcId="{BD0FD33C-297F-4A96-9D0C-528F7DEB24B3}" destId="{D9091EEB-2B11-4797-B5CC-AD11F5B26EF3}" srcOrd="0" destOrd="0" presId="urn:microsoft.com/office/officeart/2005/8/layout/process5"/>
+    <dgm:cxn modelId="{0CCAA625-EA96-4B48-8E3B-17ECBCE9E05C}" type="presOf" srcId="{0D272EBF-2C6F-4A9A-9BDC-C588604A624B}" destId="{59FC832D-75B5-449C-BB9A-3B9AFCD2F858}" srcOrd="0" destOrd="0" presId="urn:microsoft.com/office/officeart/2005/8/layout/process5"/>
+    <dgm:cxn modelId="{3D951C6C-63A2-4867-8A8C-01FF46027E04}" srcId="{E4C3E646-5F06-4E1C-A410-067D035DD942}" destId="{85400579-6874-40E5-91FE-C378CB573F4C}" srcOrd="3" destOrd="0" parTransId="{655601E6-B928-44D5-9F19-75AD686335CE}" sibTransId="{BD0FD33C-297F-4A96-9D0C-528F7DEB24B3}"/>
+    <dgm:cxn modelId="{3D693A00-D776-4E86-83D2-B15F7D776CE8}" type="presOf" srcId="{C72073BC-2E4A-4F54-9B30-DFB798D4E4B8}" destId="{AE0D9F84-F8BF-41EE-8E89-1AA64C629D7E}" srcOrd="1" destOrd="0" presId="urn:microsoft.com/office/officeart/2005/8/layout/process5"/>
+    <dgm:cxn modelId="{B8209B5F-6D45-4CEB-9FE9-A25FE6A682B4}" type="presOf" srcId="{E4C3E646-5F06-4E1C-A410-067D035DD942}" destId="{F6519F10-B02A-47FA-B413-DA8D1BF33081}" srcOrd="0" destOrd="0" presId="urn:microsoft.com/office/officeart/2005/8/layout/process5"/>
+    <dgm:cxn modelId="{C1D4E011-3261-40E0-8FA4-2433A03F0D86}" type="presOf" srcId="{C72073BC-2E4A-4F54-9B30-DFB798D4E4B8}" destId="{AEB2E1E8-B72C-42CB-B6E1-CAF6070344D2}" srcOrd="0" destOrd="0" presId="urn:microsoft.com/office/officeart/2005/8/layout/process5"/>
+    <dgm:cxn modelId="{E5D9F1C1-589E-4A02-9C66-C6283CEDFF4E}" srcId="{E4C3E646-5F06-4E1C-A410-067D035DD942}" destId="{29842897-B043-4502-A76C-193856E0EE0A}" srcOrd="0" destOrd="0" parTransId="{5EA64D11-BE02-4838-9DAF-F72746786B90}" sibTransId="{B13480CC-67FA-4EAB-8D96-FBEBA917FEE3}"/>
     <dgm:cxn modelId="{EAADD5B6-AE8C-42C4-B3F7-612310A9BECE}" type="presOf" srcId="{B13480CC-67FA-4EAB-8D96-FBEBA917FEE3}" destId="{E9130766-CEE1-4C36-97D5-6406896ECF89}" srcOrd="0" destOrd="0" presId="urn:microsoft.com/office/officeart/2005/8/layout/process5"/>
-    <dgm:cxn modelId="{8C139955-A3B3-422A-A3F9-A723AE7CFEAE}" type="presOf" srcId="{29842897-B043-4502-A76C-193856E0EE0A}" destId="{8FCF4600-E308-47EC-8E0D-F5DF453C3E7E}" srcOrd="0" destOrd="0" presId="urn:microsoft.com/office/officeart/2005/8/layout/process5"/>
+    <dgm:cxn modelId="{F0F12EB9-3C03-4CA6-897A-73B32B6E0D9A}" type="presOf" srcId="{B13480CC-67FA-4EAB-8D96-FBEBA917FEE3}" destId="{E9A08C06-9515-454E-98D8-051CFF64B024}" srcOrd="1" destOrd="0" presId="urn:microsoft.com/office/officeart/2005/8/layout/process5"/>
     <dgm:cxn modelId="{FE667991-C31D-49B2-860D-73249891C5C7}" srcId="{E4C3E646-5F06-4E1C-A410-067D035DD942}" destId="{FBD04ACA-9A93-4F32-866C-05B756AC52E1}" srcOrd="1" destOrd="0" parTransId="{D61D01A5-D620-4D8F-AE76-FEE06E4F63D4}" sibTransId="{112B61E5-5670-4AEF-AF14-741C770E2256}"/>
-    <dgm:cxn modelId="{17CC22E3-4051-4EB6-A007-33306CBA19F8}" type="presOf" srcId="{0D272EBF-2C6F-4A9A-9BDC-C588604A624B}" destId="{9933852A-C6A7-41BD-A327-BD0B7827048C}" srcOrd="1" destOrd="0" presId="urn:microsoft.com/office/officeart/2005/8/layout/process5"/>
-    <dgm:cxn modelId="{8F1AB6E4-711F-46B0-9299-8EEC510662CB}" srcId="{E4C3E646-5F06-4E1C-A410-067D035DD942}" destId="{E12AAE9C-E3B6-4731-BB30-57CA61B11353}" srcOrd="5" destOrd="0" parTransId="{00CAB570-CAEC-4C4D-881B-3778098951B0}" sibTransId="{3A193EB8-BD7F-486F-B58C-7885C3702362}"/>
-    <dgm:cxn modelId="{0CCAA625-EA96-4B48-8E3B-17ECBCE9E05C}" type="presOf" srcId="{0D272EBF-2C6F-4A9A-9BDC-C588604A624B}" destId="{59FC832D-75B5-449C-BB9A-3B9AFCD2F858}" srcOrd="0" destOrd="0" presId="urn:microsoft.com/office/officeart/2005/8/layout/process5"/>
-    <dgm:cxn modelId="{3D693A00-D776-4E86-83D2-B15F7D776CE8}" type="presOf" srcId="{C72073BC-2E4A-4F54-9B30-DFB798D4E4B8}" destId="{AE0D9F84-F8BF-41EE-8E89-1AA64C629D7E}" srcOrd="1" destOrd="0" presId="urn:microsoft.com/office/officeart/2005/8/layout/process5"/>
-    <dgm:cxn modelId="{E9510B00-A228-4955-86DF-E1F7B8B6914B}" type="presOf" srcId="{BD0FD33C-297F-4A96-9D0C-528F7DEB24B3}" destId="{D9091EEB-2B11-4797-B5CC-AD11F5B26EF3}" srcOrd="0" destOrd="0" presId="urn:microsoft.com/office/officeart/2005/8/layout/process5"/>
-    <dgm:cxn modelId="{3A31C14E-F2F7-476A-9A51-782871163DDC}" srcId="{E4C3E646-5F06-4E1C-A410-067D035DD942}" destId="{08717D87-EE14-45EB-AF6F-6CC457F8885E}" srcOrd="4" destOrd="0" parTransId="{D108EF59-924C-4EFF-B82B-F7B9ECECFB04}" sibTransId="{C72073BC-2E4A-4F54-9B30-DFB798D4E4B8}"/>
-    <dgm:cxn modelId="{E59F62EF-EB23-4824-A273-74E96BB14245}" type="presOf" srcId="{BD0FD33C-297F-4A96-9D0C-528F7DEB24B3}" destId="{2ED15F88-8609-4AA8-A4CB-A9B043090030}" srcOrd="1" destOrd="0" presId="urn:microsoft.com/office/officeart/2005/8/layout/process5"/>
-    <dgm:cxn modelId="{C1D4E011-3261-40E0-8FA4-2433A03F0D86}" type="presOf" srcId="{C72073BC-2E4A-4F54-9B30-DFB798D4E4B8}" destId="{AEB2E1E8-B72C-42CB-B6E1-CAF6070344D2}" srcOrd="0" destOrd="0" presId="urn:microsoft.com/office/officeart/2005/8/layout/process5"/>
-    <dgm:cxn modelId="{3D951C6C-63A2-4867-8A8C-01FF46027E04}" srcId="{E4C3E646-5F06-4E1C-A410-067D035DD942}" destId="{85400579-6874-40E5-91FE-C378CB573F4C}" srcOrd="3" destOrd="0" parTransId="{655601E6-B928-44D5-9F19-75AD686335CE}" sibTransId="{BD0FD33C-297F-4A96-9D0C-528F7DEB24B3}"/>
     <dgm:cxn modelId="{3FD02F42-3996-4783-A698-4CDA4078FA99}" type="presOf" srcId="{E12AAE9C-E3B6-4731-BB30-57CA61B11353}" destId="{15821317-9378-4A2A-837E-EA744184CFBF}" srcOrd="0" destOrd="0" presId="urn:microsoft.com/office/officeart/2005/8/layout/process5"/>
-    <dgm:cxn modelId="{F0F12EB9-3C03-4CA6-897A-73B32B6E0D9A}" type="presOf" srcId="{B13480CC-67FA-4EAB-8D96-FBEBA917FEE3}" destId="{E9A08C06-9515-454E-98D8-051CFF64B024}" srcOrd="1" destOrd="0" presId="urn:microsoft.com/office/officeart/2005/8/layout/process5"/>
-    <dgm:cxn modelId="{C8B86683-451C-420E-B827-9EC7DBFF6C8B}" type="presOf" srcId="{85400579-6874-40E5-91FE-C378CB573F4C}" destId="{13B6EC65-79FD-4AEA-A9A0-75D5E08D8EEA}" srcOrd="0" destOrd="0" presId="urn:microsoft.com/office/officeart/2005/8/layout/process5"/>
-    <dgm:cxn modelId="{7F77A8EA-723E-4986-8C3D-FBCF7566DD5F}" type="presOf" srcId="{112B61E5-5670-4AEF-AF14-741C770E2256}" destId="{CAFEB5D0-F922-4B31-9BB3-7EA7B95E8C7B}" srcOrd="0" destOrd="0" presId="urn:microsoft.com/office/officeart/2005/8/layout/process5"/>
-    <dgm:cxn modelId="{7335127C-FF9F-4836-846B-1043A50EBC9D}" type="presOf" srcId="{8D035D97-F462-4312-98CE-9AD10E7D1F09}" destId="{24367F6C-90AE-4D5D-9B9E-354FD2C81A6D}" srcOrd="0" destOrd="0" presId="urn:microsoft.com/office/officeart/2005/8/layout/process5"/>
-    <dgm:cxn modelId="{6934D4F9-0B39-4557-ADBC-B847277A208D}" type="presOf" srcId="{112B61E5-5670-4AEF-AF14-741C770E2256}" destId="{A9229405-8C9F-4693-86CF-C35E1C79CDFE}" srcOrd="1" destOrd="0" presId="urn:microsoft.com/office/officeart/2005/8/layout/process5"/>
-    <dgm:cxn modelId="{B8209B5F-6D45-4CEB-9FE9-A25FE6A682B4}" type="presOf" srcId="{E4C3E646-5F06-4E1C-A410-067D035DD942}" destId="{F6519F10-B02A-47FA-B413-DA8D1BF33081}" srcOrd="0" destOrd="0" presId="urn:microsoft.com/office/officeart/2005/8/layout/process5"/>
-    <dgm:cxn modelId="{20DDDE8D-C1CB-42E8-A702-93697D0857D1}" srcId="{E4C3E646-5F06-4E1C-A410-067D035DD942}" destId="{8D035D97-F462-4312-98CE-9AD10E7D1F09}" srcOrd="2" destOrd="0" parTransId="{4F70D403-C2AE-4F51-82BC-7471C795EEA3}" sibTransId="{0D272EBF-2C6F-4A9A-9BDC-C588604A624B}"/>
-    <dgm:cxn modelId="{E5D9F1C1-589E-4A02-9C66-C6283CEDFF4E}" srcId="{E4C3E646-5F06-4E1C-A410-067D035DD942}" destId="{29842897-B043-4502-A76C-193856E0EE0A}" srcOrd="0" destOrd="0" parTransId="{5EA64D11-BE02-4838-9DAF-F72746786B90}" sibTransId="{B13480CC-67FA-4EAB-8D96-FBEBA917FEE3}"/>
-    <dgm:cxn modelId="{5FCF2057-B78D-4105-BB5E-A6D55E20D89F}" type="presOf" srcId="{08717D87-EE14-45EB-AF6F-6CC457F8885E}" destId="{B7B01841-0BF6-4E49-B28C-5EEECE7CFE81}" srcOrd="0" destOrd="0" presId="urn:microsoft.com/office/officeart/2005/8/layout/process5"/>
     <dgm:cxn modelId="{204387AD-8F8B-44A7-95DE-ADB79531EEF0}" type="presParOf" srcId="{F6519F10-B02A-47FA-B413-DA8D1BF33081}" destId="{8FCF4600-E308-47EC-8E0D-F5DF453C3E7E}" srcOrd="0" destOrd="0" presId="urn:microsoft.com/office/officeart/2005/8/layout/process5"/>
     <dgm:cxn modelId="{A4314EF7-8782-4F93-A05D-7754DFB38644}" type="presParOf" srcId="{F6519F10-B02A-47FA-B413-DA8D1BF33081}" destId="{E9130766-CEE1-4C36-97D5-6406896ECF89}" srcOrd="1" destOrd="0" presId="urn:microsoft.com/office/officeart/2005/8/layout/process5"/>
     <dgm:cxn modelId="{78C06CED-F361-4FE8-B0E1-61E7E586D9C6}" type="presParOf" srcId="{E9130766-CEE1-4C36-97D5-6406896ECF89}" destId="{E9A08C06-9515-454E-98D8-051CFF64B024}" srcOrd="0" destOrd="0" presId="urn:microsoft.com/office/officeart/2005/8/layout/process5"/>
@@ -6156,11 +6498,7 @@
         <a:p>
           <a:r>
             <a:rPr lang="en-CA" dirty="0" smtClean="0"/>
-            <a:t>Calculate P(Data |Healthy) and </a:t>
-          </a:r>
-          <a:r>
-            <a:rPr lang="en-CA" dirty="0" smtClean="0"/>
-            <a:t>P(Data |Schizophrenic)</a:t>
+            <a:t>Calculate P(Data |Healthy) and P(Data |Schizophrenic)</a:t>
           </a:r>
           <a:endParaRPr lang="en-CA" dirty="0"/>
         </a:p>
@@ -6345,6 +6683,13 @@
         </dgm:presLayoutVars>
       </dgm:prSet>
       <dgm:spPr/>
+      <dgm:t>
+        <a:bodyPr/>
+        <a:lstStyle/>
+        <a:p>
+          <a:endParaRPr lang="en-CA"/>
+        </a:p>
+      </dgm:t>
     </dgm:pt>
     <dgm:pt modelId="{E8879537-9AC7-474F-AA3F-51DA87413370}" type="pres">
       <dgm:prSet presAssocID="{F6F80375-4468-4581-B5E9-E5A242055821}" presName="composite" presStyleCnt="0"/>
@@ -6358,6 +6703,13 @@
         </dgm:presLayoutVars>
       </dgm:prSet>
       <dgm:spPr/>
+      <dgm:t>
+        <a:bodyPr/>
+        <a:lstStyle/>
+        <a:p>
+          <a:endParaRPr lang="en-CA"/>
+        </a:p>
+      </dgm:t>
     </dgm:pt>
     <dgm:pt modelId="{4DF7E6E1-9E43-41ED-A8F6-B41E4F5CB6FB}" type="pres">
       <dgm:prSet presAssocID="{F6F80375-4468-4581-B5E9-E5A242055821}" presName="descendantText" presStyleLbl="alignAcc1" presStyleIdx="0" presStyleCnt="4">
@@ -6501,8 +6853,8 @@
     <dgm:cxn modelId="{D2F61F82-72DD-47E1-8BD3-41B276258EB8}" type="presOf" srcId="{09608729-E2C8-48D1-9C70-F2871E1A7709}" destId="{AC6E3465-A46A-46B5-AFFE-71CB3691698C}" srcOrd="0" destOrd="0" presId="urn:microsoft.com/office/officeart/2005/8/layout/chevron2"/>
     <dgm:cxn modelId="{111654EB-5BA4-4E41-AACA-2630C980683F}" srcId="{F6F80375-4468-4581-B5E9-E5A242055821}" destId="{ED401379-2CEC-4FE3-830C-822433AC20C7}" srcOrd="0" destOrd="0" parTransId="{629C7BFD-04F2-4CE3-8AD7-44543F7335DA}" sibTransId="{17C875DF-D0E9-4216-8409-CF3F1D1B078C}"/>
     <dgm:cxn modelId="{672066BD-0CED-4E75-9067-76455341BC59}" srcId="{F6F80375-4468-4581-B5E9-E5A242055821}" destId="{D079174F-F405-4D44-858C-87922A2F4738}" srcOrd="1" destOrd="0" parTransId="{0CAE7BA4-41BA-4F6D-A736-919529C16329}" sibTransId="{E075D5C3-6AF1-48B7-BA6B-13F7B492F351}"/>
+    <dgm:cxn modelId="{7595F4F7-CDCD-4320-B9A2-E2F0A107B4B3}" type="presOf" srcId="{8513EE4B-F771-4E91-818A-1A96EB1621AC}" destId="{7ECFA9C8-8562-446E-87BF-DE3EB4253EB1}" srcOrd="0" destOrd="1" presId="urn:microsoft.com/office/officeart/2005/8/layout/chevron2"/>
     <dgm:cxn modelId="{92EF688C-2362-4643-96F6-BBFF2CEBDFDC}" srcId="{D512AFF2-9D71-4244-AE0F-0A1F4B92D6B0}" destId="{8513EE4B-F771-4E91-818A-1A96EB1621AC}" srcOrd="1" destOrd="0" parTransId="{0C8037C1-3053-47CE-9481-73958C5B287B}" sibTransId="{10A5E6A1-4C5D-4DE0-82BB-A3C0E6A7AAE6}"/>
-    <dgm:cxn modelId="{7595F4F7-CDCD-4320-B9A2-E2F0A107B4B3}" type="presOf" srcId="{8513EE4B-F771-4E91-818A-1A96EB1621AC}" destId="{7ECFA9C8-8562-446E-87BF-DE3EB4253EB1}" srcOrd="0" destOrd="1" presId="urn:microsoft.com/office/officeart/2005/8/layout/chevron2"/>
     <dgm:cxn modelId="{8A587390-9559-4572-90FA-4AF2EF0F2578}" type="presOf" srcId="{C9EF4A46-5DBB-444E-BE05-4B1040FF2471}" destId="{AC6E3465-A46A-46B5-AFFE-71CB3691698C}" srcOrd="0" destOrd="1" presId="urn:microsoft.com/office/officeart/2005/8/layout/chevron2"/>
     <dgm:cxn modelId="{D804494B-991F-4E5C-B282-9013A06A9B7E}" type="presOf" srcId="{D512AFF2-9D71-4244-AE0F-0A1F4B92D6B0}" destId="{4769227C-CFDE-4092-8F97-6295DB980FB9}" srcOrd="0" destOrd="0" presId="urn:microsoft.com/office/officeart/2005/8/layout/chevron2"/>
     <dgm:cxn modelId="{25D86558-7F10-4807-AE53-D49F2D008D43}" srcId="{8B7003DF-0BCD-4026-BF89-ED91415E4DB9}" destId="{09608729-E2C8-48D1-9C70-F2871E1A7709}" srcOrd="0" destOrd="0" parTransId="{67C119EC-F60F-46BA-8ADB-BCAB2130E411}" sibTransId="{425CCC40-B7CB-49FC-955B-B0D24E27BAB6}"/>
@@ -9553,7 +9905,7 @@
         </a:bodyPr>
         <a:lstStyle/>
         <a:p>
-          <a:pPr lvl="0" algn="ctr" defTabSz="844550">
+          <a:pPr lvl="0" algn="ctr" defTabSz="44450">
             <a:lnSpc>
               <a:spcPct val="90000"/>
             </a:lnSpc>
@@ -9564,7 +9916,7 @@
               <a:spcPct val="35000"/>
             </a:spcAft>
           </a:pPr>
-          <a:endParaRPr lang="en-CA" sz="1900" kern="1200"/>
+          <a:endParaRPr lang="en-CA" sz="100" kern="1200"/>
         </a:p>
       </dsp:txBody>
       <dsp:txXfrm>
@@ -9702,7 +10054,7 @@
         </a:bodyPr>
         <a:lstStyle/>
         <a:p>
-          <a:pPr lvl="0" algn="ctr" defTabSz="844550">
+          <a:pPr lvl="0" algn="ctr" defTabSz="44450">
             <a:lnSpc>
               <a:spcPct val="90000"/>
             </a:lnSpc>
@@ -9713,7 +10065,7 @@
               <a:spcPct val="35000"/>
             </a:spcAft>
           </a:pPr>
-          <a:endParaRPr lang="en-CA" sz="1900" kern="1200"/>
+          <a:endParaRPr lang="en-CA" sz="100" kern="1200"/>
         </a:p>
       </dsp:txBody>
       <dsp:txXfrm rot="-5400000">
@@ -9851,7 +10203,7 @@
         </a:bodyPr>
         <a:lstStyle/>
         <a:p>
-          <a:pPr lvl="0" algn="ctr" defTabSz="844550">
+          <a:pPr lvl="0" algn="ctr" defTabSz="44450">
             <a:lnSpc>
               <a:spcPct val="90000"/>
             </a:lnSpc>
@@ -9862,7 +10214,7 @@
               <a:spcPct val="35000"/>
             </a:spcAft>
           </a:pPr>
-          <a:endParaRPr lang="en-CA" sz="1900" kern="1200"/>
+          <a:endParaRPr lang="en-CA" sz="100" kern="1200"/>
         </a:p>
       </dsp:txBody>
       <dsp:txXfrm rot="10800000">
@@ -10008,7 +10360,7 @@
         </a:bodyPr>
         <a:lstStyle/>
         <a:p>
-          <a:pPr lvl="0" algn="ctr" defTabSz="844550">
+          <a:pPr lvl="0" algn="ctr" defTabSz="44450">
             <a:lnSpc>
               <a:spcPct val="90000"/>
             </a:lnSpc>
@@ -10019,7 +10371,7 @@
               <a:spcPct val="35000"/>
             </a:spcAft>
           </a:pPr>
-          <a:endParaRPr lang="en-CA" sz="1900" kern="1200"/>
+          <a:endParaRPr lang="en-CA" sz="100" kern="1200"/>
         </a:p>
       </dsp:txBody>
       <dsp:txXfrm rot="10800000">
@@ -10767,11 +11119,7 @@
           </a:pPr>
           <a:r>
             <a:rPr lang="en-CA" sz="1800" kern="1200" dirty="0" smtClean="0"/>
-            <a:t>Calculate P(Data |Healthy) and </a:t>
-          </a:r>
-          <a:r>
-            <a:rPr lang="en-CA" sz="1800" kern="1200" dirty="0" smtClean="0"/>
-            <a:t>P(Data |Schizophrenic)</a:t>
+            <a:t>Calculate P(Data |Healthy) and P(Data |Schizophrenic)</a:t>
           </a:r>
           <a:endParaRPr lang="en-CA" sz="1800" kern="1200" dirty="0"/>
         </a:p>
@@ -15952,7 +16300,7 @@
           <a:p>
             <a:fld id="{90CC9F51-805A-42EA-957F-DD7368F11935}" type="datetimeFigureOut">
               <a:rPr lang="en-CA" smtClean="0"/>
-              <a:t>01/04/2016</a:t>
+              <a:t>13/04/2016</a:t>
             </a:fld>
             <a:endParaRPr lang="en-CA"/>
           </a:p>
@@ -16122,7 +16470,7 @@
           <a:p>
             <a:fld id="{90CC9F51-805A-42EA-957F-DD7368F11935}" type="datetimeFigureOut">
               <a:rPr lang="en-CA" smtClean="0"/>
-              <a:t>01/04/2016</a:t>
+              <a:t>13/04/2016</a:t>
             </a:fld>
             <a:endParaRPr lang="en-CA"/>
           </a:p>
@@ -16302,7 +16650,7 @@
           <a:p>
             <a:fld id="{90CC9F51-805A-42EA-957F-DD7368F11935}" type="datetimeFigureOut">
               <a:rPr lang="en-CA" smtClean="0"/>
-              <a:t>01/04/2016</a:t>
+              <a:t>13/04/2016</a:t>
             </a:fld>
             <a:endParaRPr lang="en-CA"/>
           </a:p>
@@ -16472,7 +16820,7 @@
           <a:p>
             <a:fld id="{90CC9F51-805A-42EA-957F-DD7368F11935}" type="datetimeFigureOut">
               <a:rPr lang="en-CA" smtClean="0"/>
-              <a:t>01/04/2016</a:t>
+              <a:t>13/04/2016</a:t>
             </a:fld>
             <a:endParaRPr lang="en-CA"/>
           </a:p>
@@ -16718,7 +17066,7 @@
           <a:p>
             <a:fld id="{90CC9F51-805A-42EA-957F-DD7368F11935}" type="datetimeFigureOut">
               <a:rPr lang="en-CA" smtClean="0"/>
-              <a:t>01/04/2016</a:t>
+              <a:t>13/04/2016</a:t>
             </a:fld>
             <a:endParaRPr lang="en-CA"/>
           </a:p>
@@ -16950,7 +17298,7 @@
           <a:p>
             <a:fld id="{90CC9F51-805A-42EA-957F-DD7368F11935}" type="datetimeFigureOut">
               <a:rPr lang="en-CA" smtClean="0"/>
-              <a:t>01/04/2016</a:t>
+              <a:t>13/04/2016</a:t>
             </a:fld>
             <a:endParaRPr lang="en-CA"/>
           </a:p>
@@ -17317,7 +17665,7 @@
           <a:p>
             <a:fld id="{90CC9F51-805A-42EA-957F-DD7368F11935}" type="datetimeFigureOut">
               <a:rPr lang="en-CA" smtClean="0"/>
-              <a:t>01/04/2016</a:t>
+              <a:t>13/04/2016</a:t>
             </a:fld>
             <a:endParaRPr lang="en-CA"/>
           </a:p>
@@ -17435,7 +17783,7 @@
           <a:p>
             <a:fld id="{90CC9F51-805A-42EA-957F-DD7368F11935}" type="datetimeFigureOut">
               <a:rPr lang="en-CA" smtClean="0"/>
-              <a:t>01/04/2016</a:t>
+              <a:t>13/04/2016</a:t>
             </a:fld>
             <a:endParaRPr lang="en-CA"/>
           </a:p>
@@ -17530,7 +17878,7 @@
           <a:p>
             <a:fld id="{90CC9F51-805A-42EA-957F-DD7368F11935}" type="datetimeFigureOut">
               <a:rPr lang="en-CA" smtClean="0"/>
-              <a:t>01/04/2016</a:t>
+              <a:t>13/04/2016</a:t>
             </a:fld>
             <a:endParaRPr lang="en-CA"/>
           </a:p>
@@ -17807,7 +18155,7 @@
           <a:p>
             <a:fld id="{90CC9F51-805A-42EA-957F-DD7368F11935}" type="datetimeFigureOut">
               <a:rPr lang="en-CA" smtClean="0"/>
-              <a:t>01/04/2016</a:t>
+              <a:t>13/04/2016</a:t>
             </a:fld>
             <a:endParaRPr lang="en-CA"/>
           </a:p>
@@ -18060,7 +18408,7 @@
           <a:p>
             <a:fld id="{90CC9F51-805A-42EA-957F-DD7368F11935}" type="datetimeFigureOut">
               <a:rPr lang="en-CA" smtClean="0"/>
-              <a:t>01/04/2016</a:t>
+              <a:t>13/04/2016</a:t>
             </a:fld>
             <a:endParaRPr lang="en-CA"/>
           </a:p>
@@ -18273,7 +18621,7 @@
           <a:p>
             <a:fld id="{90CC9F51-805A-42EA-957F-DD7368F11935}" type="datetimeFigureOut">
               <a:rPr lang="en-CA" smtClean="0"/>
-              <a:t>01/04/2016</a:t>
+              <a:t>13/04/2016</a:t>
             </a:fld>
             <a:endParaRPr lang="en-CA"/>
           </a:p>
@@ -18726,6 +19074,2703 @@
   <p:clrMapOvr>
     <a:masterClrMapping/>
   </p:clrMapOvr>
+</p:sld>
+</file>
+
+<file path=ppt/slides/slide10.xml><?xml version="1.0" encoding="utf-8"?>
+<p:sld xmlns:a="http://schemas.openxmlformats.org/drawingml/2006/main" xmlns:r="http://schemas.openxmlformats.org/officeDocument/2006/relationships" xmlns:p="http://schemas.openxmlformats.org/presentationml/2006/main">
+  <p:cSld>
+    <p:spTree>
+      <p:nvGrpSpPr>
+        <p:cNvPr id="1" name=""/>
+        <p:cNvGrpSpPr/>
+        <p:nvPr/>
+      </p:nvGrpSpPr>
+      <p:grpSpPr>
+        <a:xfrm>
+          <a:off x="0" y="0"/>
+          <a:ext cx="0" cy="0"/>
+          <a:chOff x="0" y="0"/>
+          <a:chExt cx="0" cy="0"/>
+        </a:xfrm>
+      </p:grpSpPr>
+      <p:sp>
+        <p:nvSpPr>
+          <p:cNvPr id="4" name="Oval 3"/>
+          <p:cNvSpPr/>
+          <p:nvPr/>
+        </p:nvSpPr>
+        <p:spPr>
+          <a:xfrm>
+            <a:off x="1700011" y="2112136"/>
+            <a:ext cx="373488" cy="347730"/>
+          </a:xfrm>
+          <a:prstGeom prst="ellipse">
+            <a:avLst/>
+          </a:prstGeom>
+        </p:spPr>
+        <p:style>
+          <a:lnRef idx="2">
+            <a:schemeClr val="accent6"/>
+          </a:lnRef>
+          <a:fillRef idx="1">
+            <a:schemeClr val="lt1"/>
+          </a:fillRef>
+          <a:effectRef idx="0">
+            <a:schemeClr val="accent6"/>
+          </a:effectRef>
+          <a:fontRef idx="minor">
+            <a:schemeClr val="dk1"/>
+          </a:fontRef>
+        </p:style>
+        <p:txBody>
+          <a:bodyPr rtlCol="0" anchor="ctr"/>
+          <a:lstStyle/>
+          <a:p>
+            <a:pPr algn="ctr"/>
+            <a:r>
+              <a:rPr lang="en-CA" dirty="0" smtClean="0"/>
+              <a:t>3</a:t>
+            </a:r>
+            <a:endParaRPr lang="en-CA" dirty="0"/>
+          </a:p>
+        </p:txBody>
+      </p:sp>
+      <p:sp>
+        <p:nvSpPr>
+          <p:cNvPr id="5" name="TextBox 4"/>
+          <p:cNvSpPr txBox="1"/>
+          <p:nvPr/>
+        </p:nvSpPr>
+        <p:spPr>
+          <a:xfrm>
+            <a:off x="1459105" y="1742804"/>
+            <a:ext cx="855299" cy="369332"/>
+          </a:xfrm>
+          <a:prstGeom prst="rect">
+            <a:avLst/>
+          </a:prstGeom>
+          <a:noFill/>
+        </p:spPr>
+        <p:txBody>
+          <a:bodyPr wrap="none" rtlCol="0">
+            <a:spAutoFit/>
+          </a:bodyPr>
+          <a:lstStyle/>
+          <a:p>
+            <a:r>
+              <a:rPr lang="en-CA" dirty="0" smtClean="0"/>
+              <a:t>Voxel 1</a:t>
+            </a:r>
+            <a:endParaRPr lang="en-CA" dirty="0"/>
+          </a:p>
+        </p:txBody>
+      </p:sp>
+      <p:sp>
+        <p:nvSpPr>
+          <p:cNvPr id="6" name="Rectangle 5"/>
+          <p:cNvSpPr/>
+          <p:nvPr/>
+        </p:nvSpPr>
+        <p:spPr>
+          <a:xfrm>
+            <a:off x="521498" y="2112136"/>
+            <a:ext cx="1018677" cy="369332"/>
+          </a:xfrm>
+          <a:prstGeom prst="rect">
+            <a:avLst/>
+          </a:prstGeom>
+        </p:spPr>
+        <p:txBody>
+          <a:bodyPr wrap="none">
+            <a:spAutoFit/>
+          </a:bodyPr>
+          <a:lstStyle/>
+          <a:p>
+            <a:r>
+              <a:rPr lang="en-CA" dirty="0" smtClean="0"/>
+              <a:t>Patient </a:t>
+            </a:r>
+            <a:r>
+              <a:rPr lang="en-CA" dirty="0"/>
+              <a:t>1</a:t>
+            </a:r>
+            <a:endParaRPr lang="en-CA" dirty="0"/>
+          </a:p>
+        </p:txBody>
+      </p:sp>
+      <p:sp>
+        <p:nvSpPr>
+          <p:cNvPr id="7" name="Oval 6"/>
+          <p:cNvSpPr/>
+          <p:nvPr/>
+        </p:nvSpPr>
+        <p:spPr>
+          <a:xfrm>
+            <a:off x="2483471" y="2097109"/>
+            <a:ext cx="373488" cy="347730"/>
+          </a:xfrm>
+          <a:prstGeom prst="ellipse">
+            <a:avLst/>
+          </a:prstGeom>
+        </p:spPr>
+        <p:style>
+          <a:lnRef idx="2">
+            <a:schemeClr val="accent6"/>
+          </a:lnRef>
+          <a:fillRef idx="1">
+            <a:schemeClr val="lt1"/>
+          </a:fillRef>
+          <a:effectRef idx="0">
+            <a:schemeClr val="accent6"/>
+          </a:effectRef>
+          <a:fontRef idx="minor">
+            <a:schemeClr val="dk1"/>
+          </a:fontRef>
+        </p:style>
+        <p:txBody>
+          <a:bodyPr rtlCol="0" anchor="ctr"/>
+          <a:lstStyle/>
+          <a:p>
+            <a:pPr algn="ctr"/>
+            <a:r>
+              <a:rPr lang="en-CA" dirty="0"/>
+              <a:t>2</a:t>
+            </a:r>
+            <a:endParaRPr lang="en-CA" dirty="0"/>
+          </a:p>
+        </p:txBody>
+      </p:sp>
+      <p:sp>
+        <p:nvSpPr>
+          <p:cNvPr id="8" name="TextBox 7"/>
+          <p:cNvSpPr txBox="1"/>
+          <p:nvPr/>
+        </p:nvSpPr>
+        <p:spPr>
+          <a:xfrm>
+            <a:off x="2242565" y="1727777"/>
+            <a:ext cx="855299" cy="369332"/>
+          </a:xfrm>
+          <a:prstGeom prst="rect">
+            <a:avLst/>
+          </a:prstGeom>
+          <a:noFill/>
+        </p:spPr>
+        <p:txBody>
+          <a:bodyPr wrap="none" rtlCol="0">
+            <a:spAutoFit/>
+          </a:bodyPr>
+          <a:lstStyle/>
+          <a:p>
+            <a:r>
+              <a:rPr lang="en-CA" dirty="0" smtClean="0"/>
+              <a:t>Voxel 2</a:t>
+            </a:r>
+            <a:endParaRPr lang="en-CA" dirty="0"/>
+          </a:p>
+        </p:txBody>
+      </p:sp>
+      <p:sp>
+        <p:nvSpPr>
+          <p:cNvPr id="9" name="Oval 8"/>
+          <p:cNvSpPr/>
+          <p:nvPr/>
+        </p:nvSpPr>
+        <p:spPr>
+          <a:xfrm>
+            <a:off x="3321092" y="2097109"/>
+            <a:ext cx="373488" cy="347730"/>
+          </a:xfrm>
+          <a:prstGeom prst="ellipse">
+            <a:avLst/>
+          </a:prstGeom>
+        </p:spPr>
+        <p:style>
+          <a:lnRef idx="2">
+            <a:schemeClr val="accent6"/>
+          </a:lnRef>
+          <a:fillRef idx="1">
+            <a:schemeClr val="lt1"/>
+          </a:fillRef>
+          <a:effectRef idx="0">
+            <a:schemeClr val="accent6"/>
+          </a:effectRef>
+          <a:fontRef idx="minor">
+            <a:schemeClr val="dk1"/>
+          </a:fontRef>
+        </p:style>
+        <p:txBody>
+          <a:bodyPr rtlCol="0" anchor="ctr"/>
+          <a:lstStyle/>
+          <a:p>
+            <a:pPr algn="ctr"/>
+            <a:r>
+              <a:rPr lang="en-CA" dirty="0"/>
+              <a:t>2</a:t>
+            </a:r>
+            <a:endParaRPr lang="en-CA" dirty="0"/>
+          </a:p>
+        </p:txBody>
+      </p:sp>
+      <p:sp>
+        <p:nvSpPr>
+          <p:cNvPr id="10" name="TextBox 9"/>
+          <p:cNvSpPr txBox="1"/>
+          <p:nvPr/>
+        </p:nvSpPr>
+        <p:spPr>
+          <a:xfrm>
+            <a:off x="3080186" y="1727777"/>
+            <a:ext cx="855299" cy="369332"/>
+          </a:xfrm>
+          <a:prstGeom prst="rect">
+            <a:avLst/>
+          </a:prstGeom>
+          <a:noFill/>
+        </p:spPr>
+        <p:txBody>
+          <a:bodyPr wrap="none" rtlCol="0">
+            <a:spAutoFit/>
+          </a:bodyPr>
+          <a:lstStyle/>
+          <a:p>
+            <a:r>
+              <a:rPr lang="en-CA" dirty="0" smtClean="0"/>
+              <a:t>Voxel 3</a:t>
+            </a:r>
+            <a:endParaRPr lang="en-CA" dirty="0"/>
+          </a:p>
+        </p:txBody>
+      </p:sp>
+      <p:sp>
+        <p:nvSpPr>
+          <p:cNvPr id="11" name="Oval 10"/>
+          <p:cNvSpPr/>
+          <p:nvPr/>
+        </p:nvSpPr>
+        <p:spPr>
+          <a:xfrm>
+            <a:off x="1700010" y="2972870"/>
+            <a:ext cx="373488" cy="347730"/>
+          </a:xfrm>
+          <a:prstGeom prst="ellipse">
+            <a:avLst/>
+          </a:prstGeom>
+        </p:spPr>
+        <p:style>
+          <a:lnRef idx="2">
+            <a:schemeClr val="accent6"/>
+          </a:lnRef>
+          <a:fillRef idx="1">
+            <a:schemeClr val="lt1"/>
+          </a:fillRef>
+          <a:effectRef idx="0">
+            <a:schemeClr val="accent6"/>
+          </a:effectRef>
+          <a:fontRef idx="minor">
+            <a:schemeClr val="dk1"/>
+          </a:fontRef>
+        </p:style>
+        <p:txBody>
+          <a:bodyPr rtlCol="0" anchor="ctr"/>
+          <a:lstStyle/>
+          <a:p>
+            <a:pPr algn="ctr"/>
+            <a:r>
+              <a:rPr lang="en-CA" dirty="0" smtClean="0"/>
+              <a:t>5</a:t>
+            </a:r>
+            <a:endParaRPr lang="en-CA" dirty="0"/>
+          </a:p>
+        </p:txBody>
+      </p:sp>
+      <p:sp>
+        <p:nvSpPr>
+          <p:cNvPr id="12" name="Rectangle 11"/>
+          <p:cNvSpPr/>
+          <p:nvPr/>
+        </p:nvSpPr>
+        <p:spPr>
+          <a:xfrm>
+            <a:off x="521497" y="2972870"/>
+            <a:ext cx="1023485" cy="369332"/>
+          </a:xfrm>
+          <a:prstGeom prst="rect">
+            <a:avLst/>
+          </a:prstGeom>
+        </p:spPr>
+        <p:txBody>
+          <a:bodyPr wrap="none">
+            <a:spAutoFit/>
+          </a:bodyPr>
+          <a:lstStyle/>
+          <a:p>
+            <a:r>
+              <a:rPr lang="en-CA" dirty="0" smtClean="0"/>
+              <a:t>Patient n</a:t>
+            </a:r>
+            <a:endParaRPr lang="en-CA" dirty="0"/>
+          </a:p>
+        </p:txBody>
+      </p:sp>
+      <p:sp>
+        <p:nvSpPr>
+          <p:cNvPr id="13" name="Oval 12"/>
+          <p:cNvSpPr/>
+          <p:nvPr/>
+        </p:nvSpPr>
+        <p:spPr>
+          <a:xfrm>
+            <a:off x="2483470" y="2957843"/>
+            <a:ext cx="373488" cy="347730"/>
+          </a:xfrm>
+          <a:prstGeom prst="ellipse">
+            <a:avLst/>
+          </a:prstGeom>
+        </p:spPr>
+        <p:style>
+          <a:lnRef idx="2">
+            <a:schemeClr val="accent6"/>
+          </a:lnRef>
+          <a:fillRef idx="1">
+            <a:schemeClr val="lt1"/>
+          </a:fillRef>
+          <a:effectRef idx="0">
+            <a:schemeClr val="accent6"/>
+          </a:effectRef>
+          <a:fontRef idx="minor">
+            <a:schemeClr val="dk1"/>
+          </a:fontRef>
+        </p:style>
+        <p:txBody>
+          <a:bodyPr rtlCol="0" anchor="ctr"/>
+          <a:lstStyle/>
+          <a:p>
+            <a:pPr algn="ctr"/>
+            <a:r>
+              <a:rPr lang="en-CA" dirty="0" smtClean="0"/>
+              <a:t>0</a:t>
+            </a:r>
+            <a:endParaRPr lang="en-CA" dirty="0"/>
+          </a:p>
+        </p:txBody>
+      </p:sp>
+      <p:sp>
+        <p:nvSpPr>
+          <p:cNvPr id="14" name="Oval 13"/>
+          <p:cNvSpPr/>
+          <p:nvPr/>
+        </p:nvSpPr>
+        <p:spPr>
+          <a:xfrm>
+            <a:off x="3321091" y="2957843"/>
+            <a:ext cx="373488" cy="347730"/>
+          </a:xfrm>
+          <a:prstGeom prst="ellipse">
+            <a:avLst/>
+          </a:prstGeom>
+        </p:spPr>
+        <p:style>
+          <a:lnRef idx="2">
+            <a:schemeClr val="accent6"/>
+          </a:lnRef>
+          <a:fillRef idx="1">
+            <a:schemeClr val="lt1"/>
+          </a:fillRef>
+          <a:effectRef idx="0">
+            <a:schemeClr val="accent6"/>
+          </a:effectRef>
+          <a:fontRef idx="minor">
+            <a:schemeClr val="dk1"/>
+          </a:fontRef>
+        </p:style>
+        <p:txBody>
+          <a:bodyPr rtlCol="0" anchor="ctr"/>
+          <a:lstStyle/>
+          <a:p>
+            <a:pPr algn="ctr"/>
+            <a:r>
+              <a:rPr lang="en-CA" dirty="0" smtClean="0"/>
+              <a:t>1</a:t>
+            </a:r>
+            <a:endParaRPr lang="en-CA" dirty="0"/>
+          </a:p>
+        </p:txBody>
+      </p:sp>
+      <p:sp>
+        <p:nvSpPr>
+          <p:cNvPr id="15" name="Oval 14"/>
+          <p:cNvSpPr/>
+          <p:nvPr/>
+        </p:nvSpPr>
+        <p:spPr>
+          <a:xfrm>
+            <a:off x="1849872" y="2552129"/>
+            <a:ext cx="53990" cy="54590"/>
+          </a:xfrm>
+          <a:prstGeom prst="ellipse">
+            <a:avLst/>
+          </a:prstGeom>
+        </p:spPr>
+        <p:style>
+          <a:lnRef idx="2">
+            <a:schemeClr val="dk1">
+              <a:shade val="50000"/>
+            </a:schemeClr>
+          </a:lnRef>
+          <a:fillRef idx="1">
+            <a:schemeClr val="dk1"/>
+          </a:fillRef>
+          <a:effectRef idx="0">
+            <a:schemeClr val="dk1"/>
+          </a:effectRef>
+          <a:fontRef idx="minor">
+            <a:schemeClr val="lt1"/>
+          </a:fontRef>
+        </p:style>
+        <p:txBody>
+          <a:bodyPr rtlCol="0" anchor="ctr"/>
+          <a:lstStyle/>
+          <a:p>
+            <a:pPr algn="ctr"/>
+            <a:endParaRPr lang="en-CA"/>
+          </a:p>
+        </p:txBody>
+      </p:sp>
+      <p:sp>
+        <p:nvSpPr>
+          <p:cNvPr id="16" name="Oval 15"/>
+          <p:cNvSpPr/>
+          <p:nvPr/>
+        </p:nvSpPr>
+        <p:spPr>
+          <a:xfrm>
+            <a:off x="1852144" y="2704529"/>
+            <a:ext cx="53990" cy="54590"/>
+          </a:xfrm>
+          <a:prstGeom prst="ellipse">
+            <a:avLst/>
+          </a:prstGeom>
+        </p:spPr>
+        <p:style>
+          <a:lnRef idx="2">
+            <a:schemeClr val="dk1">
+              <a:shade val="50000"/>
+            </a:schemeClr>
+          </a:lnRef>
+          <a:fillRef idx="1">
+            <a:schemeClr val="dk1"/>
+          </a:fillRef>
+          <a:effectRef idx="0">
+            <a:schemeClr val="dk1"/>
+          </a:effectRef>
+          <a:fontRef idx="minor">
+            <a:schemeClr val="lt1"/>
+          </a:fontRef>
+        </p:style>
+        <p:txBody>
+          <a:bodyPr rtlCol="0" anchor="ctr"/>
+          <a:lstStyle/>
+          <a:p>
+            <a:pPr algn="ctr"/>
+            <a:endParaRPr lang="en-CA"/>
+          </a:p>
+        </p:txBody>
+      </p:sp>
+      <p:sp>
+        <p:nvSpPr>
+          <p:cNvPr id="17" name="Oval 16"/>
+          <p:cNvSpPr/>
+          <p:nvPr/>
+        </p:nvSpPr>
+        <p:spPr>
+          <a:xfrm>
+            <a:off x="1852144" y="2841009"/>
+            <a:ext cx="53990" cy="54590"/>
+          </a:xfrm>
+          <a:prstGeom prst="ellipse">
+            <a:avLst/>
+          </a:prstGeom>
+        </p:spPr>
+        <p:style>
+          <a:lnRef idx="2">
+            <a:schemeClr val="dk1">
+              <a:shade val="50000"/>
+            </a:schemeClr>
+          </a:lnRef>
+          <a:fillRef idx="1">
+            <a:schemeClr val="dk1"/>
+          </a:fillRef>
+          <a:effectRef idx="0">
+            <a:schemeClr val="dk1"/>
+          </a:effectRef>
+          <a:fontRef idx="minor">
+            <a:schemeClr val="lt1"/>
+          </a:fontRef>
+        </p:style>
+        <p:txBody>
+          <a:bodyPr rtlCol="0" anchor="ctr"/>
+          <a:lstStyle/>
+          <a:p>
+            <a:pPr algn="ctr"/>
+            <a:endParaRPr lang="en-CA"/>
+          </a:p>
+        </p:txBody>
+      </p:sp>
+      <p:sp>
+        <p:nvSpPr>
+          <p:cNvPr id="18" name="Oval 17"/>
+          <p:cNvSpPr/>
+          <p:nvPr/>
+        </p:nvSpPr>
+        <p:spPr>
+          <a:xfrm>
+            <a:off x="2623245" y="2540753"/>
+            <a:ext cx="53990" cy="54590"/>
+          </a:xfrm>
+          <a:prstGeom prst="ellipse">
+            <a:avLst/>
+          </a:prstGeom>
+        </p:spPr>
+        <p:style>
+          <a:lnRef idx="2">
+            <a:schemeClr val="dk1">
+              <a:shade val="50000"/>
+            </a:schemeClr>
+          </a:lnRef>
+          <a:fillRef idx="1">
+            <a:schemeClr val="dk1"/>
+          </a:fillRef>
+          <a:effectRef idx="0">
+            <a:schemeClr val="dk1"/>
+          </a:effectRef>
+          <a:fontRef idx="minor">
+            <a:schemeClr val="lt1"/>
+          </a:fontRef>
+        </p:style>
+        <p:txBody>
+          <a:bodyPr rtlCol="0" anchor="ctr"/>
+          <a:lstStyle/>
+          <a:p>
+            <a:pPr algn="ctr"/>
+            <a:endParaRPr lang="en-CA"/>
+          </a:p>
+        </p:txBody>
+      </p:sp>
+      <p:sp>
+        <p:nvSpPr>
+          <p:cNvPr id="19" name="Oval 18"/>
+          <p:cNvSpPr/>
+          <p:nvPr/>
+        </p:nvSpPr>
+        <p:spPr>
+          <a:xfrm>
+            <a:off x="2625517" y="2693153"/>
+            <a:ext cx="53990" cy="54590"/>
+          </a:xfrm>
+          <a:prstGeom prst="ellipse">
+            <a:avLst/>
+          </a:prstGeom>
+        </p:spPr>
+        <p:style>
+          <a:lnRef idx="2">
+            <a:schemeClr val="dk1">
+              <a:shade val="50000"/>
+            </a:schemeClr>
+          </a:lnRef>
+          <a:fillRef idx="1">
+            <a:schemeClr val="dk1"/>
+          </a:fillRef>
+          <a:effectRef idx="0">
+            <a:schemeClr val="dk1"/>
+          </a:effectRef>
+          <a:fontRef idx="minor">
+            <a:schemeClr val="lt1"/>
+          </a:fontRef>
+        </p:style>
+        <p:txBody>
+          <a:bodyPr rtlCol="0" anchor="ctr"/>
+          <a:lstStyle/>
+          <a:p>
+            <a:pPr algn="ctr"/>
+            <a:endParaRPr lang="en-CA"/>
+          </a:p>
+        </p:txBody>
+      </p:sp>
+      <p:sp>
+        <p:nvSpPr>
+          <p:cNvPr id="20" name="Oval 19"/>
+          <p:cNvSpPr/>
+          <p:nvPr/>
+        </p:nvSpPr>
+        <p:spPr>
+          <a:xfrm>
+            <a:off x="2625517" y="2829633"/>
+            <a:ext cx="53990" cy="54590"/>
+          </a:xfrm>
+          <a:prstGeom prst="ellipse">
+            <a:avLst/>
+          </a:prstGeom>
+        </p:spPr>
+        <p:style>
+          <a:lnRef idx="2">
+            <a:schemeClr val="dk1">
+              <a:shade val="50000"/>
+            </a:schemeClr>
+          </a:lnRef>
+          <a:fillRef idx="1">
+            <a:schemeClr val="dk1"/>
+          </a:fillRef>
+          <a:effectRef idx="0">
+            <a:schemeClr val="dk1"/>
+          </a:effectRef>
+          <a:fontRef idx="minor">
+            <a:schemeClr val="lt1"/>
+          </a:fontRef>
+        </p:style>
+        <p:txBody>
+          <a:bodyPr rtlCol="0" anchor="ctr"/>
+          <a:lstStyle/>
+          <a:p>
+            <a:pPr algn="ctr"/>
+            <a:endParaRPr lang="en-CA"/>
+          </a:p>
+        </p:txBody>
+      </p:sp>
+      <p:sp>
+        <p:nvSpPr>
+          <p:cNvPr id="21" name="Oval 20"/>
+          <p:cNvSpPr/>
+          <p:nvPr/>
+        </p:nvSpPr>
+        <p:spPr>
+          <a:xfrm>
+            <a:off x="3469406" y="2552129"/>
+            <a:ext cx="53990" cy="54590"/>
+          </a:xfrm>
+          <a:prstGeom prst="ellipse">
+            <a:avLst/>
+          </a:prstGeom>
+        </p:spPr>
+        <p:style>
+          <a:lnRef idx="2">
+            <a:schemeClr val="dk1">
+              <a:shade val="50000"/>
+            </a:schemeClr>
+          </a:lnRef>
+          <a:fillRef idx="1">
+            <a:schemeClr val="dk1"/>
+          </a:fillRef>
+          <a:effectRef idx="0">
+            <a:schemeClr val="dk1"/>
+          </a:effectRef>
+          <a:fontRef idx="minor">
+            <a:schemeClr val="lt1"/>
+          </a:fontRef>
+        </p:style>
+        <p:txBody>
+          <a:bodyPr rtlCol="0" anchor="ctr"/>
+          <a:lstStyle/>
+          <a:p>
+            <a:pPr algn="ctr"/>
+            <a:endParaRPr lang="en-CA"/>
+          </a:p>
+        </p:txBody>
+      </p:sp>
+      <p:sp>
+        <p:nvSpPr>
+          <p:cNvPr id="22" name="Oval 21"/>
+          <p:cNvSpPr/>
+          <p:nvPr/>
+        </p:nvSpPr>
+        <p:spPr>
+          <a:xfrm>
+            <a:off x="3471678" y="2704529"/>
+            <a:ext cx="53990" cy="54590"/>
+          </a:xfrm>
+          <a:prstGeom prst="ellipse">
+            <a:avLst/>
+          </a:prstGeom>
+        </p:spPr>
+        <p:style>
+          <a:lnRef idx="2">
+            <a:schemeClr val="dk1">
+              <a:shade val="50000"/>
+            </a:schemeClr>
+          </a:lnRef>
+          <a:fillRef idx="1">
+            <a:schemeClr val="dk1"/>
+          </a:fillRef>
+          <a:effectRef idx="0">
+            <a:schemeClr val="dk1"/>
+          </a:effectRef>
+          <a:fontRef idx="minor">
+            <a:schemeClr val="lt1"/>
+          </a:fontRef>
+        </p:style>
+        <p:txBody>
+          <a:bodyPr rtlCol="0" anchor="ctr"/>
+          <a:lstStyle/>
+          <a:p>
+            <a:pPr algn="ctr"/>
+            <a:endParaRPr lang="en-CA"/>
+          </a:p>
+        </p:txBody>
+      </p:sp>
+      <p:sp>
+        <p:nvSpPr>
+          <p:cNvPr id="23" name="Oval 22"/>
+          <p:cNvSpPr/>
+          <p:nvPr/>
+        </p:nvSpPr>
+        <p:spPr>
+          <a:xfrm>
+            <a:off x="3471678" y="2841009"/>
+            <a:ext cx="53990" cy="54590"/>
+          </a:xfrm>
+          <a:prstGeom prst="ellipse">
+            <a:avLst/>
+          </a:prstGeom>
+        </p:spPr>
+        <p:style>
+          <a:lnRef idx="2">
+            <a:schemeClr val="dk1">
+              <a:shade val="50000"/>
+            </a:schemeClr>
+          </a:lnRef>
+          <a:fillRef idx="1">
+            <a:schemeClr val="dk1"/>
+          </a:fillRef>
+          <a:effectRef idx="0">
+            <a:schemeClr val="dk1"/>
+          </a:effectRef>
+          <a:fontRef idx="minor">
+            <a:schemeClr val="lt1"/>
+          </a:fontRef>
+        </p:style>
+        <p:txBody>
+          <a:bodyPr rtlCol="0" anchor="ctr"/>
+          <a:lstStyle/>
+          <a:p>
+            <a:pPr algn="ctr"/>
+            <a:endParaRPr lang="en-CA"/>
+          </a:p>
+        </p:txBody>
+      </p:sp>
+      <p:sp>
+        <p:nvSpPr>
+          <p:cNvPr id="24" name="Oval 23"/>
+          <p:cNvSpPr/>
+          <p:nvPr/>
+        </p:nvSpPr>
+        <p:spPr>
+          <a:xfrm>
+            <a:off x="1717118" y="3619853"/>
+            <a:ext cx="373488" cy="347730"/>
+          </a:xfrm>
+          <a:prstGeom prst="ellipse">
+            <a:avLst/>
+          </a:prstGeom>
+        </p:spPr>
+        <p:style>
+          <a:lnRef idx="2">
+            <a:schemeClr val="accent6"/>
+          </a:lnRef>
+          <a:fillRef idx="1">
+            <a:schemeClr val="lt1"/>
+          </a:fillRef>
+          <a:effectRef idx="0">
+            <a:schemeClr val="accent6"/>
+          </a:effectRef>
+          <a:fontRef idx="minor">
+            <a:schemeClr val="dk1"/>
+          </a:fontRef>
+        </p:style>
+        <p:txBody>
+          <a:bodyPr rtlCol="0" anchor="ctr"/>
+          <a:lstStyle/>
+          <a:p>
+            <a:pPr algn="ctr"/>
+            <a:r>
+              <a:rPr lang="en-CA" dirty="0"/>
+              <a:t>2</a:t>
+            </a:r>
+            <a:endParaRPr lang="en-CA" dirty="0"/>
+          </a:p>
+        </p:txBody>
+      </p:sp>
+      <p:sp>
+        <p:nvSpPr>
+          <p:cNvPr id="25" name="Rectangle 24"/>
+          <p:cNvSpPr/>
+          <p:nvPr/>
+        </p:nvSpPr>
+        <p:spPr>
+          <a:xfrm>
+            <a:off x="538605" y="3619853"/>
+            <a:ext cx="1076449" cy="369332"/>
+          </a:xfrm>
+          <a:prstGeom prst="rect">
+            <a:avLst/>
+          </a:prstGeom>
+        </p:spPr>
+        <p:txBody>
+          <a:bodyPr wrap="none">
+            <a:spAutoFit/>
+          </a:bodyPr>
+          <a:lstStyle/>
+          <a:p>
+            <a:r>
+              <a:rPr lang="en-CA" dirty="0" smtClean="0"/>
+              <a:t>Healthy </a:t>
+            </a:r>
+            <a:r>
+              <a:rPr lang="en-CA" dirty="0"/>
+              <a:t>1</a:t>
+            </a:r>
+            <a:endParaRPr lang="en-CA" dirty="0"/>
+          </a:p>
+        </p:txBody>
+      </p:sp>
+      <p:sp>
+        <p:nvSpPr>
+          <p:cNvPr id="26" name="Oval 25"/>
+          <p:cNvSpPr/>
+          <p:nvPr/>
+        </p:nvSpPr>
+        <p:spPr>
+          <a:xfrm>
+            <a:off x="2500578" y="3604826"/>
+            <a:ext cx="373488" cy="347730"/>
+          </a:xfrm>
+          <a:prstGeom prst="ellipse">
+            <a:avLst/>
+          </a:prstGeom>
+        </p:spPr>
+        <p:style>
+          <a:lnRef idx="2">
+            <a:schemeClr val="accent6"/>
+          </a:lnRef>
+          <a:fillRef idx="1">
+            <a:schemeClr val="lt1"/>
+          </a:fillRef>
+          <a:effectRef idx="0">
+            <a:schemeClr val="accent6"/>
+          </a:effectRef>
+          <a:fontRef idx="minor">
+            <a:schemeClr val="dk1"/>
+          </a:fontRef>
+        </p:style>
+        <p:txBody>
+          <a:bodyPr rtlCol="0" anchor="ctr"/>
+          <a:lstStyle/>
+          <a:p>
+            <a:pPr algn="ctr"/>
+            <a:r>
+              <a:rPr lang="en-CA" dirty="0" smtClean="0"/>
+              <a:t>1</a:t>
+            </a:r>
+            <a:endParaRPr lang="en-CA" dirty="0"/>
+          </a:p>
+        </p:txBody>
+      </p:sp>
+      <p:sp>
+        <p:nvSpPr>
+          <p:cNvPr id="27" name="Oval 26"/>
+          <p:cNvSpPr/>
+          <p:nvPr/>
+        </p:nvSpPr>
+        <p:spPr>
+          <a:xfrm>
+            <a:off x="3338199" y="3604826"/>
+            <a:ext cx="373488" cy="347730"/>
+          </a:xfrm>
+          <a:prstGeom prst="ellipse">
+            <a:avLst/>
+          </a:prstGeom>
+        </p:spPr>
+        <p:style>
+          <a:lnRef idx="2">
+            <a:schemeClr val="accent6"/>
+          </a:lnRef>
+          <a:fillRef idx="1">
+            <a:schemeClr val="lt1"/>
+          </a:fillRef>
+          <a:effectRef idx="0">
+            <a:schemeClr val="accent6"/>
+          </a:effectRef>
+          <a:fontRef idx="minor">
+            <a:schemeClr val="dk1"/>
+          </a:fontRef>
+        </p:style>
+        <p:txBody>
+          <a:bodyPr rtlCol="0" anchor="ctr"/>
+          <a:lstStyle/>
+          <a:p>
+            <a:pPr algn="ctr"/>
+            <a:r>
+              <a:rPr lang="en-CA" dirty="0" smtClean="0"/>
+              <a:t>3</a:t>
+            </a:r>
+            <a:endParaRPr lang="en-CA" dirty="0"/>
+          </a:p>
+        </p:txBody>
+      </p:sp>
+      <p:sp>
+        <p:nvSpPr>
+          <p:cNvPr id="28" name="Oval 27"/>
+          <p:cNvSpPr/>
+          <p:nvPr/>
+        </p:nvSpPr>
+        <p:spPr>
+          <a:xfrm>
+            <a:off x="1717117" y="4480587"/>
+            <a:ext cx="373488" cy="347730"/>
+          </a:xfrm>
+          <a:prstGeom prst="ellipse">
+            <a:avLst/>
+          </a:prstGeom>
+        </p:spPr>
+        <p:style>
+          <a:lnRef idx="2">
+            <a:schemeClr val="accent6"/>
+          </a:lnRef>
+          <a:fillRef idx="1">
+            <a:schemeClr val="lt1"/>
+          </a:fillRef>
+          <a:effectRef idx="0">
+            <a:schemeClr val="accent6"/>
+          </a:effectRef>
+          <a:fontRef idx="minor">
+            <a:schemeClr val="dk1"/>
+          </a:fontRef>
+        </p:style>
+        <p:txBody>
+          <a:bodyPr rtlCol="0" anchor="ctr"/>
+          <a:lstStyle/>
+          <a:p>
+            <a:pPr algn="ctr"/>
+            <a:r>
+              <a:rPr lang="en-CA" dirty="0"/>
+              <a:t>3</a:t>
+            </a:r>
+            <a:endParaRPr lang="en-CA" dirty="0"/>
+          </a:p>
+        </p:txBody>
+      </p:sp>
+      <p:sp>
+        <p:nvSpPr>
+          <p:cNvPr id="29" name="Rectangle 28"/>
+          <p:cNvSpPr/>
+          <p:nvPr/>
+        </p:nvSpPr>
+        <p:spPr>
+          <a:xfrm>
+            <a:off x="538604" y="4480587"/>
+            <a:ext cx="1081258" cy="369332"/>
+          </a:xfrm>
+          <a:prstGeom prst="rect">
+            <a:avLst/>
+          </a:prstGeom>
+        </p:spPr>
+        <p:txBody>
+          <a:bodyPr wrap="none">
+            <a:spAutoFit/>
+          </a:bodyPr>
+          <a:lstStyle/>
+          <a:p>
+            <a:r>
+              <a:rPr lang="en-CA" dirty="0" smtClean="0"/>
+              <a:t>Healthy n</a:t>
+            </a:r>
+            <a:endParaRPr lang="en-CA" dirty="0"/>
+          </a:p>
+        </p:txBody>
+      </p:sp>
+      <p:sp>
+        <p:nvSpPr>
+          <p:cNvPr id="30" name="Oval 29"/>
+          <p:cNvSpPr/>
+          <p:nvPr/>
+        </p:nvSpPr>
+        <p:spPr>
+          <a:xfrm>
+            <a:off x="2500577" y="4465560"/>
+            <a:ext cx="373488" cy="347730"/>
+          </a:xfrm>
+          <a:prstGeom prst="ellipse">
+            <a:avLst/>
+          </a:prstGeom>
+        </p:spPr>
+        <p:style>
+          <a:lnRef idx="2">
+            <a:schemeClr val="accent6"/>
+          </a:lnRef>
+          <a:fillRef idx="1">
+            <a:schemeClr val="lt1"/>
+          </a:fillRef>
+          <a:effectRef idx="0">
+            <a:schemeClr val="accent6"/>
+          </a:effectRef>
+          <a:fontRef idx="minor">
+            <a:schemeClr val="dk1"/>
+          </a:fontRef>
+        </p:style>
+        <p:txBody>
+          <a:bodyPr rtlCol="0" anchor="ctr"/>
+          <a:lstStyle/>
+          <a:p>
+            <a:pPr algn="ctr"/>
+            <a:r>
+              <a:rPr lang="en-CA" dirty="0" smtClean="0"/>
+              <a:t>3</a:t>
+            </a:r>
+            <a:endParaRPr lang="en-CA" dirty="0"/>
+          </a:p>
+        </p:txBody>
+      </p:sp>
+      <p:sp>
+        <p:nvSpPr>
+          <p:cNvPr id="31" name="Oval 30"/>
+          <p:cNvSpPr/>
+          <p:nvPr/>
+        </p:nvSpPr>
+        <p:spPr>
+          <a:xfrm>
+            <a:off x="3338198" y="4465560"/>
+            <a:ext cx="373488" cy="347730"/>
+          </a:xfrm>
+          <a:prstGeom prst="ellipse">
+            <a:avLst/>
+          </a:prstGeom>
+        </p:spPr>
+        <p:style>
+          <a:lnRef idx="2">
+            <a:schemeClr val="accent6"/>
+          </a:lnRef>
+          <a:fillRef idx="1">
+            <a:schemeClr val="lt1"/>
+          </a:fillRef>
+          <a:effectRef idx="0">
+            <a:schemeClr val="accent6"/>
+          </a:effectRef>
+          <a:fontRef idx="minor">
+            <a:schemeClr val="dk1"/>
+          </a:fontRef>
+        </p:style>
+        <p:txBody>
+          <a:bodyPr rtlCol="0" anchor="ctr"/>
+          <a:lstStyle/>
+          <a:p>
+            <a:pPr algn="ctr"/>
+            <a:r>
+              <a:rPr lang="en-CA" dirty="0"/>
+              <a:t>0</a:t>
+            </a:r>
+            <a:endParaRPr lang="en-CA" dirty="0"/>
+          </a:p>
+        </p:txBody>
+      </p:sp>
+      <p:sp>
+        <p:nvSpPr>
+          <p:cNvPr id="32" name="Oval 31"/>
+          <p:cNvSpPr/>
+          <p:nvPr/>
+        </p:nvSpPr>
+        <p:spPr>
+          <a:xfrm>
+            <a:off x="1866979" y="4059846"/>
+            <a:ext cx="53990" cy="54590"/>
+          </a:xfrm>
+          <a:prstGeom prst="ellipse">
+            <a:avLst/>
+          </a:prstGeom>
+        </p:spPr>
+        <p:style>
+          <a:lnRef idx="2">
+            <a:schemeClr val="dk1">
+              <a:shade val="50000"/>
+            </a:schemeClr>
+          </a:lnRef>
+          <a:fillRef idx="1">
+            <a:schemeClr val="dk1"/>
+          </a:fillRef>
+          <a:effectRef idx="0">
+            <a:schemeClr val="dk1"/>
+          </a:effectRef>
+          <a:fontRef idx="minor">
+            <a:schemeClr val="lt1"/>
+          </a:fontRef>
+        </p:style>
+        <p:txBody>
+          <a:bodyPr rtlCol="0" anchor="ctr"/>
+          <a:lstStyle/>
+          <a:p>
+            <a:pPr algn="ctr"/>
+            <a:endParaRPr lang="en-CA"/>
+          </a:p>
+        </p:txBody>
+      </p:sp>
+      <p:sp>
+        <p:nvSpPr>
+          <p:cNvPr id="33" name="Oval 32"/>
+          <p:cNvSpPr/>
+          <p:nvPr/>
+        </p:nvSpPr>
+        <p:spPr>
+          <a:xfrm>
+            <a:off x="1869251" y="4212246"/>
+            <a:ext cx="53990" cy="54590"/>
+          </a:xfrm>
+          <a:prstGeom prst="ellipse">
+            <a:avLst/>
+          </a:prstGeom>
+        </p:spPr>
+        <p:style>
+          <a:lnRef idx="2">
+            <a:schemeClr val="dk1">
+              <a:shade val="50000"/>
+            </a:schemeClr>
+          </a:lnRef>
+          <a:fillRef idx="1">
+            <a:schemeClr val="dk1"/>
+          </a:fillRef>
+          <a:effectRef idx="0">
+            <a:schemeClr val="dk1"/>
+          </a:effectRef>
+          <a:fontRef idx="minor">
+            <a:schemeClr val="lt1"/>
+          </a:fontRef>
+        </p:style>
+        <p:txBody>
+          <a:bodyPr rtlCol="0" anchor="ctr"/>
+          <a:lstStyle/>
+          <a:p>
+            <a:pPr algn="ctr"/>
+            <a:endParaRPr lang="en-CA"/>
+          </a:p>
+        </p:txBody>
+      </p:sp>
+      <p:sp>
+        <p:nvSpPr>
+          <p:cNvPr id="34" name="Oval 33"/>
+          <p:cNvSpPr/>
+          <p:nvPr/>
+        </p:nvSpPr>
+        <p:spPr>
+          <a:xfrm>
+            <a:off x="1869251" y="4348726"/>
+            <a:ext cx="53990" cy="54590"/>
+          </a:xfrm>
+          <a:prstGeom prst="ellipse">
+            <a:avLst/>
+          </a:prstGeom>
+        </p:spPr>
+        <p:style>
+          <a:lnRef idx="2">
+            <a:schemeClr val="dk1">
+              <a:shade val="50000"/>
+            </a:schemeClr>
+          </a:lnRef>
+          <a:fillRef idx="1">
+            <a:schemeClr val="dk1"/>
+          </a:fillRef>
+          <a:effectRef idx="0">
+            <a:schemeClr val="dk1"/>
+          </a:effectRef>
+          <a:fontRef idx="minor">
+            <a:schemeClr val="lt1"/>
+          </a:fontRef>
+        </p:style>
+        <p:txBody>
+          <a:bodyPr rtlCol="0" anchor="ctr"/>
+          <a:lstStyle/>
+          <a:p>
+            <a:pPr algn="ctr"/>
+            <a:endParaRPr lang="en-CA"/>
+          </a:p>
+        </p:txBody>
+      </p:sp>
+      <p:sp>
+        <p:nvSpPr>
+          <p:cNvPr id="35" name="Oval 34"/>
+          <p:cNvSpPr/>
+          <p:nvPr/>
+        </p:nvSpPr>
+        <p:spPr>
+          <a:xfrm>
+            <a:off x="2640352" y="4048470"/>
+            <a:ext cx="53990" cy="54590"/>
+          </a:xfrm>
+          <a:prstGeom prst="ellipse">
+            <a:avLst/>
+          </a:prstGeom>
+        </p:spPr>
+        <p:style>
+          <a:lnRef idx="2">
+            <a:schemeClr val="dk1">
+              <a:shade val="50000"/>
+            </a:schemeClr>
+          </a:lnRef>
+          <a:fillRef idx="1">
+            <a:schemeClr val="dk1"/>
+          </a:fillRef>
+          <a:effectRef idx="0">
+            <a:schemeClr val="dk1"/>
+          </a:effectRef>
+          <a:fontRef idx="minor">
+            <a:schemeClr val="lt1"/>
+          </a:fontRef>
+        </p:style>
+        <p:txBody>
+          <a:bodyPr rtlCol="0" anchor="ctr"/>
+          <a:lstStyle/>
+          <a:p>
+            <a:pPr algn="ctr"/>
+            <a:endParaRPr lang="en-CA"/>
+          </a:p>
+        </p:txBody>
+      </p:sp>
+      <p:sp>
+        <p:nvSpPr>
+          <p:cNvPr id="36" name="Oval 35"/>
+          <p:cNvSpPr/>
+          <p:nvPr/>
+        </p:nvSpPr>
+        <p:spPr>
+          <a:xfrm>
+            <a:off x="2642624" y="4200870"/>
+            <a:ext cx="53990" cy="54590"/>
+          </a:xfrm>
+          <a:prstGeom prst="ellipse">
+            <a:avLst/>
+          </a:prstGeom>
+        </p:spPr>
+        <p:style>
+          <a:lnRef idx="2">
+            <a:schemeClr val="dk1">
+              <a:shade val="50000"/>
+            </a:schemeClr>
+          </a:lnRef>
+          <a:fillRef idx="1">
+            <a:schemeClr val="dk1"/>
+          </a:fillRef>
+          <a:effectRef idx="0">
+            <a:schemeClr val="dk1"/>
+          </a:effectRef>
+          <a:fontRef idx="minor">
+            <a:schemeClr val="lt1"/>
+          </a:fontRef>
+        </p:style>
+        <p:txBody>
+          <a:bodyPr rtlCol="0" anchor="ctr"/>
+          <a:lstStyle/>
+          <a:p>
+            <a:pPr algn="ctr"/>
+            <a:endParaRPr lang="en-CA"/>
+          </a:p>
+        </p:txBody>
+      </p:sp>
+      <p:sp>
+        <p:nvSpPr>
+          <p:cNvPr id="37" name="Oval 36"/>
+          <p:cNvSpPr/>
+          <p:nvPr/>
+        </p:nvSpPr>
+        <p:spPr>
+          <a:xfrm>
+            <a:off x="2642624" y="4337350"/>
+            <a:ext cx="53990" cy="54590"/>
+          </a:xfrm>
+          <a:prstGeom prst="ellipse">
+            <a:avLst/>
+          </a:prstGeom>
+        </p:spPr>
+        <p:style>
+          <a:lnRef idx="2">
+            <a:schemeClr val="dk1">
+              <a:shade val="50000"/>
+            </a:schemeClr>
+          </a:lnRef>
+          <a:fillRef idx="1">
+            <a:schemeClr val="dk1"/>
+          </a:fillRef>
+          <a:effectRef idx="0">
+            <a:schemeClr val="dk1"/>
+          </a:effectRef>
+          <a:fontRef idx="minor">
+            <a:schemeClr val="lt1"/>
+          </a:fontRef>
+        </p:style>
+        <p:txBody>
+          <a:bodyPr rtlCol="0" anchor="ctr"/>
+          <a:lstStyle/>
+          <a:p>
+            <a:pPr algn="ctr"/>
+            <a:endParaRPr lang="en-CA"/>
+          </a:p>
+        </p:txBody>
+      </p:sp>
+      <p:sp>
+        <p:nvSpPr>
+          <p:cNvPr id="38" name="Oval 37"/>
+          <p:cNvSpPr/>
+          <p:nvPr/>
+        </p:nvSpPr>
+        <p:spPr>
+          <a:xfrm>
+            <a:off x="3486513" y="4059846"/>
+            <a:ext cx="53990" cy="54590"/>
+          </a:xfrm>
+          <a:prstGeom prst="ellipse">
+            <a:avLst/>
+          </a:prstGeom>
+        </p:spPr>
+        <p:style>
+          <a:lnRef idx="2">
+            <a:schemeClr val="dk1">
+              <a:shade val="50000"/>
+            </a:schemeClr>
+          </a:lnRef>
+          <a:fillRef idx="1">
+            <a:schemeClr val="dk1"/>
+          </a:fillRef>
+          <a:effectRef idx="0">
+            <a:schemeClr val="dk1"/>
+          </a:effectRef>
+          <a:fontRef idx="minor">
+            <a:schemeClr val="lt1"/>
+          </a:fontRef>
+        </p:style>
+        <p:txBody>
+          <a:bodyPr rtlCol="0" anchor="ctr"/>
+          <a:lstStyle/>
+          <a:p>
+            <a:pPr algn="ctr"/>
+            <a:endParaRPr lang="en-CA"/>
+          </a:p>
+        </p:txBody>
+      </p:sp>
+      <p:sp>
+        <p:nvSpPr>
+          <p:cNvPr id="39" name="Oval 38"/>
+          <p:cNvSpPr/>
+          <p:nvPr/>
+        </p:nvSpPr>
+        <p:spPr>
+          <a:xfrm>
+            <a:off x="3488785" y="4212246"/>
+            <a:ext cx="53990" cy="54590"/>
+          </a:xfrm>
+          <a:prstGeom prst="ellipse">
+            <a:avLst/>
+          </a:prstGeom>
+        </p:spPr>
+        <p:style>
+          <a:lnRef idx="2">
+            <a:schemeClr val="dk1">
+              <a:shade val="50000"/>
+            </a:schemeClr>
+          </a:lnRef>
+          <a:fillRef idx="1">
+            <a:schemeClr val="dk1"/>
+          </a:fillRef>
+          <a:effectRef idx="0">
+            <a:schemeClr val="dk1"/>
+          </a:effectRef>
+          <a:fontRef idx="minor">
+            <a:schemeClr val="lt1"/>
+          </a:fontRef>
+        </p:style>
+        <p:txBody>
+          <a:bodyPr rtlCol="0" anchor="ctr"/>
+          <a:lstStyle/>
+          <a:p>
+            <a:pPr algn="ctr"/>
+            <a:endParaRPr lang="en-CA"/>
+          </a:p>
+        </p:txBody>
+      </p:sp>
+      <p:sp>
+        <p:nvSpPr>
+          <p:cNvPr id="40" name="Oval 39"/>
+          <p:cNvSpPr/>
+          <p:nvPr/>
+        </p:nvSpPr>
+        <p:spPr>
+          <a:xfrm>
+            <a:off x="3488785" y="4348726"/>
+            <a:ext cx="53990" cy="54590"/>
+          </a:xfrm>
+          <a:prstGeom prst="ellipse">
+            <a:avLst/>
+          </a:prstGeom>
+        </p:spPr>
+        <p:style>
+          <a:lnRef idx="2">
+            <a:schemeClr val="dk1">
+              <a:shade val="50000"/>
+            </a:schemeClr>
+          </a:lnRef>
+          <a:fillRef idx="1">
+            <a:schemeClr val="dk1"/>
+          </a:fillRef>
+          <a:effectRef idx="0">
+            <a:schemeClr val="dk1"/>
+          </a:effectRef>
+          <a:fontRef idx="minor">
+            <a:schemeClr val="lt1"/>
+          </a:fontRef>
+        </p:style>
+        <p:txBody>
+          <a:bodyPr rtlCol="0" anchor="ctr"/>
+          <a:lstStyle/>
+          <a:p>
+            <a:pPr algn="ctr"/>
+            <a:endParaRPr lang="en-CA"/>
+          </a:p>
+        </p:txBody>
+      </p:sp>
+      <p:sp>
+        <p:nvSpPr>
+          <p:cNvPr id="41" name="Oval 40"/>
+          <p:cNvSpPr/>
+          <p:nvPr/>
+        </p:nvSpPr>
+        <p:spPr>
+          <a:xfrm>
+            <a:off x="5489549" y="3042467"/>
+            <a:ext cx="373488" cy="347730"/>
+          </a:xfrm>
+          <a:prstGeom prst="ellipse">
+            <a:avLst/>
+          </a:prstGeom>
+        </p:spPr>
+        <p:style>
+          <a:lnRef idx="2">
+            <a:schemeClr val="accent6"/>
+          </a:lnRef>
+          <a:fillRef idx="1">
+            <a:schemeClr val="lt1"/>
+          </a:fillRef>
+          <a:effectRef idx="0">
+            <a:schemeClr val="accent6"/>
+          </a:effectRef>
+          <a:fontRef idx="minor">
+            <a:schemeClr val="dk1"/>
+          </a:fontRef>
+        </p:style>
+        <p:txBody>
+          <a:bodyPr rtlCol="0" anchor="ctr"/>
+          <a:lstStyle/>
+          <a:p>
+            <a:pPr algn="ctr"/>
+            <a:r>
+              <a:rPr lang="en-CA" dirty="0" smtClean="0"/>
+              <a:t>4</a:t>
+            </a:r>
+            <a:endParaRPr lang="en-CA" dirty="0"/>
+          </a:p>
+        </p:txBody>
+      </p:sp>
+      <p:sp>
+        <p:nvSpPr>
+          <p:cNvPr id="42" name="TextBox 41"/>
+          <p:cNvSpPr txBox="1"/>
+          <p:nvPr/>
+        </p:nvSpPr>
+        <p:spPr>
+          <a:xfrm>
+            <a:off x="5248643" y="2673135"/>
+            <a:ext cx="855299" cy="369332"/>
+          </a:xfrm>
+          <a:prstGeom prst="rect">
+            <a:avLst/>
+          </a:prstGeom>
+          <a:noFill/>
+        </p:spPr>
+        <p:txBody>
+          <a:bodyPr wrap="none" rtlCol="0">
+            <a:spAutoFit/>
+          </a:bodyPr>
+          <a:lstStyle/>
+          <a:p>
+            <a:r>
+              <a:rPr lang="en-CA" dirty="0" smtClean="0"/>
+              <a:t>Voxel 1</a:t>
+            </a:r>
+            <a:endParaRPr lang="en-CA" dirty="0"/>
+          </a:p>
+        </p:txBody>
+      </p:sp>
+      <p:sp>
+        <p:nvSpPr>
+          <p:cNvPr id="43" name="Rectangle 42"/>
+          <p:cNvSpPr/>
+          <p:nvPr/>
+        </p:nvSpPr>
+        <p:spPr>
+          <a:xfrm>
+            <a:off x="4311036" y="3042467"/>
+            <a:ext cx="938527" cy="369332"/>
+          </a:xfrm>
+          <a:prstGeom prst="rect">
+            <a:avLst/>
+          </a:prstGeom>
+        </p:spPr>
+        <p:txBody>
+          <a:bodyPr wrap="none">
+            <a:spAutoFit/>
+          </a:bodyPr>
+          <a:lstStyle/>
+          <a:p>
+            <a:r>
+              <a:rPr lang="en-CA" dirty="0" smtClean="0"/>
+              <a:t>Patients</a:t>
+            </a:r>
+            <a:endParaRPr lang="en-CA" dirty="0"/>
+          </a:p>
+        </p:txBody>
+      </p:sp>
+      <p:sp>
+        <p:nvSpPr>
+          <p:cNvPr id="44" name="Oval 43"/>
+          <p:cNvSpPr/>
+          <p:nvPr/>
+        </p:nvSpPr>
+        <p:spPr>
+          <a:xfrm>
+            <a:off x="6273009" y="3027440"/>
+            <a:ext cx="373488" cy="347730"/>
+          </a:xfrm>
+          <a:prstGeom prst="ellipse">
+            <a:avLst/>
+          </a:prstGeom>
+        </p:spPr>
+        <p:style>
+          <a:lnRef idx="2">
+            <a:schemeClr val="accent6"/>
+          </a:lnRef>
+          <a:fillRef idx="1">
+            <a:schemeClr val="lt1"/>
+          </a:fillRef>
+          <a:effectRef idx="0">
+            <a:schemeClr val="accent6"/>
+          </a:effectRef>
+          <a:fontRef idx="minor">
+            <a:schemeClr val="dk1"/>
+          </a:fontRef>
+        </p:style>
+        <p:txBody>
+          <a:bodyPr rtlCol="0" anchor="ctr"/>
+          <a:lstStyle/>
+          <a:p>
+            <a:pPr algn="ctr"/>
+            <a:r>
+              <a:rPr lang="en-CA" dirty="0" smtClean="0"/>
+              <a:t>1</a:t>
+            </a:r>
+            <a:endParaRPr lang="en-CA" dirty="0"/>
+          </a:p>
+        </p:txBody>
+      </p:sp>
+      <p:sp>
+        <p:nvSpPr>
+          <p:cNvPr id="45" name="TextBox 44"/>
+          <p:cNvSpPr txBox="1"/>
+          <p:nvPr/>
+        </p:nvSpPr>
+        <p:spPr>
+          <a:xfrm>
+            <a:off x="6032103" y="2658108"/>
+            <a:ext cx="855299" cy="369332"/>
+          </a:xfrm>
+          <a:prstGeom prst="rect">
+            <a:avLst/>
+          </a:prstGeom>
+          <a:noFill/>
+        </p:spPr>
+        <p:txBody>
+          <a:bodyPr wrap="none" rtlCol="0">
+            <a:spAutoFit/>
+          </a:bodyPr>
+          <a:lstStyle/>
+          <a:p>
+            <a:r>
+              <a:rPr lang="en-CA" dirty="0" smtClean="0"/>
+              <a:t>Voxel 2</a:t>
+            </a:r>
+            <a:endParaRPr lang="en-CA" dirty="0"/>
+          </a:p>
+        </p:txBody>
+      </p:sp>
+      <p:sp>
+        <p:nvSpPr>
+          <p:cNvPr id="46" name="Oval 45"/>
+          <p:cNvSpPr/>
+          <p:nvPr/>
+        </p:nvSpPr>
+        <p:spPr>
+          <a:xfrm>
+            <a:off x="7110630" y="3027440"/>
+            <a:ext cx="373488" cy="347730"/>
+          </a:xfrm>
+          <a:prstGeom prst="ellipse">
+            <a:avLst/>
+          </a:prstGeom>
+        </p:spPr>
+        <p:style>
+          <a:lnRef idx="2">
+            <a:schemeClr val="accent6"/>
+          </a:lnRef>
+          <a:fillRef idx="1">
+            <a:schemeClr val="lt1"/>
+          </a:fillRef>
+          <a:effectRef idx="0">
+            <a:schemeClr val="accent6"/>
+          </a:effectRef>
+          <a:fontRef idx="minor">
+            <a:schemeClr val="dk1"/>
+          </a:fontRef>
+        </p:style>
+        <p:txBody>
+          <a:bodyPr rtlCol="0" anchor="ctr"/>
+          <a:lstStyle/>
+          <a:p>
+            <a:pPr algn="ctr"/>
+            <a:r>
+              <a:rPr lang="en-CA" dirty="0" smtClean="0"/>
+              <a:t>1</a:t>
+            </a:r>
+            <a:endParaRPr lang="en-CA" dirty="0"/>
+          </a:p>
+        </p:txBody>
+      </p:sp>
+      <p:sp>
+        <p:nvSpPr>
+          <p:cNvPr id="47" name="TextBox 46"/>
+          <p:cNvSpPr txBox="1"/>
+          <p:nvPr/>
+        </p:nvSpPr>
+        <p:spPr>
+          <a:xfrm>
+            <a:off x="6869724" y="2658108"/>
+            <a:ext cx="855299" cy="369332"/>
+          </a:xfrm>
+          <a:prstGeom prst="rect">
+            <a:avLst/>
+          </a:prstGeom>
+          <a:noFill/>
+        </p:spPr>
+        <p:txBody>
+          <a:bodyPr wrap="none" rtlCol="0">
+            <a:spAutoFit/>
+          </a:bodyPr>
+          <a:lstStyle/>
+          <a:p>
+            <a:r>
+              <a:rPr lang="en-CA" dirty="0" smtClean="0"/>
+              <a:t>Voxel 3</a:t>
+            </a:r>
+            <a:endParaRPr lang="en-CA" dirty="0"/>
+          </a:p>
+        </p:txBody>
+      </p:sp>
+      <p:sp>
+        <p:nvSpPr>
+          <p:cNvPr id="48" name="Oval 47"/>
+          <p:cNvSpPr/>
+          <p:nvPr/>
+        </p:nvSpPr>
+        <p:spPr>
+          <a:xfrm>
+            <a:off x="5512293" y="3597473"/>
+            <a:ext cx="373488" cy="347730"/>
+          </a:xfrm>
+          <a:prstGeom prst="ellipse">
+            <a:avLst/>
+          </a:prstGeom>
+        </p:spPr>
+        <p:style>
+          <a:lnRef idx="2">
+            <a:schemeClr val="accent6"/>
+          </a:lnRef>
+          <a:fillRef idx="1">
+            <a:schemeClr val="lt1"/>
+          </a:fillRef>
+          <a:effectRef idx="0">
+            <a:schemeClr val="accent6"/>
+          </a:effectRef>
+          <a:fontRef idx="minor">
+            <a:schemeClr val="dk1"/>
+          </a:fontRef>
+        </p:style>
+        <p:txBody>
+          <a:bodyPr rtlCol="0" anchor="ctr"/>
+          <a:lstStyle/>
+          <a:p>
+            <a:pPr algn="ctr"/>
+            <a:r>
+              <a:rPr lang="en-CA" dirty="0" smtClean="0"/>
+              <a:t>2</a:t>
+            </a:r>
+            <a:endParaRPr lang="en-CA" dirty="0"/>
+          </a:p>
+        </p:txBody>
+      </p:sp>
+      <p:sp>
+        <p:nvSpPr>
+          <p:cNvPr id="49" name="Rectangle 48"/>
+          <p:cNvSpPr/>
+          <p:nvPr/>
+        </p:nvSpPr>
+        <p:spPr>
+          <a:xfrm>
+            <a:off x="4333780" y="3597473"/>
+            <a:ext cx="906530" cy="369332"/>
+          </a:xfrm>
+          <a:prstGeom prst="rect">
+            <a:avLst/>
+          </a:prstGeom>
+        </p:spPr>
+        <p:txBody>
+          <a:bodyPr wrap="none">
+            <a:spAutoFit/>
+          </a:bodyPr>
+          <a:lstStyle/>
+          <a:p>
+            <a:r>
+              <a:rPr lang="en-CA" dirty="0"/>
+              <a:t>Healthy</a:t>
+            </a:r>
+            <a:endParaRPr lang="en-CA" dirty="0"/>
+          </a:p>
+        </p:txBody>
+      </p:sp>
+      <p:sp>
+        <p:nvSpPr>
+          <p:cNvPr id="50" name="Oval 49"/>
+          <p:cNvSpPr/>
+          <p:nvPr/>
+        </p:nvSpPr>
+        <p:spPr>
+          <a:xfrm>
+            <a:off x="6295753" y="3582446"/>
+            <a:ext cx="373488" cy="347730"/>
+          </a:xfrm>
+          <a:prstGeom prst="ellipse">
+            <a:avLst/>
+          </a:prstGeom>
+        </p:spPr>
+        <p:style>
+          <a:lnRef idx="2">
+            <a:schemeClr val="accent6"/>
+          </a:lnRef>
+          <a:fillRef idx="1">
+            <a:schemeClr val="lt1"/>
+          </a:fillRef>
+          <a:effectRef idx="0">
+            <a:schemeClr val="accent6"/>
+          </a:effectRef>
+          <a:fontRef idx="minor">
+            <a:schemeClr val="dk1"/>
+          </a:fontRef>
+        </p:style>
+        <p:txBody>
+          <a:bodyPr rtlCol="0" anchor="ctr"/>
+          <a:lstStyle/>
+          <a:p>
+            <a:pPr algn="ctr"/>
+            <a:r>
+              <a:rPr lang="en-CA" dirty="0"/>
+              <a:t>2</a:t>
+            </a:r>
+          </a:p>
+        </p:txBody>
+      </p:sp>
+      <p:sp>
+        <p:nvSpPr>
+          <p:cNvPr id="51" name="Oval 50"/>
+          <p:cNvSpPr/>
+          <p:nvPr/>
+        </p:nvSpPr>
+        <p:spPr>
+          <a:xfrm>
+            <a:off x="7133374" y="3582446"/>
+            <a:ext cx="373488" cy="347730"/>
+          </a:xfrm>
+          <a:prstGeom prst="ellipse">
+            <a:avLst/>
+          </a:prstGeom>
+        </p:spPr>
+        <p:style>
+          <a:lnRef idx="2">
+            <a:schemeClr val="accent6"/>
+          </a:lnRef>
+          <a:fillRef idx="1">
+            <a:schemeClr val="lt1"/>
+          </a:fillRef>
+          <a:effectRef idx="0">
+            <a:schemeClr val="accent6"/>
+          </a:effectRef>
+          <a:fontRef idx="minor">
+            <a:schemeClr val="dk1"/>
+          </a:fontRef>
+        </p:style>
+        <p:txBody>
+          <a:bodyPr rtlCol="0" anchor="ctr"/>
+          <a:lstStyle/>
+          <a:p>
+            <a:pPr algn="ctr"/>
+            <a:r>
+              <a:rPr lang="en-CA" dirty="0" smtClean="0"/>
+              <a:t>4</a:t>
+            </a:r>
+            <a:endParaRPr lang="en-CA" dirty="0"/>
+          </a:p>
+        </p:txBody>
+      </p:sp>
+      <p:sp>
+        <p:nvSpPr>
+          <p:cNvPr id="53" name="Rectangle 52"/>
+          <p:cNvSpPr/>
+          <p:nvPr/>
+        </p:nvSpPr>
+        <p:spPr>
+          <a:xfrm>
+            <a:off x="4725612" y="4079904"/>
+            <a:ext cx="2999411" cy="369332"/>
+          </a:xfrm>
+          <a:prstGeom prst="rect">
+            <a:avLst/>
+          </a:prstGeom>
+        </p:spPr>
+        <p:txBody>
+          <a:bodyPr wrap="none">
+            <a:spAutoFit/>
+          </a:bodyPr>
+          <a:lstStyle/>
+          <a:p>
+            <a:r>
+              <a:rPr lang="en-CA" dirty="0"/>
+              <a:t>Average degree for each voxel</a:t>
+            </a:r>
+            <a:endParaRPr lang="en-CA" dirty="0"/>
+          </a:p>
+        </p:txBody>
+      </p:sp>
+      <p:sp>
+        <p:nvSpPr>
+          <p:cNvPr id="54" name="Right Arrow 53"/>
+          <p:cNvSpPr/>
+          <p:nvPr/>
+        </p:nvSpPr>
+        <p:spPr>
+          <a:xfrm>
+            <a:off x="3816973" y="3342202"/>
+            <a:ext cx="447727" cy="319367"/>
+          </a:xfrm>
+          <a:prstGeom prst="rightArrow">
+            <a:avLst/>
+          </a:prstGeom>
+        </p:spPr>
+        <p:style>
+          <a:lnRef idx="2">
+            <a:schemeClr val="accent6"/>
+          </a:lnRef>
+          <a:fillRef idx="1">
+            <a:schemeClr val="lt1"/>
+          </a:fillRef>
+          <a:effectRef idx="0">
+            <a:schemeClr val="accent6"/>
+          </a:effectRef>
+          <a:fontRef idx="minor">
+            <a:schemeClr val="dk1"/>
+          </a:fontRef>
+        </p:style>
+        <p:txBody>
+          <a:bodyPr rtlCol="0" anchor="ctr"/>
+          <a:lstStyle/>
+          <a:p>
+            <a:pPr algn="ctr"/>
+            <a:endParaRPr lang="en-CA"/>
+          </a:p>
+        </p:txBody>
+      </p:sp>
+      <p:sp>
+        <p:nvSpPr>
+          <p:cNvPr id="55" name="Oval 54"/>
+          <p:cNvSpPr/>
+          <p:nvPr/>
+        </p:nvSpPr>
+        <p:spPr>
+          <a:xfrm>
+            <a:off x="9384616" y="2482491"/>
+            <a:ext cx="373488" cy="347730"/>
+          </a:xfrm>
+          <a:prstGeom prst="ellipse">
+            <a:avLst/>
+          </a:prstGeom>
+        </p:spPr>
+        <p:style>
+          <a:lnRef idx="2">
+            <a:schemeClr val="accent6"/>
+          </a:lnRef>
+          <a:fillRef idx="1">
+            <a:schemeClr val="lt1"/>
+          </a:fillRef>
+          <a:effectRef idx="0">
+            <a:schemeClr val="accent6"/>
+          </a:effectRef>
+          <a:fontRef idx="minor">
+            <a:schemeClr val="dk1"/>
+          </a:fontRef>
+        </p:style>
+        <p:txBody>
+          <a:bodyPr rtlCol="0" anchor="ctr"/>
+          <a:lstStyle/>
+          <a:p>
+            <a:pPr algn="ctr"/>
+            <a:r>
+              <a:rPr lang="en-CA" dirty="0" smtClean="0"/>
+              <a:t>2</a:t>
+            </a:r>
+            <a:endParaRPr lang="en-CA" dirty="0"/>
+          </a:p>
+        </p:txBody>
+      </p:sp>
+      <p:sp>
+        <p:nvSpPr>
+          <p:cNvPr id="56" name="TextBox 55"/>
+          <p:cNvSpPr txBox="1"/>
+          <p:nvPr/>
+        </p:nvSpPr>
+        <p:spPr>
+          <a:xfrm>
+            <a:off x="9079207" y="2038577"/>
+            <a:ext cx="855299" cy="369332"/>
+          </a:xfrm>
+          <a:prstGeom prst="rect">
+            <a:avLst/>
+          </a:prstGeom>
+          <a:noFill/>
+        </p:spPr>
+        <p:txBody>
+          <a:bodyPr wrap="none" rtlCol="0">
+            <a:spAutoFit/>
+          </a:bodyPr>
+          <a:lstStyle/>
+          <a:p>
+            <a:r>
+              <a:rPr lang="en-CA" dirty="0" smtClean="0"/>
+              <a:t>Voxel 1</a:t>
+            </a:r>
+            <a:endParaRPr lang="en-CA" dirty="0"/>
+          </a:p>
+        </p:txBody>
+      </p:sp>
+      <p:sp>
+        <p:nvSpPr>
+          <p:cNvPr id="57" name="Rectangle 56"/>
+          <p:cNvSpPr/>
+          <p:nvPr/>
+        </p:nvSpPr>
+        <p:spPr>
+          <a:xfrm>
+            <a:off x="8535723" y="2482491"/>
+            <a:ext cx="646331" cy="369332"/>
+          </a:xfrm>
+          <a:prstGeom prst="rect">
+            <a:avLst/>
+          </a:prstGeom>
+        </p:spPr>
+        <p:txBody>
+          <a:bodyPr wrap="none">
+            <a:spAutoFit/>
+          </a:bodyPr>
+          <a:lstStyle/>
+          <a:p>
+            <a:r>
+              <a:rPr lang="en-CA" dirty="0" smtClean="0"/>
+              <a:t>Rank</a:t>
+            </a:r>
+            <a:endParaRPr lang="en-CA" dirty="0"/>
+          </a:p>
+        </p:txBody>
+      </p:sp>
+      <p:sp>
+        <p:nvSpPr>
+          <p:cNvPr id="58" name="Oval 57"/>
+          <p:cNvSpPr/>
+          <p:nvPr/>
+        </p:nvSpPr>
+        <p:spPr>
+          <a:xfrm>
+            <a:off x="10168076" y="2467464"/>
+            <a:ext cx="373488" cy="347730"/>
+          </a:xfrm>
+          <a:prstGeom prst="ellipse">
+            <a:avLst/>
+          </a:prstGeom>
+        </p:spPr>
+        <p:style>
+          <a:lnRef idx="2">
+            <a:schemeClr val="accent6"/>
+          </a:lnRef>
+          <a:fillRef idx="1">
+            <a:schemeClr val="lt1"/>
+          </a:fillRef>
+          <a:effectRef idx="0">
+            <a:schemeClr val="accent6"/>
+          </a:effectRef>
+          <a:fontRef idx="minor">
+            <a:schemeClr val="dk1"/>
+          </a:fontRef>
+        </p:style>
+        <p:txBody>
+          <a:bodyPr rtlCol="0" anchor="ctr"/>
+          <a:lstStyle/>
+          <a:p>
+            <a:pPr algn="ctr"/>
+            <a:r>
+              <a:rPr lang="en-CA" dirty="0"/>
+              <a:t>3</a:t>
+            </a:r>
+            <a:endParaRPr lang="en-CA" dirty="0"/>
+          </a:p>
+        </p:txBody>
+      </p:sp>
+      <p:sp>
+        <p:nvSpPr>
+          <p:cNvPr id="59" name="TextBox 58"/>
+          <p:cNvSpPr txBox="1"/>
+          <p:nvPr/>
+        </p:nvSpPr>
+        <p:spPr>
+          <a:xfrm>
+            <a:off x="9862667" y="2023550"/>
+            <a:ext cx="855299" cy="369332"/>
+          </a:xfrm>
+          <a:prstGeom prst="rect">
+            <a:avLst/>
+          </a:prstGeom>
+          <a:noFill/>
+        </p:spPr>
+        <p:txBody>
+          <a:bodyPr wrap="none" rtlCol="0">
+            <a:spAutoFit/>
+          </a:bodyPr>
+          <a:lstStyle/>
+          <a:p>
+            <a:r>
+              <a:rPr lang="en-CA" dirty="0" smtClean="0"/>
+              <a:t>Voxel 2</a:t>
+            </a:r>
+            <a:endParaRPr lang="en-CA" dirty="0"/>
+          </a:p>
+        </p:txBody>
+      </p:sp>
+      <p:sp>
+        <p:nvSpPr>
+          <p:cNvPr id="60" name="Oval 59"/>
+          <p:cNvSpPr/>
+          <p:nvPr/>
+        </p:nvSpPr>
+        <p:spPr>
+          <a:xfrm>
+            <a:off x="11005697" y="2467464"/>
+            <a:ext cx="373488" cy="347730"/>
+          </a:xfrm>
+          <a:prstGeom prst="ellipse">
+            <a:avLst/>
+          </a:prstGeom>
+        </p:spPr>
+        <p:style>
+          <a:lnRef idx="2">
+            <a:schemeClr val="accent6"/>
+          </a:lnRef>
+          <a:fillRef idx="1">
+            <a:schemeClr val="lt1"/>
+          </a:fillRef>
+          <a:effectRef idx="0">
+            <a:schemeClr val="accent6"/>
+          </a:effectRef>
+          <a:fontRef idx="minor">
+            <a:schemeClr val="dk1"/>
+          </a:fontRef>
+        </p:style>
+        <p:txBody>
+          <a:bodyPr rtlCol="0" anchor="ctr"/>
+          <a:lstStyle/>
+          <a:p>
+            <a:pPr algn="ctr"/>
+            <a:r>
+              <a:rPr lang="en-CA" dirty="0"/>
+              <a:t>1</a:t>
+            </a:r>
+            <a:endParaRPr lang="en-CA" dirty="0"/>
+          </a:p>
+        </p:txBody>
+      </p:sp>
+      <p:sp>
+        <p:nvSpPr>
+          <p:cNvPr id="61" name="TextBox 60"/>
+          <p:cNvSpPr txBox="1"/>
+          <p:nvPr/>
+        </p:nvSpPr>
+        <p:spPr>
+          <a:xfrm>
+            <a:off x="10700288" y="2023550"/>
+            <a:ext cx="855299" cy="369332"/>
+          </a:xfrm>
+          <a:prstGeom prst="rect">
+            <a:avLst/>
+          </a:prstGeom>
+          <a:noFill/>
+        </p:spPr>
+        <p:txBody>
+          <a:bodyPr wrap="none" rtlCol="0">
+            <a:spAutoFit/>
+          </a:bodyPr>
+          <a:lstStyle/>
+          <a:p>
+            <a:r>
+              <a:rPr lang="en-CA" dirty="0" smtClean="0"/>
+              <a:t>Voxel 3</a:t>
+            </a:r>
+            <a:endParaRPr lang="en-CA" dirty="0"/>
+          </a:p>
+        </p:txBody>
+      </p:sp>
+      <p:sp>
+        <p:nvSpPr>
+          <p:cNvPr id="62" name="Rectangle 61"/>
+          <p:cNvSpPr/>
+          <p:nvPr/>
+        </p:nvSpPr>
+        <p:spPr>
+          <a:xfrm>
+            <a:off x="9613886" y="2883172"/>
+            <a:ext cx="1108380" cy="369332"/>
+          </a:xfrm>
+          <a:prstGeom prst="rect">
+            <a:avLst/>
+          </a:prstGeom>
+        </p:spPr>
+        <p:txBody>
+          <a:bodyPr wrap="none">
+            <a:spAutoFit/>
+          </a:bodyPr>
+          <a:lstStyle/>
+          <a:p>
+            <a:r>
+              <a:rPr lang="en-CA" dirty="0" smtClean="0"/>
+              <a:t>Method 2</a:t>
+            </a:r>
+            <a:endParaRPr lang="en-CA" dirty="0"/>
+          </a:p>
+        </p:txBody>
+      </p:sp>
+      <p:sp>
+        <p:nvSpPr>
+          <p:cNvPr id="63" name="Right Arrow 62"/>
+          <p:cNvSpPr/>
+          <p:nvPr/>
+        </p:nvSpPr>
+        <p:spPr>
+          <a:xfrm>
+            <a:off x="7947077" y="2486854"/>
+            <a:ext cx="447727" cy="319367"/>
+          </a:xfrm>
+          <a:prstGeom prst="rightArrow">
+            <a:avLst/>
+          </a:prstGeom>
+        </p:spPr>
+        <p:style>
+          <a:lnRef idx="2">
+            <a:schemeClr val="accent6"/>
+          </a:lnRef>
+          <a:fillRef idx="1">
+            <a:schemeClr val="lt1"/>
+          </a:fillRef>
+          <a:effectRef idx="0">
+            <a:schemeClr val="accent6"/>
+          </a:effectRef>
+          <a:fontRef idx="minor">
+            <a:schemeClr val="dk1"/>
+          </a:fontRef>
+        </p:style>
+        <p:txBody>
+          <a:bodyPr rtlCol="0" anchor="ctr"/>
+          <a:lstStyle/>
+          <a:p>
+            <a:pPr algn="ctr"/>
+            <a:endParaRPr lang="en-CA"/>
+          </a:p>
+        </p:txBody>
+      </p:sp>
+      <p:sp>
+        <p:nvSpPr>
+          <p:cNvPr id="64" name="Oval 63"/>
+          <p:cNvSpPr/>
+          <p:nvPr/>
+        </p:nvSpPr>
+        <p:spPr>
+          <a:xfrm>
+            <a:off x="9380316" y="3283800"/>
+            <a:ext cx="373488" cy="347730"/>
+          </a:xfrm>
+          <a:prstGeom prst="ellipse">
+            <a:avLst/>
+          </a:prstGeom>
+        </p:spPr>
+        <p:style>
+          <a:lnRef idx="2">
+            <a:schemeClr val="accent6"/>
+          </a:lnRef>
+          <a:fillRef idx="1">
+            <a:schemeClr val="lt1"/>
+          </a:fillRef>
+          <a:effectRef idx="0">
+            <a:schemeClr val="accent6"/>
+          </a:effectRef>
+          <a:fontRef idx="minor">
+            <a:schemeClr val="dk1"/>
+          </a:fontRef>
+        </p:style>
+        <p:txBody>
+          <a:bodyPr rtlCol="0" anchor="ctr"/>
+          <a:lstStyle/>
+          <a:p>
+            <a:pPr algn="ctr"/>
+            <a:r>
+              <a:rPr lang="en-CA" dirty="0" smtClean="0"/>
+              <a:t>1</a:t>
+            </a:r>
+            <a:endParaRPr lang="en-CA" dirty="0"/>
+          </a:p>
+        </p:txBody>
+      </p:sp>
+      <p:sp>
+        <p:nvSpPr>
+          <p:cNvPr id="66" name="Rectangle 65"/>
+          <p:cNvSpPr/>
+          <p:nvPr/>
+        </p:nvSpPr>
+        <p:spPr>
+          <a:xfrm>
+            <a:off x="8531423" y="3283800"/>
+            <a:ext cx="646331" cy="369332"/>
+          </a:xfrm>
+          <a:prstGeom prst="rect">
+            <a:avLst/>
+          </a:prstGeom>
+        </p:spPr>
+        <p:txBody>
+          <a:bodyPr wrap="none">
+            <a:spAutoFit/>
+          </a:bodyPr>
+          <a:lstStyle/>
+          <a:p>
+            <a:r>
+              <a:rPr lang="en-CA" dirty="0" smtClean="0"/>
+              <a:t>Rank</a:t>
+            </a:r>
+            <a:endParaRPr lang="en-CA" dirty="0"/>
+          </a:p>
+        </p:txBody>
+      </p:sp>
+      <p:sp>
+        <p:nvSpPr>
+          <p:cNvPr id="67" name="Oval 66"/>
+          <p:cNvSpPr/>
+          <p:nvPr/>
+        </p:nvSpPr>
+        <p:spPr>
+          <a:xfrm>
+            <a:off x="10163776" y="3268773"/>
+            <a:ext cx="373488" cy="347730"/>
+          </a:xfrm>
+          <a:prstGeom prst="ellipse">
+            <a:avLst/>
+          </a:prstGeom>
+        </p:spPr>
+        <p:style>
+          <a:lnRef idx="2">
+            <a:schemeClr val="accent6"/>
+          </a:lnRef>
+          <a:fillRef idx="1">
+            <a:schemeClr val="lt1"/>
+          </a:fillRef>
+          <a:effectRef idx="0">
+            <a:schemeClr val="accent6"/>
+          </a:effectRef>
+          <a:fontRef idx="minor">
+            <a:schemeClr val="dk1"/>
+          </a:fontRef>
+        </p:style>
+        <p:txBody>
+          <a:bodyPr rtlCol="0" anchor="ctr"/>
+          <a:lstStyle/>
+          <a:p>
+            <a:pPr algn="ctr"/>
+            <a:r>
+              <a:rPr lang="en-CA" dirty="0"/>
+              <a:t>2</a:t>
+            </a:r>
+            <a:endParaRPr lang="en-CA" dirty="0"/>
+          </a:p>
+        </p:txBody>
+      </p:sp>
+      <p:sp>
+        <p:nvSpPr>
+          <p:cNvPr id="69" name="Oval 68"/>
+          <p:cNvSpPr/>
+          <p:nvPr/>
+        </p:nvSpPr>
+        <p:spPr>
+          <a:xfrm>
+            <a:off x="11001397" y="3268773"/>
+            <a:ext cx="373488" cy="347730"/>
+          </a:xfrm>
+          <a:prstGeom prst="ellipse">
+            <a:avLst/>
+          </a:prstGeom>
+        </p:spPr>
+        <p:style>
+          <a:lnRef idx="2">
+            <a:schemeClr val="accent6"/>
+          </a:lnRef>
+          <a:fillRef idx="1">
+            <a:schemeClr val="lt1"/>
+          </a:fillRef>
+          <a:effectRef idx="0">
+            <a:schemeClr val="accent6"/>
+          </a:effectRef>
+          <a:fontRef idx="minor">
+            <a:schemeClr val="dk1"/>
+          </a:fontRef>
+        </p:style>
+        <p:txBody>
+          <a:bodyPr rtlCol="0" anchor="ctr"/>
+          <a:lstStyle/>
+          <a:p>
+            <a:pPr algn="ctr"/>
+            <a:r>
+              <a:rPr lang="en-CA" dirty="0"/>
+              <a:t>3</a:t>
+            </a:r>
+            <a:endParaRPr lang="en-CA" dirty="0"/>
+          </a:p>
+        </p:txBody>
+      </p:sp>
+      <p:sp>
+        <p:nvSpPr>
+          <p:cNvPr id="71" name="Rectangle 70"/>
+          <p:cNvSpPr/>
+          <p:nvPr/>
+        </p:nvSpPr>
+        <p:spPr>
+          <a:xfrm>
+            <a:off x="9609586" y="3684481"/>
+            <a:ext cx="1108380" cy="369332"/>
+          </a:xfrm>
+          <a:prstGeom prst="rect">
+            <a:avLst/>
+          </a:prstGeom>
+        </p:spPr>
+        <p:txBody>
+          <a:bodyPr wrap="none">
+            <a:spAutoFit/>
+          </a:bodyPr>
+          <a:lstStyle/>
+          <a:p>
+            <a:r>
+              <a:rPr lang="en-CA" dirty="0" smtClean="0"/>
+              <a:t>Method 3</a:t>
+            </a:r>
+            <a:endParaRPr lang="en-CA" dirty="0"/>
+          </a:p>
+        </p:txBody>
+      </p:sp>
+      <p:sp>
+        <p:nvSpPr>
+          <p:cNvPr id="72" name="Right Arrow 71"/>
+          <p:cNvSpPr/>
+          <p:nvPr/>
+        </p:nvSpPr>
+        <p:spPr>
+          <a:xfrm>
+            <a:off x="7942777" y="3288163"/>
+            <a:ext cx="447727" cy="319367"/>
+          </a:xfrm>
+          <a:prstGeom prst="rightArrow">
+            <a:avLst/>
+          </a:prstGeom>
+        </p:spPr>
+        <p:style>
+          <a:lnRef idx="2">
+            <a:schemeClr val="accent6"/>
+          </a:lnRef>
+          <a:fillRef idx="1">
+            <a:schemeClr val="lt1"/>
+          </a:fillRef>
+          <a:effectRef idx="0">
+            <a:schemeClr val="accent6"/>
+          </a:effectRef>
+          <a:fontRef idx="minor">
+            <a:schemeClr val="dk1"/>
+          </a:fontRef>
+        </p:style>
+        <p:txBody>
+          <a:bodyPr rtlCol="0" anchor="ctr"/>
+          <a:lstStyle/>
+          <a:p>
+            <a:pPr algn="ctr"/>
+            <a:endParaRPr lang="en-CA"/>
+          </a:p>
+        </p:txBody>
+      </p:sp>
+      <p:sp>
+        <p:nvSpPr>
+          <p:cNvPr id="73" name="Oval 72"/>
+          <p:cNvSpPr/>
+          <p:nvPr/>
+        </p:nvSpPr>
+        <p:spPr>
+          <a:xfrm>
+            <a:off x="9380316" y="4158199"/>
+            <a:ext cx="373488" cy="347730"/>
+          </a:xfrm>
+          <a:prstGeom prst="ellipse">
+            <a:avLst/>
+          </a:prstGeom>
+        </p:spPr>
+        <p:style>
+          <a:lnRef idx="2">
+            <a:schemeClr val="accent6"/>
+          </a:lnRef>
+          <a:fillRef idx="1">
+            <a:schemeClr val="lt1"/>
+          </a:fillRef>
+          <a:effectRef idx="0">
+            <a:schemeClr val="accent6"/>
+          </a:effectRef>
+          <a:fontRef idx="minor">
+            <a:schemeClr val="dk1"/>
+          </a:fontRef>
+        </p:style>
+        <p:txBody>
+          <a:bodyPr rtlCol="0" anchor="ctr"/>
+          <a:lstStyle/>
+          <a:p>
+            <a:pPr algn="ctr"/>
+            <a:r>
+              <a:rPr lang="en-CA" dirty="0" smtClean="0"/>
+              <a:t>3</a:t>
+            </a:r>
+            <a:endParaRPr lang="en-CA" dirty="0"/>
+          </a:p>
+        </p:txBody>
+      </p:sp>
+      <p:sp>
+        <p:nvSpPr>
+          <p:cNvPr id="74" name="Rectangle 73"/>
+          <p:cNvSpPr/>
+          <p:nvPr/>
+        </p:nvSpPr>
+        <p:spPr>
+          <a:xfrm>
+            <a:off x="8531423" y="4158199"/>
+            <a:ext cx="646331" cy="369332"/>
+          </a:xfrm>
+          <a:prstGeom prst="rect">
+            <a:avLst/>
+          </a:prstGeom>
+        </p:spPr>
+        <p:txBody>
+          <a:bodyPr wrap="none">
+            <a:spAutoFit/>
+          </a:bodyPr>
+          <a:lstStyle/>
+          <a:p>
+            <a:r>
+              <a:rPr lang="en-CA" dirty="0" smtClean="0"/>
+              <a:t>Rank</a:t>
+            </a:r>
+            <a:endParaRPr lang="en-CA" dirty="0"/>
+          </a:p>
+        </p:txBody>
+      </p:sp>
+      <p:sp>
+        <p:nvSpPr>
+          <p:cNvPr id="75" name="Oval 74"/>
+          <p:cNvSpPr/>
+          <p:nvPr/>
+        </p:nvSpPr>
+        <p:spPr>
+          <a:xfrm>
+            <a:off x="10163776" y="4143172"/>
+            <a:ext cx="373488" cy="347730"/>
+          </a:xfrm>
+          <a:prstGeom prst="ellipse">
+            <a:avLst/>
+          </a:prstGeom>
+        </p:spPr>
+        <p:style>
+          <a:lnRef idx="2">
+            <a:schemeClr val="accent6"/>
+          </a:lnRef>
+          <a:fillRef idx="1">
+            <a:schemeClr val="lt1"/>
+          </a:fillRef>
+          <a:effectRef idx="0">
+            <a:schemeClr val="accent6"/>
+          </a:effectRef>
+          <a:fontRef idx="minor">
+            <a:schemeClr val="dk1"/>
+          </a:fontRef>
+        </p:style>
+        <p:txBody>
+          <a:bodyPr rtlCol="0" anchor="ctr"/>
+          <a:lstStyle/>
+          <a:p>
+            <a:pPr algn="ctr"/>
+            <a:r>
+              <a:rPr lang="en-CA" dirty="0" smtClean="0"/>
+              <a:t>2</a:t>
+            </a:r>
+            <a:endParaRPr lang="en-CA" dirty="0"/>
+          </a:p>
+        </p:txBody>
+      </p:sp>
+      <p:sp>
+        <p:nvSpPr>
+          <p:cNvPr id="76" name="Oval 75"/>
+          <p:cNvSpPr/>
+          <p:nvPr/>
+        </p:nvSpPr>
+        <p:spPr>
+          <a:xfrm>
+            <a:off x="11001397" y="4143172"/>
+            <a:ext cx="373488" cy="347730"/>
+          </a:xfrm>
+          <a:prstGeom prst="ellipse">
+            <a:avLst/>
+          </a:prstGeom>
+        </p:spPr>
+        <p:style>
+          <a:lnRef idx="2">
+            <a:schemeClr val="accent6"/>
+          </a:lnRef>
+          <a:fillRef idx="1">
+            <a:schemeClr val="lt1"/>
+          </a:fillRef>
+          <a:effectRef idx="0">
+            <a:schemeClr val="accent6"/>
+          </a:effectRef>
+          <a:fontRef idx="minor">
+            <a:schemeClr val="dk1"/>
+          </a:fontRef>
+        </p:style>
+        <p:txBody>
+          <a:bodyPr rtlCol="0" anchor="ctr"/>
+          <a:lstStyle/>
+          <a:p>
+            <a:pPr algn="ctr"/>
+            <a:r>
+              <a:rPr lang="en-CA" dirty="0"/>
+              <a:t>1</a:t>
+            </a:r>
+            <a:endParaRPr lang="en-CA" dirty="0"/>
+          </a:p>
+        </p:txBody>
+      </p:sp>
+      <p:sp>
+        <p:nvSpPr>
+          <p:cNvPr id="77" name="Rectangle 76"/>
+          <p:cNvSpPr/>
+          <p:nvPr/>
+        </p:nvSpPr>
+        <p:spPr>
+          <a:xfrm>
+            <a:off x="9609586" y="4558880"/>
+            <a:ext cx="1108380" cy="369332"/>
+          </a:xfrm>
+          <a:prstGeom prst="rect">
+            <a:avLst/>
+          </a:prstGeom>
+        </p:spPr>
+        <p:txBody>
+          <a:bodyPr wrap="none">
+            <a:spAutoFit/>
+          </a:bodyPr>
+          <a:lstStyle/>
+          <a:p>
+            <a:r>
+              <a:rPr lang="en-CA" dirty="0" smtClean="0"/>
+              <a:t>Method 4</a:t>
+            </a:r>
+            <a:endParaRPr lang="en-CA" dirty="0"/>
+          </a:p>
+        </p:txBody>
+      </p:sp>
+      <p:sp>
+        <p:nvSpPr>
+          <p:cNvPr id="78" name="Right Arrow 77"/>
+          <p:cNvSpPr/>
+          <p:nvPr/>
+        </p:nvSpPr>
+        <p:spPr>
+          <a:xfrm>
+            <a:off x="7942777" y="4162562"/>
+            <a:ext cx="447727" cy="319367"/>
+          </a:xfrm>
+          <a:prstGeom prst="rightArrow">
+            <a:avLst/>
+          </a:prstGeom>
+        </p:spPr>
+        <p:style>
+          <a:lnRef idx="2">
+            <a:schemeClr val="accent6"/>
+          </a:lnRef>
+          <a:fillRef idx="1">
+            <a:schemeClr val="lt1"/>
+          </a:fillRef>
+          <a:effectRef idx="0">
+            <a:schemeClr val="accent6"/>
+          </a:effectRef>
+          <a:fontRef idx="minor">
+            <a:schemeClr val="dk1"/>
+          </a:fontRef>
+        </p:style>
+        <p:txBody>
+          <a:bodyPr rtlCol="0" anchor="ctr"/>
+          <a:lstStyle/>
+          <a:p>
+            <a:pPr algn="ctr"/>
+            <a:endParaRPr lang="en-CA"/>
+          </a:p>
+        </p:txBody>
+      </p:sp>
+    </p:spTree>
+    <p:extLst>
+      <p:ext uri="{BB962C8B-B14F-4D97-AF65-F5344CB8AC3E}">
+        <p14:creationId xmlns:p14="http://schemas.microsoft.com/office/powerpoint/2010/main" val="3017953341"/>
+      </p:ext>
+    </p:extLst>
+  </p:cSld>
+  <p:clrMapOvr>
+    <a:masterClrMapping/>
+  </p:clrMapOvr>
+  <p:timing>
+    <p:tnLst>
+      <p:par>
+        <p:cTn id="1" dur="indefinite" restart="never" nodeType="tmRoot"/>
+      </p:par>
+    </p:tnLst>
+  </p:timing>
 </p:sld>
 </file>
 
@@ -24982,7 +28027,6 @@
               <a:rPr lang="en-CA" dirty="0"/>
               <a:t>2</a:t>
             </a:r>
-            <a:endParaRPr lang="en-CA" dirty="0"/>
           </a:p>
         </p:txBody>
       </p:sp>
@@ -25229,7 +28273,6 @@
               <a:rPr lang="en-CA" dirty="0"/>
               <a:t>n</a:t>
             </a:r>
-            <a:endParaRPr lang="en-CA" dirty="0"/>
           </a:p>
         </p:txBody>
       </p:sp>
@@ -25329,7 +28372,6 @@
               <a:rPr lang="en-CA" dirty="0"/>
               <a:t>2</a:t>
             </a:r>
-            <a:endParaRPr lang="en-CA" dirty="0"/>
           </a:p>
         </p:txBody>
       </p:sp>
@@ -25581,7 +28623,6 @@
               <a:rPr lang="en-CA" dirty="0"/>
               <a:t>n</a:t>
             </a:r>
-            <a:endParaRPr lang="en-CA" dirty="0"/>
           </a:p>
         </p:txBody>
       </p:sp>
